--- a/SASS/presentation.pptx
+++ b/SASS/presentation.pptx
@@ -10,8 +10,8 @@
     <p:sldId id="258" r:id="rId4"/>
     <p:sldId id="259" r:id="rId5"/>
     <p:sldId id="260" r:id="rId6"/>
-    <p:sldId id="261" r:id="rId7"/>
-    <p:sldId id="262" r:id="rId8"/>
+    <p:sldId id="262" r:id="rId7"/>
+    <p:sldId id="265" r:id="rId8"/>
     <p:sldId id="263" r:id="rId9"/>
     <p:sldId id="264" r:id="rId10"/>
   </p:sldIdLst>
@@ -126,8 +126,8 @@
             <p14:sldId id="258"/>
             <p14:sldId id="259"/>
             <p14:sldId id="260"/>
-            <p14:sldId id="261"/>
             <p14:sldId id="262"/>
+            <p14:sldId id="265"/>
             <p14:sldId id="263"/>
             <p14:sldId id="264"/>
           </p14:sldIdLst>
@@ -191,7 +191,7 @@
           <a:noFill/>
           <a:extLst>
             <a:ext uri="{909E8E84-426E-40dd-AFC4-6F175D3DCCD1}">
-              <a14:hiddenFill xmlns="" xmlns:a14="http://schemas.microsoft.com/office/drawing/2010/main">
+              <a14:hiddenFill xmlns:a14="http://schemas.microsoft.com/office/drawing/2010/main" xmlns="">
                 <a:solidFill>
                   <a:srgbClr val="FFFFFF"/>
                 </a:solidFill>
@@ -251,7 +251,7 @@
             </a:ln>
             <a:extLst>
               <a:ext uri="{91240B29-F687-4f45-9708-019B960494DF}">
-                <a14:hiddenLine xmlns="" xmlns:a14="http://schemas.microsoft.com/office/drawing/2010/main" w="9525">
+                <a14:hiddenLine xmlns:a14="http://schemas.microsoft.com/office/drawing/2010/main" xmlns="" w="9525">
                   <a:solidFill>
                     <a:srgbClr val="000000"/>
                   </a:solidFill>
@@ -341,7 +341,7 @@
             </a:ln>
             <a:extLst>
               <a:ext uri="{91240B29-F687-4f45-9708-019B960494DF}">
-                <a14:hiddenLine xmlns="" xmlns:a14="http://schemas.microsoft.com/office/drawing/2010/main" w="9525">
+                <a14:hiddenLine xmlns:a14="http://schemas.microsoft.com/office/drawing/2010/main" xmlns="" w="9525">
                   <a:solidFill>
                     <a:srgbClr val="000000"/>
                   </a:solidFill>
@@ -431,7 +431,7 @@
             </a:ln>
             <a:extLst>
               <a:ext uri="{91240B29-F687-4f45-9708-019B960494DF}">
-                <a14:hiddenLine xmlns="" xmlns:a14="http://schemas.microsoft.com/office/drawing/2010/main" w="9525">
+                <a14:hiddenLine xmlns:a14="http://schemas.microsoft.com/office/drawing/2010/main" xmlns="" w="9525">
                   <a:solidFill>
                     <a:srgbClr val="000000"/>
                   </a:solidFill>
@@ -465,7 +465,7 @@
             </a:ln>
             <a:extLst>
               <a:ext uri="{91240B29-F687-4f45-9708-019B960494DF}">
-                <a14:hiddenLine xmlns="" xmlns:a14="http://schemas.microsoft.com/office/drawing/2010/main" w="9525">
+                <a14:hiddenLine xmlns:a14="http://schemas.microsoft.com/office/drawing/2010/main" xmlns="" w="9525">
                   <a:solidFill>
                     <a:srgbClr val="000000"/>
                   </a:solidFill>
@@ -555,7 +555,7 @@
             </a:ln>
             <a:extLst>
               <a:ext uri="{91240B29-F687-4f45-9708-019B960494DF}">
-                <a14:hiddenLine xmlns="" xmlns:a14="http://schemas.microsoft.com/office/drawing/2010/main" w="9525">
+                <a14:hiddenLine xmlns:a14="http://schemas.microsoft.com/office/drawing/2010/main" xmlns="" w="9525">
                   <a:solidFill>
                     <a:srgbClr val="000000"/>
                   </a:solidFill>
@@ -617,7 +617,7 @@
             </a:ln>
             <a:extLst>
               <a:ext uri="{91240B29-F687-4f45-9708-019B960494DF}">
-                <a14:hiddenLine xmlns="" xmlns:a14="http://schemas.microsoft.com/office/drawing/2010/main" w="9525">
+                <a14:hiddenLine xmlns:a14="http://schemas.microsoft.com/office/drawing/2010/main" xmlns="" w="9525">
                   <a:solidFill>
                     <a:srgbClr val="000000"/>
                   </a:solidFill>
@@ -679,7 +679,7 @@
             </a:ln>
             <a:extLst>
               <a:ext uri="{91240B29-F687-4f45-9708-019B960494DF}">
-                <a14:hiddenLine xmlns="" xmlns:a14="http://schemas.microsoft.com/office/drawing/2010/main" w="9525">
+                <a14:hiddenLine xmlns:a14="http://schemas.microsoft.com/office/drawing/2010/main" xmlns="" w="9525">
                   <a:solidFill>
                     <a:srgbClr val="000000"/>
                   </a:solidFill>
@@ -769,7 +769,7 @@
             </a:ln>
             <a:extLst>
               <a:ext uri="{91240B29-F687-4f45-9708-019B960494DF}">
-                <a14:hiddenLine xmlns="" xmlns:a14="http://schemas.microsoft.com/office/drawing/2010/main" w="9525">
+                <a14:hiddenLine xmlns:a14="http://schemas.microsoft.com/office/drawing/2010/main" xmlns="" w="9525">
                   <a:solidFill>
                     <a:srgbClr val="000000"/>
                   </a:solidFill>
@@ -831,7 +831,7 @@
             </a:ln>
             <a:extLst>
               <a:ext uri="{91240B29-F687-4f45-9708-019B960494DF}">
-                <a14:hiddenLine xmlns="" xmlns:a14="http://schemas.microsoft.com/office/drawing/2010/main" w="9525">
+                <a14:hiddenLine xmlns:a14="http://schemas.microsoft.com/office/drawing/2010/main" xmlns="" w="9525">
                   <a:solidFill>
                     <a:srgbClr val="000000"/>
                   </a:solidFill>
@@ -893,7 +893,7 @@
             </a:ln>
             <a:extLst>
               <a:ext uri="{91240B29-F687-4f45-9708-019B960494DF}">
-                <a14:hiddenLine xmlns="" xmlns:a14="http://schemas.microsoft.com/office/drawing/2010/main" w="9525">
+                <a14:hiddenLine xmlns:a14="http://schemas.microsoft.com/office/drawing/2010/main" xmlns="" w="9525">
                   <a:solidFill>
                     <a:srgbClr val="000000"/>
                   </a:solidFill>
@@ -983,7 +983,7 @@
             </a:ln>
             <a:extLst>
               <a:ext uri="{91240B29-F687-4f45-9708-019B960494DF}">
-                <a14:hiddenLine xmlns="" xmlns:a14="http://schemas.microsoft.com/office/drawing/2010/main" w="9525">
+                <a14:hiddenLine xmlns:a14="http://schemas.microsoft.com/office/drawing/2010/main" xmlns="" w="9525">
                   <a:solidFill>
                     <a:srgbClr val="000000"/>
                   </a:solidFill>
@@ -1073,7 +1073,7 @@
             </a:ln>
             <a:extLst>
               <a:ext uri="{91240B29-F687-4f45-9708-019B960494DF}">
-                <a14:hiddenLine xmlns="" xmlns:a14="http://schemas.microsoft.com/office/drawing/2010/main" w="9525">
+                <a14:hiddenLine xmlns:a14="http://schemas.microsoft.com/office/drawing/2010/main" xmlns="" w="9525">
                   <a:solidFill>
                     <a:srgbClr val="000000"/>
                   </a:solidFill>
@@ -1135,7 +1135,7 @@
             </a:ln>
             <a:extLst>
               <a:ext uri="{91240B29-F687-4f45-9708-019B960494DF}">
-                <a14:hiddenLine xmlns="" xmlns:a14="http://schemas.microsoft.com/office/drawing/2010/main" w="9525">
+                <a14:hiddenLine xmlns:a14="http://schemas.microsoft.com/office/drawing/2010/main" xmlns="" w="9525">
                   <a:solidFill>
                     <a:srgbClr val="000000"/>
                   </a:solidFill>
@@ -1245,7 +1245,7 @@
             </a:ln>
             <a:extLst>
               <a:ext uri="{91240B29-F687-4f45-9708-019B960494DF}">
-                <a14:hiddenLine xmlns="" xmlns:a14="http://schemas.microsoft.com/office/drawing/2010/main" w="9525">
+                <a14:hiddenLine xmlns:a14="http://schemas.microsoft.com/office/drawing/2010/main" xmlns="" w="9525">
                   <a:solidFill>
                     <a:srgbClr val="000000"/>
                   </a:solidFill>
@@ -1307,7 +1307,7 @@
             </a:ln>
             <a:extLst>
               <a:ext uri="{91240B29-F687-4f45-9708-019B960494DF}">
-                <a14:hiddenLine xmlns="" xmlns:a14="http://schemas.microsoft.com/office/drawing/2010/main" w="9525">
+                <a14:hiddenLine xmlns:a14="http://schemas.microsoft.com/office/drawing/2010/main" xmlns="" w="9525">
                   <a:solidFill>
                     <a:srgbClr val="000000"/>
                   </a:solidFill>
@@ -1397,7 +1397,7 @@
             </a:ln>
             <a:extLst>
               <a:ext uri="{91240B29-F687-4f45-9708-019B960494DF}">
-                <a14:hiddenLine xmlns="" xmlns:a14="http://schemas.microsoft.com/office/drawing/2010/main" w="9525">
+                <a14:hiddenLine xmlns:a14="http://schemas.microsoft.com/office/drawing/2010/main" xmlns="" w="9525">
                   <a:solidFill>
                     <a:srgbClr val="000000"/>
                   </a:solidFill>
@@ -1487,7 +1487,7 @@
             </a:ln>
             <a:extLst>
               <a:ext uri="{91240B29-F687-4f45-9708-019B960494DF}">
-                <a14:hiddenLine xmlns="" xmlns:a14="http://schemas.microsoft.com/office/drawing/2010/main" w="9525">
+                <a14:hiddenLine xmlns:a14="http://schemas.microsoft.com/office/drawing/2010/main" xmlns="" w="9525">
                   <a:solidFill>
                     <a:srgbClr val="000000"/>
                   </a:solidFill>
@@ -1549,7 +1549,7 @@
             </a:ln>
             <a:extLst>
               <a:ext uri="{91240B29-F687-4f45-9708-019B960494DF}">
-                <a14:hiddenLine xmlns="" xmlns:a14="http://schemas.microsoft.com/office/drawing/2010/main" w="9525">
+                <a14:hiddenLine xmlns:a14="http://schemas.microsoft.com/office/drawing/2010/main" xmlns="" w="9525">
                   <a:solidFill>
                     <a:srgbClr val="000000"/>
                   </a:solidFill>
@@ -1639,7 +1639,7 @@
             </a:ln>
             <a:extLst>
               <a:ext uri="{91240B29-F687-4f45-9708-019B960494DF}">
-                <a14:hiddenLine xmlns="" xmlns:a14="http://schemas.microsoft.com/office/drawing/2010/main" w="9525">
+                <a14:hiddenLine xmlns:a14="http://schemas.microsoft.com/office/drawing/2010/main" xmlns="" w="9525">
                   <a:solidFill>
                     <a:srgbClr val="000000"/>
                   </a:solidFill>
@@ -1729,7 +1729,7 @@
             </a:ln>
             <a:extLst>
               <a:ext uri="{91240B29-F687-4f45-9708-019B960494DF}">
-                <a14:hiddenLine xmlns="" xmlns:a14="http://schemas.microsoft.com/office/drawing/2010/main" w="9525">
+                <a14:hiddenLine xmlns:a14="http://schemas.microsoft.com/office/drawing/2010/main" xmlns="" w="9525">
                   <a:solidFill>
                     <a:srgbClr val="000000"/>
                   </a:solidFill>
@@ -1785,7 +1785,7 @@
             </a:ln>
             <a:extLst>
               <a:ext uri="{91240B29-F687-4f45-9708-019B960494DF}">
-                <a14:hiddenLine xmlns="" xmlns:a14="http://schemas.microsoft.com/office/drawing/2010/main" w="9525">
+                <a14:hiddenLine xmlns:a14="http://schemas.microsoft.com/office/drawing/2010/main" xmlns="" w="9525">
                   <a:solidFill>
                     <a:srgbClr val="000000"/>
                   </a:solidFill>
@@ -1875,7 +1875,7 @@
             </a:ln>
             <a:extLst>
               <a:ext uri="{91240B29-F687-4f45-9708-019B960494DF}">
-                <a14:hiddenLine xmlns="" xmlns:a14="http://schemas.microsoft.com/office/drawing/2010/main" w="9525">
+                <a14:hiddenLine xmlns:a14="http://schemas.microsoft.com/office/drawing/2010/main" xmlns="" w="9525">
                   <a:solidFill>
                     <a:srgbClr val="000000"/>
                   </a:solidFill>
@@ -1931,7 +1931,7 @@
             </a:ln>
             <a:extLst>
               <a:ext uri="{91240B29-F687-4f45-9708-019B960494DF}">
-                <a14:hiddenLine xmlns="" xmlns:a14="http://schemas.microsoft.com/office/drawing/2010/main" w="9525">
+                <a14:hiddenLine xmlns:a14="http://schemas.microsoft.com/office/drawing/2010/main" xmlns="" w="9525">
                   <a:solidFill>
                     <a:srgbClr val="000000"/>
                   </a:solidFill>
@@ -2021,7 +2021,7 @@
             </a:ln>
             <a:extLst>
               <a:ext uri="{91240B29-F687-4f45-9708-019B960494DF}">
-                <a14:hiddenLine xmlns="" xmlns:a14="http://schemas.microsoft.com/office/drawing/2010/main" w="9525">
+                <a14:hiddenLine xmlns:a14="http://schemas.microsoft.com/office/drawing/2010/main" xmlns="" w="9525">
                   <a:solidFill>
                     <a:srgbClr val="000000"/>
                   </a:solidFill>
@@ -2089,7 +2089,7 @@
             </a:ln>
             <a:extLst>
               <a:ext uri="{91240B29-F687-4f45-9708-019B960494DF}">
-                <a14:hiddenLine xmlns="" xmlns:a14="http://schemas.microsoft.com/office/drawing/2010/main" w="9525">
+                <a14:hiddenLine xmlns:a14="http://schemas.microsoft.com/office/drawing/2010/main" xmlns="" w="9525">
                   <a:solidFill>
                     <a:srgbClr val="000000"/>
                   </a:solidFill>
@@ -2179,7 +2179,7 @@
             </a:ln>
             <a:extLst>
               <a:ext uri="{91240B29-F687-4f45-9708-019B960494DF}">
-                <a14:hiddenLine xmlns="" xmlns:a14="http://schemas.microsoft.com/office/drawing/2010/main" w="9525">
+                <a14:hiddenLine xmlns:a14="http://schemas.microsoft.com/office/drawing/2010/main" xmlns="" w="9525">
                   <a:solidFill>
                     <a:srgbClr val="000000"/>
                   </a:solidFill>
@@ -2247,7 +2247,7 @@
             </a:ln>
             <a:extLst>
               <a:ext uri="{91240B29-F687-4f45-9708-019B960494DF}">
-                <a14:hiddenLine xmlns="" xmlns:a14="http://schemas.microsoft.com/office/drawing/2010/main" w="9525">
+                <a14:hiddenLine xmlns:a14="http://schemas.microsoft.com/office/drawing/2010/main" xmlns="" w="9525">
                   <a:solidFill>
                     <a:srgbClr val="000000"/>
                   </a:solidFill>
@@ -2337,7 +2337,7 @@
             </a:ln>
             <a:extLst>
               <a:ext uri="{91240B29-F687-4f45-9708-019B960494DF}">
-                <a14:hiddenLine xmlns="" xmlns:a14="http://schemas.microsoft.com/office/drawing/2010/main" w="9525">
+                <a14:hiddenLine xmlns:a14="http://schemas.microsoft.com/office/drawing/2010/main" xmlns="" w="9525">
                   <a:solidFill>
                     <a:srgbClr val="000000"/>
                   </a:solidFill>
@@ -2371,7 +2371,7 @@
             </a:ln>
             <a:extLst>
               <a:ext uri="{91240B29-F687-4f45-9708-019B960494DF}">
-                <a14:hiddenLine xmlns="" xmlns:a14="http://schemas.microsoft.com/office/drawing/2010/main" w="9525">
+                <a14:hiddenLine xmlns:a14="http://schemas.microsoft.com/office/drawing/2010/main" xmlns="" w="9525">
                   <a:solidFill>
                     <a:srgbClr val="000000"/>
                   </a:solidFill>
@@ -2461,7 +2461,7 @@
             </a:ln>
             <a:extLst>
               <a:ext uri="{91240B29-F687-4f45-9708-019B960494DF}">
-                <a14:hiddenLine xmlns="" xmlns:a14="http://schemas.microsoft.com/office/drawing/2010/main" w="9525">
+                <a14:hiddenLine xmlns:a14="http://schemas.microsoft.com/office/drawing/2010/main" xmlns="" w="9525">
                   <a:solidFill>
                     <a:srgbClr val="000000"/>
                   </a:solidFill>
@@ -2523,7 +2523,7 @@
             </a:ln>
             <a:extLst>
               <a:ext uri="{91240B29-F687-4f45-9708-019B960494DF}">
-                <a14:hiddenLine xmlns="" xmlns:a14="http://schemas.microsoft.com/office/drawing/2010/main" w="9525">
+                <a14:hiddenLine xmlns:a14="http://schemas.microsoft.com/office/drawing/2010/main" xmlns="" w="9525">
                   <a:solidFill>
                     <a:srgbClr val="000000"/>
                   </a:solidFill>
@@ -2585,7 +2585,7 @@
             </a:ln>
             <a:extLst>
               <a:ext uri="{91240B29-F687-4f45-9708-019B960494DF}">
-                <a14:hiddenLine xmlns="" xmlns:a14="http://schemas.microsoft.com/office/drawing/2010/main" w="9525">
+                <a14:hiddenLine xmlns:a14="http://schemas.microsoft.com/office/drawing/2010/main" xmlns="" w="9525">
                   <a:solidFill>
                     <a:srgbClr val="000000"/>
                   </a:solidFill>
@@ -2675,7 +2675,7 @@
             </a:ln>
             <a:extLst>
               <a:ext uri="{91240B29-F687-4f45-9708-019B960494DF}">
-                <a14:hiddenLine xmlns="" xmlns:a14="http://schemas.microsoft.com/office/drawing/2010/main" w="9525">
+                <a14:hiddenLine xmlns:a14="http://schemas.microsoft.com/office/drawing/2010/main" xmlns="" w="9525">
                   <a:solidFill>
                     <a:srgbClr val="000000"/>
                   </a:solidFill>
@@ -2743,7 +2743,7 @@
             </a:ln>
             <a:extLst>
               <a:ext uri="{91240B29-F687-4f45-9708-019B960494DF}">
-                <a14:hiddenLine xmlns="" xmlns:a14="http://schemas.microsoft.com/office/drawing/2010/main" w="9525">
+                <a14:hiddenLine xmlns:a14="http://schemas.microsoft.com/office/drawing/2010/main" xmlns="" w="9525">
                   <a:solidFill>
                     <a:srgbClr val="000000"/>
                   </a:solidFill>
@@ -2805,7 +2805,7 @@
             </a:ln>
             <a:extLst>
               <a:ext uri="{91240B29-F687-4f45-9708-019B960494DF}">
-                <a14:hiddenLine xmlns="" xmlns:a14="http://schemas.microsoft.com/office/drawing/2010/main" w="9525">
+                <a14:hiddenLine xmlns:a14="http://schemas.microsoft.com/office/drawing/2010/main" xmlns="" w="9525">
                   <a:solidFill>
                     <a:srgbClr val="000000"/>
                   </a:solidFill>
@@ -2895,7 +2895,7 @@
             </a:ln>
             <a:extLst>
               <a:ext uri="{91240B29-F687-4f45-9708-019B960494DF}">
-                <a14:hiddenLine xmlns="" xmlns:a14="http://schemas.microsoft.com/office/drawing/2010/main" w="9525">
+                <a14:hiddenLine xmlns:a14="http://schemas.microsoft.com/office/drawing/2010/main" xmlns="" w="9525">
                   <a:solidFill>
                     <a:srgbClr val="000000"/>
                   </a:solidFill>
@@ -2957,7 +2957,7 @@
             </a:ln>
             <a:extLst>
               <a:ext uri="{91240B29-F687-4f45-9708-019B960494DF}">
-                <a14:hiddenLine xmlns="" xmlns:a14="http://schemas.microsoft.com/office/drawing/2010/main" w="9525">
+                <a14:hiddenLine xmlns:a14="http://schemas.microsoft.com/office/drawing/2010/main" xmlns="" w="9525">
                   <a:solidFill>
                     <a:srgbClr val="000000"/>
                   </a:solidFill>
@@ -3047,7 +3047,7 @@
             </a:ln>
             <a:extLst>
               <a:ext uri="{91240B29-F687-4f45-9708-019B960494DF}">
-                <a14:hiddenLine xmlns="" xmlns:a14="http://schemas.microsoft.com/office/drawing/2010/main" w="9525">
+                <a14:hiddenLine xmlns:a14="http://schemas.microsoft.com/office/drawing/2010/main" xmlns="" w="9525">
                   <a:solidFill>
                     <a:srgbClr val="000000"/>
                   </a:solidFill>
@@ -3109,7 +3109,7 @@
             </a:ln>
             <a:extLst>
               <a:ext uri="{91240B29-F687-4f45-9708-019B960494DF}">
-                <a14:hiddenLine xmlns="" xmlns:a14="http://schemas.microsoft.com/office/drawing/2010/main" w="9525">
+                <a14:hiddenLine xmlns:a14="http://schemas.microsoft.com/office/drawing/2010/main" xmlns="" w="9525">
                   <a:solidFill>
                     <a:srgbClr val="000000"/>
                   </a:solidFill>
@@ -3199,7 +3199,7 @@
             </a:ln>
             <a:extLst>
               <a:ext uri="{91240B29-F687-4f45-9708-019B960494DF}">
-                <a14:hiddenLine xmlns="" xmlns:a14="http://schemas.microsoft.com/office/drawing/2010/main" w="9525">
+                <a14:hiddenLine xmlns:a14="http://schemas.microsoft.com/office/drawing/2010/main" xmlns="" w="9525">
                   <a:solidFill>
                     <a:srgbClr val="000000"/>
                   </a:solidFill>
@@ -3233,7 +3233,7 @@
             </a:ln>
             <a:extLst>
               <a:ext uri="{91240B29-F687-4f45-9708-019B960494DF}">
-                <a14:hiddenLine xmlns="" xmlns:a14="http://schemas.microsoft.com/office/drawing/2010/main" w="9525">
+                <a14:hiddenLine xmlns:a14="http://schemas.microsoft.com/office/drawing/2010/main" xmlns="" w="9525">
                   <a:solidFill>
                     <a:srgbClr val="000000"/>
                   </a:solidFill>
@@ -3298,7 +3298,7 @@
             </a:ln>
             <a:extLst>
               <a:ext uri="{91240B29-F687-4f45-9708-019B960494DF}">
-                <a14:hiddenLine xmlns="" xmlns:a14="http://schemas.microsoft.com/office/drawing/2010/main" w="9525">
+                <a14:hiddenLine xmlns:a14="http://schemas.microsoft.com/office/drawing/2010/main" xmlns="" w="9525">
                   <a:solidFill>
                     <a:srgbClr val="000000"/>
                   </a:solidFill>
@@ -3388,7 +3388,7 @@
             </a:ln>
             <a:extLst>
               <a:ext uri="{91240B29-F687-4f45-9708-019B960494DF}">
-                <a14:hiddenLine xmlns="" xmlns:a14="http://schemas.microsoft.com/office/drawing/2010/main" w="9525">
+                <a14:hiddenLine xmlns:a14="http://schemas.microsoft.com/office/drawing/2010/main" xmlns="" w="9525">
                   <a:solidFill>
                     <a:srgbClr val="000000"/>
                   </a:solidFill>
@@ -3450,7 +3450,7 @@
             </a:ln>
             <a:extLst>
               <a:ext uri="{91240B29-F687-4f45-9708-019B960494DF}">
-                <a14:hiddenLine xmlns="" xmlns:a14="http://schemas.microsoft.com/office/drawing/2010/main" w="9525">
+                <a14:hiddenLine xmlns:a14="http://schemas.microsoft.com/office/drawing/2010/main" xmlns="" w="9525">
                   <a:solidFill>
                     <a:srgbClr val="000000"/>
                   </a:solidFill>
@@ -3540,7 +3540,7 @@
             </a:ln>
             <a:extLst>
               <a:ext uri="{91240B29-F687-4f45-9708-019B960494DF}">
-                <a14:hiddenLine xmlns="" xmlns:a14="http://schemas.microsoft.com/office/drawing/2010/main" w="9525">
+                <a14:hiddenLine xmlns:a14="http://schemas.microsoft.com/office/drawing/2010/main" xmlns="" w="9525">
                   <a:solidFill>
                     <a:srgbClr val="000000"/>
                   </a:solidFill>
@@ -3630,7 +3630,7 @@
             </a:ln>
             <a:extLst>
               <a:ext uri="{91240B29-F687-4f45-9708-019B960494DF}">
-                <a14:hiddenLine xmlns="" xmlns:a14="http://schemas.microsoft.com/office/drawing/2010/main" w="9525">
+                <a14:hiddenLine xmlns:a14="http://schemas.microsoft.com/office/drawing/2010/main" xmlns="" w="9525">
                   <a:solidFill>
                     <a:srgbClr val="000000"/>
                   </a:solidFill>
@@ -3695,7 +3695,7 @@
             </a:ln>
             <a:extLst>
               <a:ext uri="{91240B29-F687-4f45-9708-019B960494DF}">
-                <a14:hiddenLine xmlns="" xmlns:a14="http://schemas.microsoft.com/office/drawing/2010/main" w="9525">
+                <a14:hiddenLine xmlns:a14="http://schemas.microsoft.com/office/drawing/2010/main" xmlns="" w="9525">
                   <a:solidFill>
                     <a:srgbClr val="000000"/>
                   </a:solidFill>
@@ -3757,7 +3757,7 @@
             </a:ln>
             <a:extLst>
               <a:ext uri="{91240B29-F687-4f45-9708-019B960494DF}">
-                <a14:hiddenLine xmlns="" xmlns:a14="http://schemas.microsoft.com/office/drawing/2010/main" w="9525">
+                <a14:hiddenLine xmlns:a14="http://schemas.microsoft.com/office/drawing/2010/main" xmlns="" w="9525">
                   <a:solidFill>
                     <a:srgbClr val="000000"/>
                   </a:solidFill>
@@ -3847,7 +3847,7 @@
             </a:ln>
             <a:extLst>
               <a:ext uri="{91240B29-F687-4f45-9708-019B960494DF}">
-                <a14:hiddenLine xmlns="" xmlns:a14="http://schemas.microsoft.com/office/drawing/2010/main" w="9525">
+                <a14:hiddenLine xmlns:a14="http://schemas.microsoft.com/office/drawing/2010/main" xmlns="" w="9525">
                   <a:solidFill>
                     <a:srgbClr val="000000"/>
                   </a:solidFill>
@@ -3937,7 +3937,7 @@
             </a:ln>
             <a:extLst>
               <a:ext uri="{91240B29-F687-4f45-9708-019B960494DF}">
-                <a14:hiddenLine xmlns="" xmlns:a14="http://schemas.microsoft.com/office/drawing/2010/main" w="9525">
+                <a14:hiddenLine xmlns:a14="http://schemas.microsoft.com/office/drawing/2010/main" xmlns="" w="9525">
                   <a:solidFill>
                     <a:srgbClr val="000000"/>
                   </a:solidFill>
@@ -3999,7 +3999,7 @@
             </a:ln>
             <a:extLst>
               <a:ext uri="{91240B29-F687-4f45-9708-019B960494DF}">
-                <a14:hiddenLine xmlns="" xmlns:a14="http://schemas.microsoft.com/office/drawing/2010/main" w="9525">
+                <a14:hiddenLine xmlns:a14="http://schemas.microsoft.com/office/drawing/2010/main" xmlns="" w="9525">
                   <a:solidFill>
                     <a:srgbClr val="000000"/>
                   </a:solidFill>
@@ -4119,7 +4119,7 @@
             </a:ln>
             <a:extLst>
               <a:ext uri="{91240B29-F687-4f45-9708-019B960494DF}">
-                <a14:hiddenLine xmlns="" xmlns:a14="http://schemas.microsoft.com/office/drawing/2010/main" w="9525">
+                <a14:hiddenLine xmlns:a14="http://schemas.microsoft.com/office/drawing/2010/main" xmlns="" w="9525">
                   <a:solidFill>
                     <a:srgbClr val="000000"/>
                   </a:solidFill>
@@ -4187,7 +4187,7 @@
             </a:ln>
             <a:extLst>
               <a:ext uri="{91240B29-F687-4f45-9708-019B960494DF}">
-                <a14:hiddenLine xmlns="" xmlns:a14="http://schemas.microsoft.com/office/drawing/2010/main" w="9525">
+                <a14:hiddenLine xmlns:a14="http://schemas.microsoft.com/office/drawing/2010/main" xmlns="" w="9525">
                   <a:solidFill>
                     <a:srgbClr val="000000"/>
                   </a:solidFill>
@@ -4277,7 +4277,7 @@
             </a:ln>
             <a:extLst>
               <a:ext uri="{91240B29-F687-4f45-9708-019B960494DF}">
-                <a14:hiddenLine xmlns="" xmlns:a14="http://schemas.microsoft.com/office/drawing/2010/main" w="9525">
+                <a14:hiddenLine xmlns:a14="http://schemas.microsoft.com/office/drawing/2010/main" xmlns="" w="9525">
                   <a:solidFill>
                     <a:srgbClr val="000000"/>
                   </a:solidFill>
@@ -4417,7 +4417,7 @@
           <a:p>
             <a:fld id="{48A87A34-81AB-432B-8DAE-1953F412C126}" type="datetimeFigureOut">
               <a:rPr lang="en-US" dirty="0"/>
-              <a:t>10/14/2018</a:t>
+              <a:t>10/15/2018</a:t>
             </a:fld>
             <a:endParaRPr lang="en-US" dirty="0"/>
           </a:p>
@@ -4679,7 +4679,7 @@
           <a:p>
             <a:fld id="{48A87A34-81AB-432B-8DAE-1953F412C126}" type="datetimeFigureOut">
               <a:rPr lang="en-US" dirty="0"/>
-              <a:t>10/14/2018</a:t>
+              <a:t>10/15/2018</a:t>
             </a:fld>
             <a:endParaRPr lang="en-US" dirty="0"/>
           </a:p>
@@ -4870,7 +4870,7 @@
           <a:p>
             <a:fld id="{48A87A34-81AB-432B-8DAE-1953F412C126}" type="datetimeFigureOut">
               <a:rPr lang="en-US" dirty="0"/>
-              <a:t>10/14/2018</a:t>
+              <a:t>10/15/2018</a:t>
             </a:fld>
             <a:endParaRPr lang="en-US" dirty="0"/>
           </a:p>
@@ -5128,7 +5128,7 @@
           <a:p>
             <a:fld id="{48A87A34-81AB-432B-8DAE-1953F412C126}" type="datetimeFigureOut">
               <a:rPr lang="en-US" dirty="0"/>
-              <a:t>10/14/2018</a:t>
+              <a:t>10/15/2018</a:t>
             </a:fld>
             <a:endParaRPr lang="en-US" dirty="0"/>
           </a:p>
@@ -5557,7 +5557,7 @@
           <a:p>
             <a:fld id="{48A87A34-81AB-432B-8DAE-1953F412C126}" type="datetimeFigureOut">
               <a:rPr lang="en-US" dirty="0"/>
-              <a:t>10/14/2018</a:t>
+              <a:t>10/15/2018</a:t>
             </a:fld>
             <a:endParaRPr lang="en-US" dirty="0"/>
           </a:p>
@@ -6098,7 +6098,7 @@
           <a:p>
             <a:fld id="{48A87A34-81AB-432B-8DAE-1953F412C126}" type="datetimeFigureOut">
               <a:rPr lang="en-US" dirty="0"/>
-              <a:t>10/14/2018</a:t>
+              <a:t>10/15/2018</a:t>
             </a:fld>
             <a:endParaRPr lang="en-US" dirty="0"/>
           </a:p>
@@ -6813,7 +6813,7 @@
           <a:p>
             <a:fld id="{48A87A34-81AB-432B-8DAE-1953F412C126}" type="datetimeFigureOut">
               <a:rPr lang="en-US" dirty="0"/>
-              <a:t>10/14/2018</a:t>
+              <a:t>10/15/2018</a:t>
             </a:fld>
             <a:endParaRPr lang="en-US" dirty="0"/>
           </a:p>
@@ -6978,7 +6978,7 @@
           <a:p>
             <a:fld id="{48A87A34-81AB-432B-8DAE-1953F412C126}" type="datetimeFigureOut">
               <a:rPr lang="en-US" dirty="0"/>
-              <a:t>10/14/2018</a:t>
+              <a:t>10/15/2018</a:t>
             </a:fld>
             <a:endParaRPr lang="en-US" dirty="0"/>
           </a:p>
@@ -7153,7 +7153,7 @@
           <a:p>
             <a:fld id="{48A87A34-81AB-432B-8DAE-1953F412C126}" type="datetimeFigureOut">
               <a:rPr lang="en-US" dirty="0"/>
-              <a:t>10/14/2018</a:t>
+              <a:t>10/15/2018</a:t>
             </a:fld>
             <a:endParaRPr lang="en-US" dirty="0"/>
           </a:p>
@@ -7318,7 +7318,7 @@
           <a:p>
             <a:fld id="{48A87A34-81AB-432B-8DAE-1953F412C126}" type="datetimeFigureOut">
               <a:rPr lang="en-US" dirty="0"/>
-              <a:t>10/14/2018</a:t>
+              <a:t>10/15/2018</a:t>
             </a:fld>
             <a:endParaRPr lang="en-US" dirty="0"/>
           </a:p>
@@ -7563,7 +7563,7 @@
           <a:p>
             <a:fld id="{48A87A34-81AB-432B-8DAE-1953F412C126}" type="datetimeFigureOut">
               <a:rPr lang="en-US" dirty="0"/>
-              <a:t>10/14/2018</a:t>
+              <a:t>10/15/2018</a:t>
             </a:fld>
             <a:endParaRPr lang="en-US" dirty="0"/>
           </a:p>
@@ -7790,7 +7790,7 @@
           <a:p>
             <a:fld id="{48A87A34-81AB-432B-8DAE-1953F412C126}" type="datetimeFigureOut">
               <a:rPr lang="en-US" dirty="0"/>
-              <a:t>10/14/2018</a:t>
+              <a:t>10/15/2018</a:t>
             </a:fld>
             <a:endParaRPr lang="en-US" dirty="0"/>
           </a:p>
@@ -8166,7 +8166,7 @@
           <a:p>
             <a:fld id="{48A87A34-81AB-432B-8DAE-1953F412C126}" type="datetimeFigureOut">
               <a:rPr lang="en-US" dirty="0"/>
-              <a:t>10/14/2018</a:t>
+              <a:t>10/15/2018</a:t>
             </a:fld>
             <a:endParaRPr lang="en-US" dirty="0"/>
           </a:p>
@@ -8279,7 +8279,7 @@
           <a:p>
             <a:fld id="{48A87A34-81AB-432B-8DAE-1953F412C126}" type="datetimeFigureOut">
               <a:rPr lang="en-US" dirty="0"/>
-              <a:t>10/14/2018</a:t>
+              <a:t>10/15/2018</a:t>
             </a:fld>
             <a:endParaRPr lang="en-US" dirty="0"/>
           </a:p>
@@ -8369,7 +8369,7 @@
           <a:p>
             <a:fld id="{48A87A34-81AB-432B-8DAE-1953F412C126}" type="datetimeFigureOut">
               <a:rPr lang="en-US" dirty="0"/>
-              <a:t>10/14/2018</a:t>
+              <a:t>10/15/2018</a:t>
             </a:fld>
             <a:endParaRPr lang="en-US" dirty="0"/>
           </a:p>
@@ -8613,7 +8613,7 @@
           <a:p>
             <a:fld id="{48A87A34-81AB-432B-8DAE-1953F412C126}" type="datetimeFigureOut">
               <a:rPr lang="en-US" dirty="0"/>
-              <a:t>10/14/2018</a:t>
+              <a:t>10/15/2018</a:t>
             </a:fld>
             <a:endParaRPr lang="en-US" dirty="0"/>
           </a:p>
@@ -8888,7 +8888,7 @@
           <a:p>
             <a:fld id="{48A87A34-81AB-432B-8DAE-1953F412C126}" type="datetimeFigureOut">
               <a:rPr lang="en-US" dirty="0"/>
-              <a:t>10/14/2018</a:t>
+              <a:t>10/15/2018</a:t>
             </a:fld>
             <a:endParaRPr lang="en-US" dirty="0"/>
           </a:p>
@@ -8999,7 +8999,7 @@
           <a:noFill/>
           <a:extLst>
             <a:ext uri="{909E8E84-426E-40dd-AFC4-6F175D3DCCD1}">
-              <a14:hiddenFill xmlns="" xmlns:a14="http://schemas.microsoft.com/office/drawing/2010/main">
+              <a14:hiddenFill xmlns:a14="http://schemas.microsoft.com/office/drawing/2010/main" xmlns="">
                 <a:solidFill>
                   <a:srgbClr val="FFFFFF"/>
                 </a:solidFill>
@@ -9073,7 +9073,7 @@
               </a:ln>
               <a:extLst>
                 <a:ext uri="{91240B29-F687-4f45-9708-019B960494DF}">
-                  <a14:hiddenLine xmlns="" xmlns:a14="http://schemas.microsoft.com/office/drawing/2010/main" w="9525">
+                  <a14:hiddenLine xmlns:a14="http://schemas.microsoft.com/office/drawing/2010/main" xmlns="" w="9525">
                     <a:solidFill>
                       <a:srgbClr val="000000"/>
                     </a:solidFill>
@@ -9163,7 +9163,7 @@
               </a:ln>
               <a:extLst>
                 <a:ext uri="{91240B29-F687-4f45-9708-019B960494DF}">
-                  <a14:hiddenLine xmlns="" xmlns:a14="http://schemas.microsoft.com/office/drawing/2010/main" w="9525">
+                  <a14:hiddenLine xmlns:a14="http://schemas.microsoft.com/office/drawing/2010/main" xmlns="" w="9525">
                     <a:solidFill>
                       <a:srgbClr val="000000"/>
                     </a:solidFill>
@@ -9253,7 +9253,7 @@
               </a:ln>
               <a:extLst>
                 <a:ext uri="{91240B29-F687-4f45-9708-019B960494DF}">
-                  <a14:hiddenLine xmlns="" xmlns:a14="http://schemas.microsoft.com/office/drawing/2010/main" w="9525">
+                  <a14:hiddenLine xmlns:a14="http://schemas.microsoft.com/office/drawing/2010/main" xmlns="" w="9525">
                     <a:solidFill>
                       <a:srgbClr val="000000"/>
                     </a:solidFill>
@@ -9315,7 +9315,7 @@
               </a:ln>
               <a:extLst>
                 <a:ext uri="{91240B29-F687-4f45-9708-019B960494DF}">
-                  <a14:hiddenLine xmlns="" xmlns:a14="http://schemas.microsoft.com/office/drawing/2010/main" w="9525">
+                  <a14:hiddenLine xmlns:a14="http://schemas.microsoft.com/office/drawing/2010/main" xmlns="" w="9525">
                     <a:solidFill>
                       <a:srgbClr val="000000"/>
                     </a:solidFill>
@@ -9405,7 +9405,7 @@
               </a:ln>
               <a:extLst>
                 <a:ext uri="{91240B29-F687-4f45-9708-019B960494DF}">
-                  <a14:hiddenLine xmlns="" xmlns:a14="http://schemas.microsoft.com/office/drawing/2010/main" w="9525">
+                  <a14:hiddenLine xmlns:a14="http://schemas.microsoft.com/office/drawing/2010/main" xmlns="" w="9525">
                     <a:solidFill>
                       <a:srgbClr val="000000"/>
                     </a:solidFill>
@@ -9467,7 +9467,7 @@
               </a:ln>
               <a:extLst>
                 <a:ext uri="{91240B29-F687-4f45-9708-019B960494DF}">
-                  <a14:hiddenLine xmlns="" xmlns:a14="http://schemas.microsoft.com/office/drawing/2010/main" w="9525">
+                  <a14:hiddenLine xmlns:a14="http://schemas.microsoft.com/office/drawing/2010/main" xmlns="" w="9525">
                     <a:solidFill>
                       <a:srgbClr val="000000"/>
                     </a:solidFill>
@@ -9529,7 +9529,7 @@
               </a:ln>
               <a:extLst>
                 <a:ext uri="{91240B29-F687-4f45-9708-019B960494DF}">
-                  <a14:hiddenLine xmlns="" xmlns:a14="http://schemas.microsoft.com/office/drawing/2010/main" w="9525">
+                  <a14:hiddenLine xmlns:a14="http://schemas.microsoft.com/office/drawing/2010/main" xmlns="" w="9525">
                     <a:solidFill>
                       <a:srgbClr val="000000"/>
                     </a:solidFill>
@@ -9619,7 +9619,7 @@
               </a:ln>
               <a:extLst>
                 <a:ext uri="{91240B29-F687-4f45-9708-019B960494DF}">
-                  <a14:hiddenLine xmlns="" xmlns:a14="http://schemas.microsoft.com/office/drawing/2010/main" w="9525">
+                  <a14:hiddenLine xmlns:a14="http://schemas.microsoft.com/office/drawing/2010/main" xmlns="" w="9525">
                     <a:solidFill>
                       <a:srgbClr val="000000"/>
                     </a:solidFill>
@@ -9709,7 +9709,7 @@
               </a:ln>
               <a:extLst>
                 <a:ext uri="{91240B29-F687-4f45-9708-019B960494DF}">
-                  <a14:hiddenLine xmlns="" xmlns:a14="http://schemas.microsoft.com/office/drawing/2010/main" w="9525">
+                  <a14:hiddenLine xmlns:a14="http://schemas.microsoft.com/office/drawing/2010/main" xmlns="" w="9525">
                     <a:solidFill>
                       <a:srgbClr val="000000"/>
                     </a:solidFill>
@@ -9771,7 +9771,7 @@
               </a:ln>
               <a:extLst>
                 <a:ext uri="{91240B29-F687-4f45-9708-019B960494DF}">
-                  <a14:hiddenLine xmlns="" xmlns:a14="http://schemas.microsoft.com/office/drawing/2010/main" w="9525">
+                  <a14:hiddenLine xmlns:a14="http://schemas.microsoft.com/office/drawing/2010/main" xmlns="" w="9525">
                     <a:solidFill>
                       <a:srgbClr val="000000"/>
                     </a:solidFill>
@@ -9881,7 +9881,7 @@
               </a:ln>
               <a:extLst>
                 <a:ext uri="{91240B29-F687-4f45-9708-019B960494DF}">
-                  <a14:hiddenLine xmlns="" xmlns:a14="http://schemas.microsoft.com/office/drawing/2010/main" w="9525">
+                  <a14:hiddenLine xmlns:a14="http://schemas.microsoft.com/office/drawing/2010/main" xmlns="" w="9525">
                     <a:solidFill>
                       <a:srgbClr val="000000"/>
                     </a:solidFill>
@@ -9965,7 +9965,7 @@
               </a:ln>
               <a:extLst>
                 <a:ext uri="{91240B29-F687-4f45-9708-019B960494DF}">
-                  <a14:hiddenLine xmlns="" xmlns:a14="http://schemas.microsoft.com/office/drawing/2010/main" w="9525">
+                  <a14:hiddenLine xmlns:a14="http://schemas.microsoft.com/office/drawing/2010/main" xmlns="" w="9525">
                     <a:solidFill>
                       <a:srgbClr val="000000"/>
                     </a:solidFill>
@@ -10027,7 +10027,7 @@
               </a:ln>
               <a:extLst>
                 <a:ext uri="{91240B29-F687-4f45-9708-019B960494DF}">
-                  <a14:hiddenLine xmlns="" xmlns:a14="http://schemas.microsoft.com/office/drawing/2010/main" w="9525">
+                  <a14:hiddenLine xmlns:a14="http://schemas.microsoft.com/office/drawing/2010/main" xmlns="" w="9525">
                     <a:solidFill>
                       <a:srgbClr val="000000"/>
                     </a:solidFill>
@@ -10089,7 +10089,7 @@
               </a:ln>
               <a:extLst>
                 <a:ext uri="{91240B29-F687-4f45-9708-019B960494DF}">
-                  <a14:hiddenLine xmlns="" xmlns:a14="http://schemas.microsoft.com/office/drawing/2010/main" w="9525">
+                  <a14:hiddenLine xmlns:a14="http://schemas.microsoft.com/office/drawing/2010/main" xmlns="" w="9525">
                     <a:solidFill>
                       <a:srgbClr val="000000"/>
                     </a:solidFill>
@@ -10179,7 +10179,7 @@
               </a:ln>
               <a:extLst>
                 <a:ext uri="{91240B29-F687-4f45-9708-019B960494DF}">
-                  <a14:hiddenLine xmlns="" xmlns:a14="http://schemas.microsoft.com/office/drawing/2010/main" w="9525">
+                  <a14:hiddenLine xmlns:a14="http://schemas.microsoft.com/office/drawing/2010/main" xmlns="" w="9525">
                     <a:solidFill>
                       <a:srgbClr val="000000"/>
                     </a:solidFill>
@@ -10213,7 +10213,7 @@
               </a:ln>
               <a:extLst>
                 <a:ext uri="{91240B29-F687-4f45-9708-019B960494DF}">
-                  <a14:hiddenLine xmlns="" xmlns:a14="http://schemas.microsoft.com/office/drawing/2010/main" w="9525">
+                  <a14:hiddenLine xmlns:a14="http://schemas.microsoft.com/office/drawing/2010/main" xmlns="" w="9525">
                     <a:solidFill>
                       <a:srgbClr val="000000"/>
                     </a:solidFill>
@@ -10278,7 +10278,7 @@
               </a:ln>
               <a:extLst>
                 <a:ext uri="{91240B29-F687-4f45-9708-019B960494DF}">
-                  <a14:hiddenLine xmlns="" xmlns:a14="http://schemas.microsoft.com/office/drawing/2010/main" w="9525">
+                  <a14:hiddenLine xmlns:a14="http://schemas.microsoft.com/office/drawing/2010/main" xmlns="" w="9525">
                     <a:solidFill>
                       <a:srgbClr val="000000"/>
                     </a:solidFill>
@@ -10368,7 +10368,7 @@
               </a:ln>
               <a:extLst>
                 <a:ext uri="{91240B29-F687-4f45-9708-019B960494DF}">
-                  <a14:hiddenLine xmlns="" xmlns:a14="http://schemas.microsoft.com/office/drawing/2010/main" w="9525">
+                  <a14:hiddenLine xmlns:a14="http://schemas.microsoft.com/office/drawing/2010/main" xmlns="" w="9525">
                     <a:solidFill>
                       <a:srgbClr val="000000"/>
                     </a:solidFill>
@@ -10430,7 +10430,7 @@
               </a:ln>
               <a:extLst>
                 <a:ext uri="{91240B29-F687-4f45-9708-019B960494DF}">
-                  <a14:hiddenLine xmlns="" xmlns:a14="http://schemas.microsoft.com/office/drawing/2010/main" w="9525">
+                  <a14:hiddenLine xmlns:a14="http://schemas.microsoft.com/office/drawing/2010/main" xmlns="" w="9525">
                     <a:solidFill>
                       <a:srgbClr val="000000"/>
                     </a:solidFill>
@@ -10520,7 +10520,7 @@
               </a:ln>
               <a:extLst>
                 <a:ext uri="{91240B29-F687-4f45-9708-019B960494DF}">
-                  <a14:hiddenLine xmlns="" xmlns:a14="http://schemas.microsoft.com/office/drawing/2010/main" w="9525">
+                  <a14:hiddenLine xmlns:a14="http://schemas.microsoft.com/office/drawing/2010/main" xmlns="" w="9525">
                     <a:solidFill>
                       <a:srgbClr val="000000"/>
                     </a:solidFill>
@@ -10585,7 +10585,7 @@
               </a:ln>
               <a:extLst>
                 <a:ext uri="{91240B29-F687-4f45-9708-019B960494DF}">
-                  <a14:hiddenLine xmlns="" xmlns:a14="http://schemas.microsoft.com/office/drawing/2010/main" w="9525">
+                  <a14:hiddenLine xmlns:a14="http://schemas.microsoft.com/office/drawing/2010/main" xmlns="" w="9525">
                     <a:solidFill>
                       <a:srgbClr val="000000"/>
                     </a:solidFill>
@@ -10647,7 +10647,7 @@
               </a:ln>
               <a:extLst>
                 <a:ext uri="{91240B29-F687-4f45-9708-019B960494DF}">
-                  <a14:hiddenLine xmlns="" xmlns:a14="http://schemas.microsoft.com/office/drawing/2010/main" w="9525">
+                  <a14:hiddenLine xmlns:a14="http://schemas.microsoft.com/office/drawing/2010/main" xmlns="" w="9525">
                     <a:solidFill>
                       <a:srgbClr val="000000"/>
                     </a:solidFill>
@@ -10737,7 +10737,7 @@
               </a:ln>
               <a:extLst>
                 <a:ext uri="{91240B29-F687-4f45-9708-019B960494DF}">
-                  <a14:hiddenLine xmlns="" xmlns:a14="http://schemas.microsoft.com/office/drawing/2010/main" w="9525">
+                  <a14:hiddenLine xmlns:a14="http://schemas.microsoft.com/office/drawing/2010/main" xmlns="" w="9525">
                     <a:solidFill>
                       <a:srgbClr val="000000"/>
                     </a:solidFill>
@@ -10827,7 +10827,7 @@
               </a:ln>
               <a:extLst>
                 <a:ext uri="{91240B29-F687-4f45-9708-019B960494DF}">
-                  <a14:hiddenLine xmlns="" xmlns:a14="http://schemas.microsoft.com/office/drawing/2010/main" w="9525">
+                  <a14:hiddenLine xmlns:a14="http://schemas.microsoft.com/office/drawing/2010/main" xmlns="" w="9525">
                     <a:solidFill>
                       <a:srgbClr val="000000"/>
                     </a:solidFill>
@@ -10892,7 +10892,7 @@
               </a:ln>
               <a:extLst>
                 <a:ext uri="{91240B29-F687-4f45-9708-019B960494DF}">
-                  <a14:hiddenLine xmlns="" xmlns:a14="http://schemas.microsoft.com/office/drawing/2010/main" w="9525">
+                  <a14:hiddenLine xmlns:a14="http://schemas.microsoft.com/office/drawing/2010/main" xmlns="" w="9525">
                     <a:solidFill>
                       <a:srgbClr val="000000"/>
                     </a:solidFill>
@@ -11012,7 +11012,7 @@
               </a:ln>
               <a:extLst>
                 <a:ext uri="{91240B29-F687-4f45-9708-019B960494DF}">
-                  <a14:hiddenLine xmlns="" xmlns:a14="http://schemas.microsoft.com/office/drawing/2010/main" w="9525">
+                  <a14:hiddenLine xmlns:a14="http://schemas.microsoft.com/office/drawing/2010/main" xmlns="" w="9525">
                     <a:solidFill>
                       <a:srgbClr val="000000"/>
                     </a:solidFill>
@@ -11110,7 +11110,7 @@
               </a:ln>
               <a:extLst>
                 <a:ext uri="{91240B29-F687-4f45-9708-019B960494DF}">
-                  <a14:hiddenLine xmlns="" xmlns:a14="http://schemas.microsoft.com/office/drawing/2010/main" w="9525">
+                  <a14:hiddenLine xmlns:a14="http://schemas.microsoft.com/office/drawing/2010/main" xmlns="" w="9525">
                     <a:solidFill>
                       <a:srgbClr val="000000"/>
                     </a:solidFill>
@@ -11225,7 +11225,7 @@
               </a:ln>
               <a:extLst>
                 <a:ext uri="{91240B29-F687-4f45-9708-019B960494DF}">
-                  <a14:hiddenLine xmlns="" xmlns:a14="http://schemas.microsoft.com/office/drawing/2010/main" w="9525">
+                  <a14:hiddenLine xmlns:a14="http://schemas.microsoft.com/office/drawing/2010/main" xmlns="" w="9525">
                     <a:solidFill>
                       <a:srgbClr val="000000"/>
                     </a:solidFill>
@@ -11315,7 +11315,7 @@
               </a:ln>
               <a:extLst>
                 <a:ext uri="{91240B29-F687-4f45-9708-019B960494DF}">
-                  <a14:hiddenLine xmlns="" xmlns:a14="http://schemas.microsoft.com/office/drawing/2010/main" w="9525">
+                  <a14:hiddenLine xmlns:a14="http://schemas.microsoft.com/office/drawing/2010/main" xmlns="" w="9525">
                     <a:solidFill>
                       <a:srgbClr val="000000"/>
                     </a:solidFill>
@@ -11380,7 +11380,7 @@
               </a:ln>
               <a:extLst>
                 <a:ext uri="{91240B29-F687-4f45-9708-019B960494DF}">
-                  <a14:hiddenLine xmlns="" xmlns:a14="http://schemas.microsoft.com/office/drawing/2010/main" w="9525">
+                  <a14:hiddenLine xmlns:a14="http://schemas.microsoft.com/office/drawing/2010/main" xmlns="" w="9525">
                     <a:solidFill>
                       <a:srgbClr val="000000"/>
                     </a:solidFill>
@@ -11470,7 +11470,7 @@
               </a:ln>
               <a:extLst>
                 <a:ext uri="{91240B29-F687-4f45-9708-019B960494DF}">
-                  <a14:hiddenLine xmlns="" xmlns:a14="http://schemas.microsoft.com/office/drawing/2010/main" w="9525">
+                  <a14:hiddenLine xmlns:a14="http://schemas.microsoft.com/office/drawing/2010/main" xmlns="" w="9525">
                     <a:solidFill>
                       <a:srgbClr val="000000"/>
                     </a:solidFill>
@@ -11538,7 +11538,7 @@
               </a:ln>
               <a:extLst>
                 <a:ext uri="{91240B29-F687-4f45-9708-019B960494DF}">
-                  <a14:hiddenLine xmlns="" xmlns:a14="http://schemas.microsoft.com/office/drawing/2010/main" w="9525">
+                  <a14:hiddenLine xmlns:a14="http://schemas.microsoft.com/office/drawing/2010/main" xmlns="" w="9525">
                     <a:solidFill>
                       <a:srgbClr val="000000"/>
                     </a:solidFill>
@@ -11628,7 +11628,7 @@
               </a:ln>
               <a:extLst>
                 <a:ext uri="{91240B29-F687-4f45-9708-019B960494DF}">
-                  <a14:hiddenLine xmlns="" xmlns:a14="http://schemas.microsoft.com/office/drawing/2010/main" w="9525">
+                  <a14:hiddenLine xmlns:a14="http://schemas.microsoft.com/office/drawing/2010/main" xmlns="" w="9525">
                     <a:solidFill>
                       <a:srgbClr val="000000"/>
                     </a:solidFill>
@@ -11696,7 +11696,7 @@
               </a:ln>
               <a:extLst>
                 <a:ext uri="{91240B29-F687-4f45-9708-019B960494DF}">
-                  <a14:hiddenLine xmlns="" xmlns:a14="http://schemas.microsoft.com/office/drawing/2010/main" w="9525">
+                  <a14:hiddenLine xmlns:a14="http://schemas.microsoft.com/office/drawing/2010/main" xmlns="" w="9525">
                     <a:solidFill>
                       <a:srgbClr val="000000"/>
                     </a:solidFill>
@@ -11786,7 +11786,7 @@
               </a:ln>
               <a:extLst>
                 <a:ext uri="{91240B29-F687-4f45-9708-019B960494DF}">
-                  <a14:hiddenLine xmlns="" xmlns:a14="http://schemas.microsoft.com/office/drawing/2010/main" w="9525">
+                  <a14:hiddenLine xmlns:a14="http://schemas.microsoft.com/office/drawing/2010/main" xmlns="" w="9525">
                     <a:solidFill>
                       <a:srgbClr val="000000"/>
                     </a:solidFill>
@@ -11820,7 +11820,7 @@
               </a:ln>
               <a:extLst>
                 <a:ext uri="{91240B29-F687-4f45-9708-019B960494DF}">
-                  <a14:hiddenLine xmlns="" xmlns:a14="http://schemas.microsoft.com/office/drawing/2010/main" w="9525">
+                  <a14:hiddenLine xmlns:a14="http://schemas.microsoft.com/office/drawing/2010/main" xmlns="" w="9525">
                     <a:solidFill>
                       <a:srgbClr val="000000"/>
                     </a:solidFill>
@@ -11961,7 +11961,7 @@
             <a:fld id="{48A87A34-81AB-432B-8DAE-1953F412C126}" type="datetimeFigureOut">
               <a:rPr lang="en-US" dirty="0"/>
               <a:pPr/>
-              <a:t>10/14/2018</a:t>
+              <a:t>10/15/2018</a:t>
             </a:fld>
             <a:endParaRPr lang="en-US" dirty="0"/>
           </a:p>
@@ -13050,17 +13050,7 @@
                 <a:latin typeface="Arial" panose="020B0604020202020204" pitchFamily="34" charset="0"/>
                 <a:cs typeface="Arial" panose="020B0604020202020204" pitchFamily="34" charset="0"/>
               </a:rPr>
-              <a:t>use? – Install &amp; </a:t>
-            </a:r>
-            <a:r>
-              <a:rPr lang="en-US" sz="2400" cap="none" dirty="0" smtClean="0">
-                <a:solidFill>
-                  <a:schemeClr val="bg1"/>
-                </a:solidFill>
-                <a:latin typeface="Arial" panose="020B0604020202020204" pitchFamily="34" charset="0"/>
-                <a:cs typeface="Arial" panose="020B0604020202020204" pitchFamily="34" charset="0"/>
-              </a:rPr>
-              <a:t>setup </a:t>
+              <a:t>use? – Install &amp; setup </a:t>
             </a:r>
             <a:endParaRPr lang="en-US" sz="2400" dirty="0"/>
           </a:p>
@@ -13163,13 +13153,8 @@
             </a:pPr>
             <a:r>
               <a:rPr lang="en-US" sz="1600" dirty="0" smtClean="0"/>
-              <a:t>Angular CLI project</a:t>
-            </a:r>
-            <a:r>
-              <a:rPr lang="en-US" sz="1600" dirty="0" smtClean="0"/>
-              <a:t>: aready included node-sass</a:t>
-            </a:r>
-            <a:endParaRPr lang="en-US" sz="1600" dirty="0" smtClean="0"/>
+              <a:t>Angular CLI project: aready included node-sass</a:t>
+            </a:r>
           </a:p>
           <a:p>
             <a:pPr lvl="1">
@@ -13625,8 +13610,31 @@
             </a:r>
             <a:r>
               <a:rPr lang="en-US" sz="2000" dirty="0" smtClean="0"/>
-              <a:t>font or any CSS value.</a:t>
-            </a:r>
+              <a:t>font or any CSS value</a:t>
+            </a:r>
+            <a:r>
+              <a:rPr lang="en-US" sz="2000" dirty="0" smtClean="0"/>
+              <a:t>.</a:t>
+            </a:r>
+          </a:p>
+          <a:p>
+            <a:pPr lvl="1">
+              <a:lnSpc>
+                <a:spcPct val="100000"/>
+              </a:lnSpc>
+              <a:spcBef>
+                <a:spcPts val="300"/>
+              </a:spcBef>
+            </a:pPr>
+            <a:r>
+              <a:rPr lang="en-US" sz="1600" dirty="0"/>
+              <a:t>ariables begin with dollar </a:t>
+            </a:r>
+            <a:r>
+              <a:rPr lang="en-US" sz="1600" dirty="0" smtClean="0"/>
+              <a:t>signs</a:t>
+            </a:r>
+            <a:endParaRPr lang="en-US" sz="1600" dirty="0" smtClean="0"/>
           </a:p>
           <a:p>
             <a:pPr>
@@ -13661,8 +13669,31 @@
             </a:pPr>
             <a:r>
               <a:rPr lang="en-US" sz="2000" dirty="0"/>
-              <a:t>Sass variables support the concept of scope.</a:t>
-            </a:r>
+              <a:t>Sass variables support the concept of scope</a:t>
+            </a:r>
+            <a:r>
+              <a:rPr lang="en-US" sz="2000" dirty="0" smtClean="0"/>
+              <a:t>.</a:t>
+            </a:r>
+          </a:p>
+          <a:p>
+            <a:pPr>
+              <a:lnSpc>
+                <a:spcPct val="100000"/>
+              </a:lnSpc>
+              <a:spcBef>
+                <a:spcPts val="300"/>
+              </a:spcBef>
+            </a:pPr>
+            <a:r>
+              <a:rPr lang="en-US" sz="2000" dirty="0"/>
+              <a:t>Flag: !</a:t>
+            </a:r>
+            <a:r>
+              <a:rPr lang="en-US" sz="2000" dirty="0" smtClean="0"/>
+              <a:t>global, !default</a:t>
+            </a:r>
+            <a:endParaRPr lang="en-US" sz="2000" dirty="0"/>
           </a:p>
           <a:p>
             <a:pPr>
@@ -13841,67 +13872,6 @@
       </p:sp>
       <p:sp>
         <p:nvSpPr>
-          <p:cNvPr id="3" name="Content Placeholder 2"/>
-          <p:cNvSpPr>
-            <a:spLocks noGrp="1"/>
-          </p:cNvSpPr>
-          <p:nvPr>
-            <p:ph idx="1"/>
-          </p:nvPr>
-        </p:nvSpPr>
-        <p:spPr>
-          <a:xfrm>
-            <a:off x="1141412" y="1155469"/>
-            <a:ext cx="9905999" cy="4635732"/>
-          </a:xfrm>
-        </p:spPr>
-        <p:txBody>
-          <a:bodyPr>
-            <a:normAutofit/>
-          </a:bodyPr>
-          <a:lstStyle/>
-          <a:p>
-            <a:pPr>
-              <a:lnSpc>
-                <a:spcPct val="100000"/>
-              </a:lnSpc>
-              <a:spcBef>
-                <a:spcPts val="300"/>
-              </a:spcBef>
-            </a:pPr>
-            <a:endParaRPr lang="en-US" sz="2000" dirty="0"/>
-          </a:p>
-          <a:p>
-            <a:pPr lvl="1">
-              <a:lnSpc>
-                <a:spcPct val="100000"/>
-              </a:lnSpc>
-              <a:spcBef>
-                <a:spcPts val="300"/>
-              </a:spcBef>
-            </a:pPr>
-            <a:endParaRPr lang="en-US" sz="1600" dirty="0"/>
-          </a:p>
-          <a:p>
-            <a:pPr marL="457200" lvl="1" indent="0">
-              <a:lnSpc>
-                <a:spcPct val="100000"/>
-              </a:lnSpc>
-              <a:spcBef>
-                <a:spcPts val="300"/>
-              </a:spcBef>
-              <a:buNone/>
-            </a:pPr>
-            <a:r>
-              <a:rPr lang="en-US" sz="1600" dirty="0" smtClean="0"/>
-              <a:t> </a:t>
-            </a:r>
-            <a:endParaRPr lang="en-US" sz="1600" dirty="0"/>
-          </a:p>
-        </p:txBody>
-      </p:sp>
-      <p:sp>
-        <p:nvSpPr>
           <p:cNvPr id="4" name="Rectangle 3"/>
           <p:cNvSpPr/>
           <p:nvPr/>
@@ -13948,6 +13918,348 @@
           </a:p>
         </p:txBody>
       </p:sp>
+      <p:sp>
+        <p:nvSpPr>
+          <p:cNvPr id="5" name="Content Placeholder 2"/>
+          <p:cNvSpPr txBox="1">
+            <a:spLocks/>
+          </p:cNvSpPr>
+          <p:nvPr/>
+        </p:nvSpPr>
+        <p:spPr>
+          <a:xfrm>
+            <a:off x="1143000" y="1166553"/>
+            <a:ext cx="9905999" cy="4635732"/>
+          </a:xfrm>
+          <a:prstGeom prst="rect">
+            <a:avLst/>
+          </a:prstGeom>
+        </p:spPr>
+        <p:txBody>
+          <a:bodyPr vert="horz" lIns="91440" tIns="45720" rIns="91440" bIns="45720" rtlCol="0">
+            <a:normAutofit/>
+          </a:bodyPr>
+          <a:lstStyle>
+            <a:lvl1pPr marL="228600" indent="-228600" algn="l" defTabSz="914400" rtl="0" eaLnBrk="1" latinLnBrk="0" hangingPunct="1">
+              <a:lnSpc>
+                <a:spcPct val="120000"/>
+              </a:lnSpc>
+              <a:spcBef>
+                <a:spcPts val="1000"/>
+              </a:spcBef>
+              <a:buSzPct val="125000"/>
+              <a:buFont typeface="Arial" panose="020B0604020202020204" pitchFamily="34" charset="0"/>
+              <a:buChar char="•"/>
+              <a:defRPr sz="2400" kern="1200">
+                <a:solidFill>
+                  <a:schemeClr val="tx1"/>
+                </a:solidFill>
+                <a:latin typeface="+mn-lt"/>
+                <a:ea typeface="+mn-ea"/>
+                <a:cs typeface="+mn-cs"/>
+              </a:defRPr>
+            </a:lvl1pPr>
+            <a:lvl2pPr marL="685800" indent="-228600" algn="l" defTabSz="914400" rtl="0" eaLnBrk="1" latinLnBrk="0" hangingPunct="1">
+              <a:lnSpc>
+                <a:spcPct val="120000"/>
+              </a:lnSpc>
+              <a:spcBef>
+                <a:spcPts val="500"/>
+              </a:spcBef>
+              <a:buSzPct val="125000"/>
+              <a:buFont typeface="Arial" panose="020B0604020202020204" pitchFamily="34" charset="0"/>
+              <a:buChar char="•"/>
+              <a:defRPr sz="2000" kern="1200">
+                <a:solidFill>
+                  <a:schemeClr val="tx1"/>
+                </a:solidFill>
+                <a:latin typeface="+mn-lt"/>
+                <a:ea typeface="+mn-ea"/>
+                <a:cs typeface="+mn-cs"/>
+              </a:defRPr>
+            </a:lvl2pPr>
+            <a:lvl3pPr marL="1143000" indent="-228600" algn="l" defTabSz="914400" rtl="0" eaLnBrk="1" latinLnBrk="0" hangingPunct="1">
+              <a:lnSpc>
+                <a:spcPct val="120000"/>
+              </a:lnSpc>
+              <a:spcBef>
+                <a:spcPts val="500"/>
+              </a:spcBef>
+              <a:buSzPct val="125000"/>
+              <a:buFont typeface="Arial" panose="020B0604020202020204" pitchFamily="34" charset="0"/>
+              <a:buChar char="•"/>
+              <a:defRPr sz="1800" kern="1200">
+                <a:solidFill>
+                  <a:schemeClr val="tx1"/>
+                </a:solidFill>
+                <a:latin typeface="+mn-lt"/>
+                <a:ea typeface="+mn-ea"/>
+                <a:cs typeface="+mn-cs"/>
+              </a:defRPr>
+            </a:lvl3pPr>
+            <a:lvl4pPr marL="1600200" indent="-228600" algn="l" defTabSz="914400" rtl="0" eaLnBrk="1" latinLnBrk="0" hangingPunct="1">
+              <a:lnSpc>
+                <a:spcPct val="120000"/>
+              </a:lnSpc>
+              <a:spcBef>
+                <a:spcPts val="500"/>
+              </a:spcBef>
+              <a:buSzPct val="125000"/>
+              <a:buFont typeface="Arial" panose="020B0604020202020204" pitchFamily="34" charset="0"/>
+              <a:buChar char="•"/>
+              <a:defRPr sz="1600" kern="1200">
+                <a:solidFill>
+                  <a:schemeClr val="tx1"/>
+                </a:solidFill>
+                <a:latin typeface="+mn-lt"/>
+                <a:ea typeface="+mn-ea"/>
+                <a:cs typeface="+mn-cs"/>
+              </a:defRPr>
+            </a:lvl4pPr>
+            <a:lvl5pPr marL="2057400" indent="-228600" algn="l" defTabSz="914400" rtl="0" eaLnBrk="1" latinLnBrk="0" hangingPunct="1">
+              <a:lnSpc>
+                <a:spcPct val="120000"/>
+              </a:lnSpc>
+              <a:spcBef>
+                <a:spcPts val="500"/>
+              </a:spcBef>
+              <a:buSzPct val="125000"/>
+              <a:buFont typeface="Arial" panose="020B0604020202020204" pitchFamily="34" charset="0"/>
+              <a:buChar char="•"/>
+              <a:defRPr sz="1600" kern="1200">
+                <a:solidFill>
+                  <a:schemeClr val="tx1"/>
+                </a:solidFill>
+                <a:latin typeface="+mn-lt"/>
+                <a:ea typeface="+mn-ea"/>
+                <a:cs typeface="+mn-cs"/>
+              </a:defRPr>
+            </a:lvl5pPr>
+            <a:lvl6pPr marL="2514600" indent="-228600" algn="l" defTabSz="914400" rtl="0" eaLnBrk="1" latinLnBrk="0" hangingPunct="1">
+              <a:lnSpc>
+                <a:spcPct val="120000"/>
+              </a:lnSpc>
+              <a:spcBef>
+                <a:spcPts val="500"/>
+              </a:spcBef>
+              <a:buSzPct val="125000"/>
+              <a:buFont typeface="Arial" panose="020B0604020202020204" pitchFamily="34" charset="0"/>
+              <a:buChar char="•"/>
+              <a:defRPr sz="1400" kern="1200">
+                <a:solidFill>
+                  <a:schemeClr val="tx1"/>
+                </a:solidFill>
+                <a:latin typeface="+mn-lt"/>
+                <a:ea typeface="+mn-ea"/>
+                <a:cs typeface="+mn-cs"/>
+              </a:defRPr>
+            </a:lvl6pPr>
+            <a:lvl7pPr marL="2971800" indent="-228600" algn="l" defTabSz="914400" rtl="0" eaLnBrk="1" latinLnBrk="0" hangingPunct="1">
+              <a:lnSpc>
+                <a:spcPct val="120000"/>
+              </a:lnSpc>
+              <a:spcBef>
+                <a:spcPts val="500"/>
+              </a:spcBef>
+              <a:buSzPct val="125000"/>
+              <a:buFont typeface="Arial" panose="020B0604020202020204" pitchFamily="34" charset="0"/>
+              <a:buChar char="•"/>
+              <a:defRPr sz="1400" kern="1200">
+                <a:solidFill>
+                  <a:schemeClr val="tx1"/>
+                </a:solidFill>
+                <a:latin typeface="+mn-lt"/>
+                <a:ea typeface="+mn-ea"/>
+                <a:cs typeface="+mn-cs"/>
+              </a:defRPr>
+            </a:lvl7pPr>
+            <a:lvl8pPr marL="3429000" indent="-228600" algn="l" defTabSz="914400" rtl="0" eaLnBrk="1" latinLnBrk="0" hangingPunct="1">
+              <a:lnSpc>
+                <a:spcPct val="120000"/>
+              </a:lnSpc>
+              <a:spcBef>
+                <a:spcPts val="500"/>
+              </a:spcBef>
+              <a:buSzPct val="125000"/>
+              <a:buFont typeface="Arial" panose="020B0604020202020204" pitchFamily="34" charset="0"/>
+              <a:buChar char="•"/>
+              <a:defRPr sz="1400" kern="1200">
+                <a:solidFill>
+                  <a:schemeClr val="tx1"/>
+                </a:solidFill>
+                <a:latin typeface="+mn-lt"/>
+                <a:ea typeface="+mn-ea"/>
+                <a:cs typeface="+mn-cs"/>
+              </a:defRPr>
+            </a:lvl8pPr>
+            <a:lvl9pPr marL="3886200" indent="-228600" algn="l" defTabSz="914400" rtl="0" eaLnBrk="1" latinLnBrk="0" hangingPunct="1">
+              <a:lnSpc>
+                <a:spcPct val="120000"/>
+              </a:lnSpc>
+              <a:spcBef>
+                <a:spcPts val="500"/>
+              </a:spcBef>
+              <a:buSzPct val="125000"/>
+              <a:buFont typeface="Arial" panose="020B0604020202020204" pitchFamily="34" charset="0"/>
+              <a:buChar char="•"/>
+              <a:defRPr sz="1400" kern="1200">
+                <a:solidFill>
+                  <a:schemeClr val="tx1"/>
+                </a:solidFill>
+                <a:latin typeface="+mn-lt"/>
+                <a:ea typeface="+mn-ea"/>
+                <a:cs typeface="+mn-cs"/>
+              </a:defRPr>
+            </a:lvl9pPr>
+          </a:lstStyle>
+          <a:p>
+            <a:pPr>
+              <a:lnSpc>
+                <a:spcPct val="100000"/>
+              </a:lnSpc>
+              <a:spcBef>
+                <a:spcPts val="300"/>
+              </a:spcBef>
+            </a:pPr>
+            <a:r>
+              <a:rPr lang="en-US" sz="2000" dirty="0"/>
+              <a:t>Number </a:t>
+            </a:r>
+            <a:r>
+              <a:rPr lang="en-US" sz="2000" dirty="0" smtClean="0"/>
+              <a:t>Operations, </a:t>
+            </a:r>
+            <a:r>
+              <a:rPr lang="en-US" sz="2000" dirty="0"/>
+              <a:t>Color Operations </a:t>
+            </a:r>
+            <a:r>
+              <a:rPr lang="en-US" sz="2000" dirty="0" smtClean="0"/>
+              <a:t>: +, -, *, /, %</a:t>
+            </a:r>
+          </a:p>
+          <a:p>
+            <a:pPr lvl="1">
+              <a:lnSpc>
+                <a:spcPct val="100000"/>
+              </a:lnSpc>
+              <a:spcBef>
+                <a:spcPts val="300"/>
+              </a:spcBef>
+            </a:pPr>
+            <a:r>
+              <a:rPr lang="en-US" sz="1600" dirty="0"/>
+              <a:t>*division </a:t>
+            </a:r>
+            <a:r>
+              <a:rPr lang="en-US" sz="1600" dirty="0" smtClean="0"/>
+              <a:t>:If </a:t>
+            </a:r>
+            <a:r>
+              <a:rPr lang="en-US" sz="1600" dirty="0"/>
+              <a:t>the value, or any part of it, is stored in a variable or returned by a function.</a:t>
+            </a:r>
+          </a:p>
+          <a:p>
+            <a:pPr>
+              <a:lnSpc>
+                <a:spcPct val="100000"/>
+              </a:lnSpc>
+              <a:spcBef>
+                <a:spcPts val="300"/>
+              </a:spcBef>
+            </a:pPr>
+            <a:r>
+              <a:rPr lang="en-US" sz="2000" dirty="0" smtClean="0"/>
+              <a:t>Equality Operations: == , !=, &gt;, &gt;=, &lt;, &lt;=</a:t>
+            </a:r>
+          </a:p>
+          <a:p>
+            <a:pPr>
+              <a:lnSpc>
+                <a:spcPct val="100000"/>
+              </a:lnSpc>
+              <a:spcBef>
+                <a:spcPts val="300"/>
+              </a:spcBef>
+            </a:pPr>
+            <a:r>
+              <a:rPr lang="en-US" sz="2000" dirty="0"/>
+              <a:t>String </a:t>
+            </a:r>
+            <a:r>
+              <a:rPr lang="en-US" sz="2000" dirty="0" smtClean="0"/>
+              <a:t>Operations: only +</a:t>
+            </a:r>
+          </a:p>
+          <a:p>
+            <a:pPr>
+              <a:lnSpc>
+                <a:spcPct val="100000"/>
+              </a:lnSpc>
+              <a:spcBef>
+                <a:spcPts val="300"/>
+              </a:spcBef>
+            </a:pPr>
+            <a:r>
+              <a:rPr lang="en-US" sz="2000" dirty="0"/>
+              <a:t>Boolean </a:t>
+            </a:r>
+            <a:r>
+              <a:rPr lang="en-US" sz="2000" dirty="0" smtClean="0"/>
+              <a:t>Operations: and, or, not</a:t>
+            </a:r>
+            <a:endParaRPr lang="en-US" sz="2000" dirty="0"/>
+          </a:p>
+          <a:p>
+            <a:pPr marL="457200" lvl="1" indent="0">
+              <a:lnSpc>
+                <a:spcPct val="100000"/>
+              </a:lnSpc>
+              <a:spcBef>
+                <a:spcPts val="300"/>
+              </a:spcBef>
+              <a:buFont typeface="Arial" panose="020B0604020202020204" pitchFamily="34" charset="0"/>
+              <a:buNone/>
+            </a:pPr>
+            <a:r>
+              <a:rPr lang="en-US" sz="1600" dirty="0" smtClean="0"/>
+              <a:t> </a:t>
+            </a:r>
+            <a:endParaRPr lang="en-US" sz="1600" dirty="0"/>
+          </a:p>
+        </p:txBody>
+      </p:sp>
+      <p:pic>
+        <p:nvPicPr>
+          <p:cNvPr id="9" name="Picture 8"/>
+          <p:cNvPicPr>
+            <a:picLocks noChangeAspect="1"/>
+          </p:cNvPicPr>
+          <p:nvPr/>
+        </p:nvPicPr>
+        <p:blipFill>
+          <a:blip r:embed="rId2">
+            <a:extLst>
+              <a:ext uri="{28A0092B-C50C-407E-A947-70E740481C1C}">
+                <a14:useLocalDpi xmlns:a14="http://schemas.microsoft.com/office/drawing/2010/main" val="0"/>
+              </a:ext>
+            </a:extLst>
+          </a:blip>
+          <a:stretch>
+            <a:fillRect/>
+          </a:stretch>
+        </p:blipFill>
+        <p:spPr>
+          <a:xfrm>
+            <a:off x="1350600" y="2970925"/>
+            <a:ext cx="4819048" cy="2628571"/>
+          </a:xfrm>
+          <a:prstGeom prst="rect">
+            <a:avLst/>
+          </a:prstGeom>
+        </p:spPr>
+      </p:pic>
     </p:spTree>
     <p:extLst>
       <p:ext uri="{BB962C8B-B14F-4D97-AF65-F5344CB8AC3E}">
@@ -14022,7 +14334,7 @@
               <a:t>2. How to use? – </a:t>
             </a:r>
             <a:r>
-              <a:rPr lang="en-US" sz="2400" cap="none" dirty="0" smtClean="0">
+              <a:rPr lang="en-US" sz="2400" cap="none" dirty="0">
                 <a:solidFill>
                   <a:schemeClr val="bg1"/>
                 </a:solidFill>
@@ -14147,7 +14459,7 @@
     </p:spTree>
     <p:extLst>
       <p:ext uri="{BB962C8B-B14F-4D97-AF65-F5344CB8AC3E}">
-        <p14:creationId xmlns:p14="http://schemas.microsoft.com/office/powerpoint/2010/main" val="1603314807"/>
+        <p14:creationId xmlns:p14="http://schemas.microsoft.com/office/powerpoint/2010/main" val="1941247825"/>
       </p:ext>
     </p:extLst>
   </p:cSld>
@@ -14343,7 +14655,7 @@
     </p:spTree>
     <p:extLst>
       <p:ext uri="{BB962C8B-B14F-4D97-AF65-F5344CB8AC3E}">
-        <p14:creationId xmlns:p14="http://schemas.microsoft.com/office/powerpoint/2010/main" val="1941247825"/>
+        <p14:creationId xmlns:p14="http://schemas.microsoft.com/office/powerpoint/2010/main" val="997896878"/>
       </p:ext>
     </p:extLst>
   </p:cSld>

--- a/SASS/presentation.pptx
+++ b/SASS/presentation.pptx
@@ -11,8 +11,8 @@
     <p:sldId id="259" r:id="rId5"/>
     <p:sldId id="260" r:id="rId6"/>
     <p:sldId id="262" r:id="rId7"/>
-    <p:sldId id="265" r:id="rId8"/>
-    <p:sldId id="263" r:id="rId9"/>
+    <p:sldId id="267" r:id="rId8"/>
+    <p:sldId id="266" r:id="rId9"/>
     <p:sldId id="264" r:id="rId10"/>
   </p:sldIdLst>
   <p:sldSz cx="12192000" cy="6858000"/>
@@ -127,8 +127,8 @@
             <p14:sldId id="259"/>
             <p14:sldId id="260"/>
             <p14:sldId id="262"/>
-            <p14:sldId id="265"/>
-            <p14:sldId id="263"/>
+            <p14:sldId id="267"/>
+            <p14:sldId id="266"/>
             <p14:sldId id="264"/>
           </p14:sldIdLst>
         </p14:section>
@@ -191,7 +191,7 @@
           <a:noFill/>
           <a:extLst>
             <a:ext uri="{909E8E84-426E-40dd-AFC4-6F175D3DCCD1}">
-              <a14:hiddenFill xmlns:a14="http://schemas.microsoft.com/office/drawing/2010/main" xmlns="">
+              <a14:hiddenFill xmlns="" xmlns:a14="http://schemas.microsoft.com/office/drawing/2010/main">
                 <a:solidFill>
                   <a:srgbClr val="FFFFFF"/>
                 </a:solidFill>
@@ -251,7 +251,7 @@
             </a:ln>
             <a:extLst>
               <a:ext uri="{91240B29-F687-4f45-9708-019B960494DF}">
-                <a14:hiddenLine xmlns:a14="http://schemas.microsoft.com/office/drawing/2010/main" xmlns="" w="9525">
+                <a14:hiddenLine xmlns="" xmlns:a14="http://schemas.microsoft.com/office/drawing/2010/main" w="9525">
                   <a:solidFill>
                     <a:srgbClr val="000000"/>
                   </a:solidFill>
@@ -341,7 +341,7 @@
             </a:ln>
             <a:extLst>
               <a:ext uri="{91240B29-F687-4f45-9708-019B960494DF}">
-                <a14:hiddenLine xmlns:a14="http://schemas.microsoft.com/office/drawing/2010/main" xmlns="" w="9525">
+                <a14:hiddenLine xmlns="" xmlns:a14="http://schemas.microsoft.com/office/drawing/2010/main" w="9525">
                   <a:solidFill>
                     <a:srgbClr val="000000"/>
                   </a:solidFill>
@@ -431,7 +431,7 @@
             </a:ln>
             <a:extLst>
               <a:ext uri="{91240B29-F687-4f45-9708-019B960494DF}">
-                <a14:hiddenLine xmlns:a14="http://schemas.microsoft.com/office/drawing/2010/main" xmlns="" w="9525">
+                <a14:hiddenLine xmlns="" xmlns:a14="http://schemas.microsoft.com/office/drawing/2010/main" w="9525">
                   <a:solidFill>
                     <a:srgbClr val="000000"/>
                   </a:solidFill>
@@ -465,7 +465,7 @@
             </a:ln>
             <a:extLst>
               <a:ext uri="{91240B29-F687-4f45-9708-019B960494DF}">
-                <a14:hiddenLine xmlns:a14="http://schemas.microsoft.com/office/drawing/2010/main" xmlns="" w="9525">
+                <a14:hiddenLine xmlns="" xmlns:a14="http://schemas.microsoft.com/office/drawing/2010/main" w="9525">
                   <a:solidFill>
                     <a:srgbClr val="000000"/>
                   </a:solidFill>
@@ -555,7 +555,7 @@
             </a:ln>
             <a:extLst>
               <a:ext uri="{91240B29-F687-4f45-9708-019B960494DF}">
-                <a14:hiddenLine xmlns:a14="http://schemas.microsoft.com/office/drawing/2010/main" xmlns="" w="9525">
+                <a14:hiddenLine xmlns="" xmlns:a14="http://schemas.microsoft.com/office/drawing/2010/main" w="9525">
                   <a:solidFill>
                     <a:srgbClr val="000000"/>
                   </a:solidFill>
@@ -617,7 +617,7 @@
             </a:ln>
             <a:extLst>
               <a:ext uri="{91240B29-F687-4f45-9708-019B960494DF}">
-                <a14:hiddenLine xmlns:a14="http://schemas.microsoft.com/office/drawing/2010/main" xmlns="" w="9525">
+                <a14:hiddenLine xmlns="" xmlns:a14="http://schemas.microsoft.com/office/drawing/2010/main" w="9525">
                   <a:solidFill>
                     <a:srgbClr val="000000"/>
                   </a:solidFill>
@@ -679,7 +679,7 @@
             </a:ln>
             <a:extLst>
               <a:ext uri="{91240B29-F687-4f45-9708-019B960494DF}">
-                <a14:hiddenLine xmlns:a14="http://schemas.microsoft.com/office/drawing/2010/main" xmlns="" w="9525">
+                <a14:hiddenLine xmlns="" xmlns:a14="http://schemas.microsoft.com/office/drawing/2010/main" w="9525">
                   <a:solidFill>
                     <a:srgbClr val="000000"/>
                   </a:solidFill>
@@ -769,7 +769,7 @@
             </a:ln>
             <a:extLst>
               <a:ext uri="{91240B29-F687-4f45-9708-019B960494DF}">
-                <a14:hiddenLine xmlns:a14="http://schemas.microsoft.com/office/drawing/2010/main" xmlns="" w="9525">
+                <a14:hiddenLine xmlns="" xmlns:a14="http://schemas.microsoft.com/office/drawing/2010/main" w="9525">
                   <a:solidFill>
                     <a:srgbClr val="000000"/>
                   </a:solidFill>
@@ -831,7 +831,7 @@
             </a:ln>
             <a:extLst>
               <a:ext uri="{91240B29-F687-4f45-9708-019B960494DF}">
-                <a14:hiddenLine xmlns:a14="http://schemas.microsoft.com/office/drawing/2010/main" xmlns="" w="9525">
+                <a14:hiddenLine xmlns="" xmlns:a14="http://schemas.microsoft.com/office/drawing/2010/main" w="9525">
                   <a:solidFill>
                     <a:srgbClr val="000000"/>
                   </a:solidFill>
@@ -893,7 +893,7 @@
             </a:ln>
             <a:extLst>
               <a:ext uri="{91240B29-F687-4f45-9708-019B960494DF}">
-                <a14:hiddenLine xmlns:a14="http://schemas.microsoft.com/office/drawing/2010/main" xmlns="" w="9525">
+                <a14:hiddenLine xmlns="" xmlns:a14="http://schemas.microsoft.com/office/drawing/2010/main" w="9525">
                   <a:solidFill>
                     <a:srgbClr val="000000"/>
                   </a:solidFill>
@@ -983,7 +983,7 @@
             </a:ln>
             <a:extLst>
               <a:ext uri="{91240B29-F687-4f45-9708-019B960494DF}">
-                <a14:hiddenLine xmlns:a14="http://schemas.microsoft.com/office/drawing/2010/main" xmlns="" w="9525">
+                <a14:hiddenLine xmlns="" xmlns:a14="http://schemas.microsoft.com/office/drawing/2010/main" w="9525">
                   <a:solidFill>
                     <a:srgbClr val="000000"/>
                   </a:solidFill>
@@ -1073,7 +1073,7 @@
             </a:ln>
             <a:extLst>
               <a:ext uri="{91240B29-F687-4f45-9708-019B960494DF}">
-                <a14:hiddenLine xmlns:a14="http://schemas.microsoft.com/office/drawing/2010/main" xmlns="" w="9525">
+                <a14:hiddenLine xmlns="" xmlns:a14="http://schemas.microsoft.com/office/drawing/2010/main" w="9525">
                   <a:solidFill>
                     <a:srgbClr val="000000"/>
                   </a:solidFill>
@@ -1135,7 +1135,7 @@
             </a:ln>
             <a:extLst>
               <a:ext uri="{91240B29-F687-4f45-9708-019B960494DF}">
-                <a14:hiddenLine xmlns:a14="http://schemas.microsoft.com/office/drawing/2010/main" xmlns="" w="9525">
+                <a14:hiddenLine xmlns="" xmlns:a14="http://schemas.microsoft.com/office/drawing/2010/main" w="9525">
                   <a:solidFill>
                     <a:srgbClr val="000000"/>
                   </a:solidFill>
@@ -1245,7 +1245,7 @@
             </a:ln>
             <a:extLst>
               <a:ext uri="{91240B29-F687-4f45-9708-019B960494DF}">
-                <a14:hiddenLine xmlns:a14="http://schemas.microsoft.com/office/drawing/2010/main" xmlns="" w="9525">
+                <a14:hiddenLine xmlns="" xmlns:a14="http://schemas.microsoft.com/office/drawing/2010/main" w="9525">
                   <a:solidFill>
                     <a:srgbClr val="000000"/>
                   </a:solidFill>
@@ -1307,7 +1307,7 @@
             </a:ln>
             <a:extLst>
               <a:ext uri="{91240B29-F687-4f45-9708-019B960494DF}">
-                <a14:hiddenLine xmlns:a14="http://schemas.microsoft.com/office/drawing/2010/main" xmlns="" w="9525">
+                <a14:hiddenLine xmlns="" xmlns:a14="http://schemas.microsoft.com/office/drawing/2010/main" w="9525">
                   <a:solidFill>
                     <a:srgbClr val="000000"/>
                   </a:solidFill>
@@ -1397,7 +1397,7 @@
             </a:ln>
             <a:extLst>
               <a:ext uri="{91240B29-F687-4f45-9708-019B960494DF}">
-                <a14:hiddenLine xmlns:a14="http://schemas.microsoft.com/office/drawing/2010/main" xmlns="" w="9525">
+                <a14:hiddenLine xmlns="" xmlns:a14="http://schemas.microsoft.com/office/drawing/2010/main" w="9525">
                   <a:solidFill>
                     <a:srgbClr val="000000"/>
                   </a:solidFill>
@@ -1487,7 +1487,7 @@
             </a:ln>
             <a:extLst>
               <a:ext uri="{91240B29-F687-4f45-9708-019B960494DF}">
-                <a14:hiddenLine xmlns:a14="http://schemas.microsoft.com/office/drawing/2010/main" xmlns="" w="9525">
+                <a14:hiddenLine xmlns="" xmlns:a14="http://schemas.microsoft.com/office/drawing/2010/main" w="9525">
                   <a:solidFill>
                     <a:srgbClr val="000000"/>
                   </a:solidFill>
@@ -1549,7 +1549,7 @@
             </a:ln>
             <a:extLst>
               <a:ext uri="{91240B29-F687-4f45-9708-019B960494DF}">
-                <a14:hiddenLine xmlns:a14="http://schemas.microsoft.com/office/drawing/2010/main" xmlns="" w="9525">
+                <a14:hiddenLine xmlns="" xmlns:a14="http://schemas.microsoft.com/office/drawing/2010/main" w="9525">
                   <a:solidFill>
                     <a:srgbClr val="000000"/>
                   </a:solidFill>
@@ -1639,7 +1639,7 @@
             </a:ln>
             <a:extLst>
               <a:ext uri="{91240B29-F687-4f45-9708-019B960494DF}">
-                <a14:hiddenLine xmlns:a14="http://schemas.microsoft.com/office/drawing/2010/main" xmlns="" w="9525">
+                <a14:hiddenLine xmlns="" xmlns:a14="http://schemas.microsoft.com/office/drawing/2010/main" w="9525">
                   <a:solidFill>
                     <a:srgbClr val="000000"/>
                   </a:solidFill>
@@ -1729,7 +1729,7 @@
             </a:ln>
             <a:extLst>
               <a:ext uri="{91240B29-F687-4f45-9708-019B960494DF}">
-                <a14:hiddenLine xmlns:a14="http://schemas.microsoft.com/office/drawing/2010/main" xmlns="" w="9525">
+                <a14:hiddenLine xmlns="" xmlns:a14="http://schemas.microsoft.com/office/drawing/2010/main" w="9525">
                   <a:solidFill>
                     <a:srgbClr val="000000"/>
                   </a:solidFill>
@@ -1785,7 +1785,7 @@
             </a:ln>
             <a:extLst>
               <a:ext uri="{91240B29-F687-4f45-9708-019B960494DF}">
-                <a14:hiddenLine xmlns:a14="http://schemas.microsoft.com/office/drawing/2010/main" xmlns="" w="9525">
+                <a14:hiddenLine xmlns="" xmlns:a14="http://schemas.microsoft.com/office/drawing/2010/main" w="9525">
                   <a:solidFill>
                     <a:srgbClr val="000000"/>
                   </a:solidFill>
@@ -1875,7 +1875,7 @@
             </a:ln>
             <a:extLst>
               <a:ext uri="{91240B29-F687-4f45-9708-019B960494DF}">
-                <a14:hiddenLine xmlns:a14="http://schemas.microsoft.com/office/drawing/2010/main" xmlns="" w="9525">
+                <a14:hiddenLine xmlns="" xmlns:a14="http://schemas.microsoft.com/office/drawing/2010/main" w="9525">
                   <a:solidFill>
                     <a:srgbClr val="000000"/>
                   </a:solidFill>
@@ -1931,7 +1931,7 @@
             </a:ln>
             <a:extLst>
               <a:ext uri="{91240B29-F687-4f45-9708-019B960494DF}">
-                <a14:hiddenLine xmlns:a14="http://schemas.microsoft.com/office/drawing/2010/main" xmlns="" w="9525">
+                <a14:hiddenLine xmlns="" xmlns:a14="http://schemas.microsoft.com/office/drawing/2010/main" w="9525">
                   <a:solidFill>
                     <a:srgbClr val="000000"/>
                   </a:solidFill>
@@ -2021,7 +2021,7 @@
             </a:ln>
             <a:extLst>
               <a:ext uri="{91240B29-F687-4f45-9708-019B960494DF}">
-                <a14:hiddenLine xmlns:a14="http://schemas.microsoft.com/office/drawing/2010/main" xmlns="" w="9525">
+                <a14:hiddenLine xmlns="" xmlns:a14="http://schemas.microsoft.com/office/drawing/2010/main" w="9525">
                   <a:solidFill>
                     <a:srgbClr val="000000"/>
                   </a:solidFill>
@@ -2089,7 +2089,7 @@
             </a:ln>
             <a:extLst>
               <a:ext uri="{91240B29-F687-4f45-9708-019B960494DF}">
-                <a14:hiddenLine xmlns:a14="http://schemas.microsoft.com/office/drawing/2010/main" xmlns="" w="9525">
+                <a14:hiddenLine xmlns="" xmlns:a14="http://schemas.microsoft.com/office/drawing/2010/main" w="9525">
                   <a:solidFill>
                     <a:srgbClr val="000000"/>
                   </a:solidFill>
@@ -2179,7 +2179,7 @@
             </a:ln>
             <a:extLst>
               <a:ext uri="{91240B29-F687-4f45-9708-019B960494DF}">
-                <a14:hiddenLine xmlns:a14="http://schemas.microsoft.com/office/drawing/2010/main" xmlns="" w="9525">
+                <a14:hiddenLine xmlns="" xmlns:a14="http://schemas.microsoft.com/office/drawing/2010/main" w="9525">
                   <a:solidFill>
                     <a:srgbClr val="000000"/>
                   </a:solidFill>
@@ -2247,7 +2247,7 @@
             </a:ln>
             <a:extLst>
               <a:ext uri="{91240B29-F687-4f45-9708-019B960494DF}">
-                <a14:hiddenLine xmlns:a14="http://schemas.microsoft.com/office/drawing/2010/main" xmlns="" w="9525">
+                <a14:hiddenLine xmlns="" xmlns:a14="http://schemas.microsoft.com/office/drawing/2010/main" w="9525">
                   <a:solidFill>
                     <a:srgbClr val="000000"/>
                   </a:solidFill>
@@ -2337,7 +2337,7 @@
             </a:ln>
             <a:extLst>
               <a:ext uri="{91240B29-F687-4f45-9708-019B960494DF}">
-                <a14:hiddenLine xmlns:a14="http://schemas.microsoft.com/office/drawing/2010/main" xmlns="" w="9525">
+                <a14:hiddenLine xmlns="" xmlns:a14="http://schemas.microsoft.com/office/drawing/2010/main" w="9525">
                   <a:solidFill>
                     <a:srgbClr val="000000"/>
                   </a:solidFill>
@@ -2371,7 +2371,7 @@
             </a:ln>
             <a:extLst>
               <a:ext uri="{91240B29-F687-4f45-9708-019B960494DF}">
-                <a14:hiddenLine xmlns:a14="http://schemas.microsoft.com/office/drawing/2010/main" xmlns="" w="9525">
+                <a14:hiddenLine xmlns="" xmlns:a14="http://schemas.microsoft.com/office/drawing/2010/main" w="9525">
                   <a:solidFill>
                     <a:srgbClr val="000000"/>
                   </a:solidFill>
@@ -2461,7 +2461,7 @@
             </a:ln>
             <a:extLst>
               <a:ext uri="{91240B29-F687-4f45-9708-019B960494DF}">
-                <a14:hiddenLine xmlns:a14="http://schemas.microsoft.com/office/drawing/2010/main" xmlns="" w="9525">
+                <a14:hiddenLine xmlns="" xmlns:a14="http://schemas.microsoft.com/office/drawing/2010/main" w="9525">
                   <a:solidFill>
                     <a:srgbClr val="000000"/>
                   </a:solidFill>
@@ -2523,7 +2523,7 @@
             </a:ln>
             <a:extLst>
               <a:ext uri="{91240B29-F687-4f45-9708-019B960494DF}">
-                <a14:hiddenLine xmlns:a14="http://schemas.microsoft.com/office/drawing/2010/main" xmlns="" w="9525">
+                <a14:hiddenLine xmlns="" xmlns:a14="http://schemas.microsoft.com/office/drawing/2010/main" w="9525">
                   <a:solidFill>
                     <a:srgbClr val="000000"/>
                   </a:solidFill>
@@ -2585,7 +2585,7 @@
             </a:ln>
             <a:extLst>
               <a:ext uri="{91240B29-F687-4f45-9708-019B960494DF}">
-                <a14:hiddenLine xmlns:a14="http://schemas.microsoft.com/office/drawing/2010/main" xmlns="" w="9525">
+                <a14:hiddenLine xmlns="" xmlns:a14="http://schemas.microsoft.com/office/drawing/2010/main" w="9525">
                   <a:solidFill>
                     <a:srgbClr val="000000"/>
                   </a:solidFill>
@@ -2675,7 +2675,7 @@
             </a:ln>
             <a:extLst>
               <a:ext uri="{91240B29-F687-4f45-9708-019B960494DF}">
-                <a14:hiddenLine xmlns:a14="http://schemas.microsoft.com/office/drawing/2010/main" xmlns="" w="9525">
+                <a14:hiddenLine xmlns="" xmlns:a14="http://schemas.microsoft.com/office/drawing/2010/main" w="9525">
                   <a:solidFill>
                     <a:srgbClr val="000000"/>
                   </a:solidFill>
@@ -2743,7 +2743,7 @@
             </a:ln>
             <a:extLst>
               <a:ext uri="{91240B29-F687-4f45-9708-019B960494DF}">
-                <a14:hiddenLine xmlns:a14="http://schemas.microsoft.com/office/drawing/2010/main" xmlns="" w="9525">
+                <a14:hiddenLine xmlns="" xmlns:a14="http://schemas.microsoft.com/office/drawing/2010/main" w="9525">
                   <a:solidFill>
                     <a:srgbClr val="000000"/>
                   </a:solidFill>
@@ -2805,7 +2805,7 @@
             </a:ln>
             <a:extLst>
               <a:ext uri="{91240B29-F687-4f45-9708-019B960494DF}">
-                <a14:hiddenLine xmlns:a14="http://schemas.microsoft.com/office/drawing/2010/main" xmlns="" w="9525">
+                <a14:hiddenLine xmlns="" xmlns:a14="http://schemas.microsoft.com/office/drawing/2010/main" w="9525">
                   <a:solidFill>
                     <a:srgbClr val="000000"/>
                   </a:solidFill>
@@ -2895,7 +2895,7 @@
             </a:ln>
             <a:extLst>
               <a:ext uri="{91240B29-F687-4f45-9708-019B960494DF}">
-                <a14:hiddenLine xmlns:a14="http://schemas.microsoft.com/office/drawing/2010/main" xmlns="" w="9525">
+                <a14:hiddenLine xmlns="" xmlns:a14="http://schemas.microsoft.com/office/drawing/2010/main" w="9525">
                   <a:solidFill>
                     <a:srgbClr val="000000"/>
                   </a:solidFill>
@@ -2957,7 +2957,7 @@
             </a:ln>
             <a:extLst>
               <a:ext uri="{91240B29-F687-4f45-9708-019B960494DF}">
-                <a14:hiddenLine xmlns:a14="http://schemas.microsoft.com/office/drawing/2010/main" xmlns="" w="9525">
+                <a14:hiddenLine xmlns="" xmlns:a14="http://schemas.microsoft.com/office/drawing/2010/main" w="9525">
                   <a:solidFill>
                     <a:srgbClr val="000000"/>
                   </a:solidFill>
@@ -3047,7 +3047,7 @@
             </a:ln>
             <a:extLst>
               <a:ext uri="{91240B29-F687-4f45-9708-019B960494DF}">
-                <a14:hiddenLine xmlns:a14="http://schemas.microsoft.com/office/drawing/2010/main" xmlns="" w="9525">
+                <a14:hiddenLine xmlns="" xmlns:a14="http://schemas.microsoft.com/office/drawing/2010/main" w="9525">
                   <a:solidFill>
                     <a:srgbClr val="000000"/>
                   </a:solidFill>
@@ -3109,7 +3109,7 @@
             </a:ln>
             <a:extLst>
               <a:ext uri="{91240B29-F687-4f45-9708-019B960494DF}">
-                <a14:hiddenLine xmlns:a14="http://schemas.microsoft.com/office/drawing/2010/main" xmlns="" w="9525">
+                <a14:hiddenLine xmlns="" xmlns:a14="http://schemas.microsoft.com/office/drawing/2010/main" w="9525">
                   <a:solidFill>
                     <a:srgbClr val="000000"/>
                   </a:solidFill>
@@ -3199,7 +3199,7 @@
             </a:ln>
             <a:extLst>
               <a:ext uri="{91240B29-F687-4f45-9708-019B960494DF}">
-                <a14:hiddenLine xmlns:a14="http://schemas.microsoft.com/office/drawing/2010/main" xmlns="" w="9525">
+                <a14:hiddenLine xmlns="" xmlns:a14="http://schemas.microsoft.com/office/drawing/2010/main" w="9525">
                   <a:solidFill>
                     <a:srgbClr val="000000"/>
                   </a:solidFill>
@@ -3233,7 +3233,7 @@
             </a:ln>
             <a:extLst>
               <a:ext uri="{91240B29-F687-4f45-9708-019B960494DF}">
-                <a14:hiddenLine xmlns:a14="http://schemas.microsoft.com/office/drawing/2010/main" xmlns="" w="9525">
+                <a14:hiddenLine xmlns="" xmlns:a14="http://schemas.microsoft.com/office/drawing/2010/main" w="9525">
                   <a:solidFill>
                     <a:srgbClr val="000000"/>
                   </a:solidFill>
@@ -3298,7 +3298,7 @@
             </a:ln>
             <a:extLst>
               <a:ext uri="{91240B29-F687-4f45-9708-019B960494DF}">
-                <a14:hiddenLine xmlns:a14="http://schemas.microsoft.com/office/drawing/2010/main" xmlns="" w="9525">
+                <a14:hiddenLine xmlns="" xmlns:a14="http://schemas.microsoft.com/office/drawing/2010/main" w="9525">
                   <a:solidFill>
                     <a:srgbClr val="000000"/>
                   </a:solidFill>
@@ -3388,7 +3388,7 @@
             </a:ln>
             <a:extLst>
               <a:ext uri="{91240B29-F687-4f45-9708-019B960494DF}">
-                <a14:hiddenLine xmlns:a14="http://schemas.microsoft.com/office/drawing/2010/main" xmlns="" w="9525">
+                <a14:hiddenLine xmlns="" xmlns:a14="http://schemas.microsoft.com/office/drawing/2010/main" w="9525">
                   <a:solidFill>
                     <a:srgbClr val="000000"/>
                   </a:solidFill>
@@ -3450,7 +3450,7 @@
             </a:ln>
             <a:extLst>
               <a:ext uri="{91240B29-F687-4f45-9708-019B960494DF}">
-                <a14:hiddenLine xmlns:a14="http://schemas.microsoft.com/office/drawing/2010/main" xmlns="" w="9525">
+                <a14:hiddenLine xmlns="" xmlns:a14="http://schemas.microsoft.com/office/drawing/2010/main" w="9525">
                   <a:solidFill>
                     <a:srgbClr val="000000"/>
                   </a:solidFill>
@@ -3540,7 +3540,7 @@
             </a:ln>
             <a:extLst>
               <a:ext uri="{91240B29-F687-4f45-9708-019B960494DF}">
-                <a14:hiddenLine xmlns:a14="http://schemas.microsoft.com/office/drawing/2010/main" xmlns="" w="9525">
+                <a14:hiddenLine xmlns="" xmlns:a14="http://schemas.microsoft.com/office/drawing/2010/main" w="9525">
                   <a:solidFill>
                     <a:srgbClr val="000000"/>
                   </a:solidFill>
@@ -3630,7 +3630,7 @@
             </a:ln>
             <a:extLst>
               <a:ext uri="{91240B29-F687-4f45-9708-019B960494DF}">
-                <a14:hiddenLine xmlns:a14="http://schemas.microsoft.com/office/drawing/2010/main" xmlns="" w="9525">
+                <a14:hiddenLine xmlns="" xmlns:a14="http://schemas.microsoft.com/office/drawing/2010/main" w="9525">
                   <a:solidFill>
                     <a:srgbClr val="000000"/>
                   </a:solidFill>
@@ -3695,7 +3695,7 @@
             </a:ln>
             <a:extLst>
               <a:ext uri="{91240B29-F687-4f45-9708-019B960494DF}">
-                <a14:hiddenLine xmlns:a14="http://schemas.microsoft.com/office/drawing/2010/main" xmlns="" w="9525">
+                <a14:hiddenLine xmlns="" xmlns:a14="http://schemas.microsoft.com/office/drawing/2010/main" w="9525">
                   <a:solidFill>
                     <a:srgbClr val="000000"/>
                   </a:solidFill>
@@ -3757,7 +3757,7 @@
             </a:ln>
             <a:extLst>
               <a:ext uri="{91240B29-F687-4f45-9708-019B960494DF}">
-                <a14:hiddenLine xmlns:a14="http://schemas.microsoft.com/office/drawing/2010/main" xmlns="" w="9525">
+                <a14:hiddenLine xmlns="" xmlns:a14="http://schemas.microsoft.com/office/drawing/2010/main" w="9525">
                   <a:solidFill>
                     <a:srgbClr val="000000"/>
                   </a:solidFill>
@@ -3847,7 +3847,7 @@
             </a:ln>
             <a:extLst>
               <a:ext uri="{91240B29-F687-4f45-9708-019B960494DF}">
-                <a14:hiddenLine xmlns:a14="http://schemas.microsoft.com/office/drawing/2010/main" xmlns="" w="9525">
+                <a14:hiddenLine xmlns="" xmlns:a14="http://schemas.microsoft.com/office/drawing/2010/main" w="9525">
                   <a:solidFill>
                     <a:srgbClr val="000000"/>
                   </a:solidFill>
@@ -3937,7 +3937,7 @@
             </a:ln>
             <a:extLst>
               <a:ext uri="{91240B29-F687-4f45-9708-019B960494DF}">
-                <a14:hiddenLine xmlns:a14="http://schemas.microsoft.com/office/drawing/2010/main" xmlns="" w="9525">
+                <a14:hiddenLine xmlns="" xmlns:a14="http://schemas.microsoft.com/office/drawing/2010/main" w="9525">
                   <a:solidFill>
                     <a:srgbClr val="000000"/>
                   </a:solidFill>
@@ -3999,7 +3999,7 @@
             </a:ln>
             <a:extLst>
               <a:ext uri="{91240B29-F687-4f45-9708-019B960494DF}">
-                <a14:hiddenLine xmlns:a14="http://schemas.microsoft.com/office/drawing/2010/main" xmlns="" w="9525">
+                <a14:hiddenLine xmlns="" xmlns:a14="http://schemas.microsoft.com/office/drawing/2010/main" w="9525">
                   <a:solidFill>
                     <a:srgbClr val="000000"/>
                   </a:solidFill>
@@ -4119,7 +4119,7 @@
             </a:ln>
             <a:extLst>
               <a:ext uri="{91240B29-F687-4f45-9708-019B960494DF}">
-                <a14:hiddenLine xmlns:a14="http://schemas.microsoft.com/office/drawing/2010/main" xmlns="" w="9525">
+                <a14:hiddenLine xmlns="" xmlns:a14="http://schemas.microsoft.com/office/drawing/2010/main" w="9525">
                   <a:solidFill>
                     <a:srgbClr val="000000"/>
                   </a:solidFill>
@@ -4187,7 +4187,7 @@
             </a:ln>
             <a:extLst>
               <a:ext uri="{91240B29-F687-4f45-9708-019B960494DF}">
-                <a14:hiddenLine xmlns:a14="http://schemas.microsoft.com/office/drawing/2010/main" xmlns="" w="9525">
+                <a14:hiddenLine xmlns="" xmlns:a14="http://schemas.microsoft.com/office/drawing/2010/main" w="9525">
                   <a:solidFill>
                     <a:srgbClr val="000000"/>
                   </a:solidFill>
@@ -4277,7 +4277,7 @@
             </a:ln>
             <a:extLst>
               <a:ext uri="{91240B29-F687-4f45-9708-019B960494DF}">
-                <a14:hiddenLine xmlns:a14="http://schemas.microsoft.com/office/drawing/2010/main" xmlns="" w="9525">
+                <a14:hiddenLine xmlns="" xmlns:a14="http://schemas.microsoft.com/office/drawing/2010/main" w="9525">
                   <a:solidFill>
                     <a:srgbClr val="000000"/>
                   </a:solidFill>
@@ -4417,7 +4417,7 @@
           <a:p>
             <a:fld id="{48A87A34-81AB-432B-8DAE-1953F412C126}" type="datetimeFigureOut">
               <a:rPr lang="en-US" dirty="0"/>
-              <a:t>10/15/2018</a:t>
+              <a:t>10/16/2018</a:t>
             </a:fld>
             <a:endParaRPr lang="en-US" dirty="0"/>
           </a:p>
@@ -4679,7 +4679,7 @@
           <a:p>
             <a:fld id="{48A87A34-81AB-432B-8DAE-1953F412C126}" type="datetimeFigureOut">
               <a:rPr lang="en-US" dirty="0"/>
-              <a:t>10/15/2018</a:t>
+              <a:t>10/16/2018</a:t>
             </a:fld>
             <a:endParaRPr lang="en-US" dirty="0"/>
           </a:p>
@@ -4870,7 +4870,7 @@
           <a:p>
             <a:fld id="{48A87A34-81AB-432B-8DAE-1953F412C126}" type="datetimeFigureOut">
               <a:rPr lang="en-US" dirty="0"/>
-              <a:t>10/15/2018</a:t>
+              <a:t>10/16/2018</a:t>
             </a:fld>
             <a:endParaRPr lang="en-US" dirty="0"/>
           </a:p>
@@ -5128,7 +5128,7 @@
           <a:p>
             <a:fld id="{48A87A34-81AB-432B-8DAE-1953F412C126}" type="datetimeFigureOut">
               <a:rPr lang="en-US" dirty="0"/>
-              <a:t>10/15/2018</a:t>
+              <a:t>10/16/2018</a:t>
             </a:fld>
             <a:endParaRPr lang="en-US" dirty="0"/>
           </a:p>
@@ -5557,7 +5557,7 @@
           <a:p>
             <a:fld id="{48A87A34-81AB-432B-8DAE-1953F412C126}" type="datetimeFigureOut">
               <a:rPr lang="en-US" dirty="0"/>
-              <a:t>10/15/2018</a:t>
+              <a:t>10/16/2018</a:t>
             </a:fld>
             <a:endParaRPr lang="en-US" dirty="0"/>
           </a:p>
@@ -6098,7 +6098,7 @@
           <a:p>
             <a:fld id="{48A87A34-81AB-432B-8DAE-1953F412C126}" type="datetimeFigureOut">
               <a:rPr lang="en-US" dirty="0"/>
-              <a:t>10/15/2018</a:t>
+              <a:t>10/16/2018</a:t>
             </a:fld>
             <a:endParaRPr lang="en-US" dirty="0"/>
           </a:p>
@@ -6813,7 +6813,7 @@
           <a:p>
             <a:fld id="{48A87A34-81AB-432B-8DAE-1953F412C126}" type="datetimeFigureOut">
               <a:rPr lang="en-US" dirty="0"/>
-              <a:t>10/15/2018</a:t>
+              <a:t>10/16/2018</a:t>
             </a:fld>
             <a:endParaRPr lang="en-US" dirty="0"/>
           </a:p>
@@ -6978,7 +6978,7 @@
           <a:p>
             <a:fld id="{48A87A34-81AB-432B-8DAE-1953F412C126}" type="datetimeFigureOut">
               <a:rPr lang="en-US" dirty="0"/>
-              <a:t>10/15/2018</a:t>
+              <a:t>10/16/2018</a:t>
             </a:fld>
             <a:endParaRPr lang="en-US" dirty="0"/>
           </a:p>
@@ -7153,7 +7153,7 @@
           <a:p>
             <a:fld id="{48A87A34-81AB-432B-8DAE-1953F412C126}" type="datetimeFigureOut">
               <a:rPr lang="en-US" dirty="0"/>
-              <a:t>10/15/2018</a:t>
+              <a:t>10/16/2018</a:t>
             </a:fld>
             <a:endParaRPr lang="en-US" dirty="0"/>
           </a:p>
@@ -7318,7 +7318,7 @@
           <a:p>
             <a:fld id="{48A87A34-81AB-432B-8DAE-1953F412C126}" type="datetimeFigureOut">
               <a:rPr lang="en-US" dirty="0"/>
-              <a:t>10/15/2018</a:t>
+              <a:t>10/16/2018</a:t>
             </a:fld>
             <a:endParaRPr lang="en-US" dirty="0"/>
           </a:p>
@@ -7563,7 +7563,7 @@
           <a:p>
             <a:fld id="{48A87A34-81AB-432B-8DAE-1953F412C126}" type="datetimeFigureOut">
               <a:rPr lang="en-US" dirty="0"/>
-              <a:t>10/15/2018</a:t>
+              <a:t>10/16/2018</a:t>
             </a:fld>
             <a:endParaRPr lang="en-US" dirty="0"/>
           </a:p>
@@ -7790,7 +7790,7 @@
           <a:p>
             <a:fld id="{48A87A34-81AB-432B-8DAE-1953F412C126}" type="datetimeFigureOut">
               <a:rPr lang="en-US" dirty="0"/>
-              <a:t>10/15/2018</a:t>
+              <a:t>10/16/2018</a:t>
             </a:fld>
             <a:endParaRPr lang="en-US" dirty="0"/>
           </a:p>
@@ -8166,7 +8166,7 @@
           <a:p>
             <a:fld id="{48A87A34-81AB-432B-8DAE-1953F412C126}" type="datetimeFigureOut">
               <a:rPr lang="en-US" dirty="0"/>
-              <a:t>10/15/2018</a:t>
+              <a:t>10/16/2018</a:t>
             </a:fld>
             <a:endParaRPr lang="en-US" dirty="0"/>
           </a:p>
@@ -8279,7 +8279,7 @@
           <a:p>
             <a:fld id="{48A87A34-81AB-432B-8DAE-1953F412C126}" type="datetimeFigureOut">
               <a:rPr lang="en-US" dirty="0"/>
-              <a:t>10/15/2018</a:t>
+              <a:t>10/16/2018</a:t>
             </a:fld>
             <a:endParaRPr lang="en-US" dirty="0"/>
           </a:p>
@@ -8369,7 +8369,7 @@
           <a:p>
             <a:fld id="{48A87A34-81AB-432B-8DAE-1953F412C126}" type="datetimeFigureOut">
               <a:rPr lang="en-US" dirty="0"/>
-              <a:t>10/15/2018</a:t>
+              <a:t>10/16/2018</a:t>
             </a:fld>
             <a:endParaRPr lang="en-US" dirty="0"/>
           </a:p>
@@ -8613,7 +8613,7 @@
           <a:p>
             <a:fld id="{48A87A34-81AB-432B-8DAE-1953F412C126}" type="datetimeFigureOut">
               <a:rPr lang="en-US" dirty="0"/>
-              <a:t>10/15/2018</a:t>
+              <a:t>10/16/2018</a:t>
             </a:fld>
             <a:endParaRPr lang="en-US" dirty="0"/>
           </a:p>
@@ -8888,7 +8888,7 @@
           <a:p>
             <a:fld id="{48A87A34-81AB-432B-8DAE-1953F412C126}" type="datetimeFigureOut">
               <a:rPr lang="en-US" dirty="0"/>
-              <a:t>10/15/2018</a:t>
+              <a:t>10/16/2018</a:t>
             </a:fld>
             <a:endParaRPr lang="en-US" dirty="0"/>
           </a:p>
@@ -8999,7 +8999,7 @@
           <a:noFill/>
           <a:extLst>
             <a:ext uri="{909E8E84-426E-40dd-AFC4-6F175D3DCCD1}">
-              <a14:hiddenFill xmlns:a14="http://schemas.microsoft.com/office/drawing/2010/main" xmlns="">
+              <a14:hiddenFill xmlns="" xmlns:a14="http://schemas.microsoft.com/office/drawing/2010/main">
                 <a:solidFill>
                   <a:srgbClr val="FFFFFF"/>
                 </a:solidFill>
@@ -9073,7 +9073,7 @@
               </a:ln>
               <a:extLst>
                 <a:ext uri="{91240B29-F687-4f45-9708-019B960494DF}">
-                  <a14:hiddenLine xmlns:a14="http://schemas.microsoft.com/office/drawing/2010/main" xmlns="" w="9525">
+                  <a14:hiddenLine xmlns="" xmlns:a14="http://schemas.microsoft.com/office/drawing/2010/main" w="9525">
                     <a:solidFill>
                       <a:srgbClr val="000000"/>
                     </a:solidFill>
@@ -9163,7 +9163,7 @@
               </a:ln>
               <a:extLst>
                 <a:ext uri="{91240B29-F687-4f45-9708-019B960494DF}">
-                  <a14:hiddenLine xmlns:a14="http://schemas.microsoft.com/office/drawing/2010/main" xmlns="" w="9525">
+                  <a14:hiddenLine xmlns="" xmlns:a14="http://schemas.microsoft.com/office/drawing/2010/main" w="9525">
                     <a:solidFill>
                       <a:srgbClr val="000000"/>
                     </a:solidFill>
@@ -9253,7 +9253,7 @@
               </a:ln>
               <a:extLst>
                 <a:ext uri="{91240B29-F687-4f45-9708-019B960494DF}">
-                  <a14:hiddenLine xmlns:a14="http://schemas.microsoft.com/office/drawing/2010/main" xmlns="" w="9525">
+                  <a14:hiddenLine xmlns="" xmlns:a14="http://schemas.microsoft.com/office/drawing/2010/main" w="9525">
                     <a:solidFill>
                       <a:srgbClr val="000000"/>
                     </a:solidFill>
@@ -9315,7 +9315,7 @@
               </a:ln>
               <a:extLst>
                 <a:ext uri="{91240B29-F687-4f45-9708-019B960494DF}">
-                  <a14:hiddenLine xmlns:a14="http://schemas.microsoft.com/office/drawing/2010/main" xmlns="" w="9525">
+                  <a14:hiddenLine xmlns="" xmlns:a14="http://schemas.microsoft.com/office/drawing/2010/main" w="9525">
                     <a:solidFill>
                       <a:srgbClr val="000000"/>
                     </a:solidFill>
@@ -9405,7 +9405,7 @@
               </a:ln>
               <a:extLst>
                 <a:ext uri="{91240B29-F687-4f45-9708-019B960494DF}">
-                  <a14:hiddenLine xmlns:a14="http://schemas.microsoft.com/office/drawing/2010/main" xmlns="" w="9525">
+                  <a14:hiddenLine xmlns="" xmlns:a14="http://schemas.microsoft.com/office/drawing/2010/main" w="9525">
                     <a:solidFill>
                       <a:srgbClr val="000000"/>
                     </a:solidFill>
@@ -9467,7 +9467,7 @@
               </a:ln>
               <a:extLst>
                 <a:ext uri="{91240B29-F687-4f45-9708-019B960494DF}">
-                  <a14:hiddenLine xmlns:a14="http://schemas.microsoft.com/office/drawing/2010/main" xmlns="" w="9525">
+                  <a14:hiddenLine xmlns="" xmlns:a14="http://schemas.microsoft.com/office/drawing/2010/main" w="9525">
                     <a:solidFill>
                       <a:srgbClr val="000000"/>
                     </a:solidFill>
@@ -9529,7 +9529,7 @@
               </a:ln>
               <a:extLst>
                 <a:ext uri="{91240B29-F687-4f45-9708-019B960494DF}">
-                  <a14:hiddenLine xmlns:a14="http://schemas.microsoft.com/office/drawing/2010/main" xmlns="" w="9525">
+                  <a14:hiddenLine xmlns="" xmlns:a14="http://schemas.microsoft.com/office/drawing/2010/main" w="9525">
                     <a:solidFill>
                       <a:srgbClr val="000000"/>
                     </a:solidFill>
@@ -9619,7 +9619,7 @@
               </a:ln>
               <a:extLst>
                 <a:ext uri="{91240B29-F687-4f45-9708-019B960494DF}">
-                  <a14:hiddenLine xmlns:a14="http://schemas.microsoft.com/office/drawing/2010/main" xmlns="" w="9525">
+                  <a14:hiddenLine xmlns="" xmlns:a14="http://schemas.microsoft.com/office/drawing/2010/main" w="9525">
                     <a:solidFill>
                       <a:srgbClr val="000000"/>
                     </a:solidFill>
@@ -9709,7 +9709,7 @@
               </a:ln>
               <a:extLst>
                 <a:ext uri="{91240B29-F687-4f45-9708-019B960494DF}">
-                  <a14:hiddenLine xmlns:a14="http://schemas.microsoft.com/office/drawing/2010/main" xmlns="" w="9525">
+                  <a14:hiddenLine xmlns="" xmlns:a14="http://schemas.microsoft.com/office/drawing/2010/main" w="9525">
                     <a:solidFill>
                       <a:srgbClr val="000000"/>
                     </a:solidFill>
@@ -9771,7 +9771,7 @@
               </a:ln>
               <a:extLst>
                 <a:ext uri="{91240B29-F687-4f45-9708-019B960494DF}">
-                  <a14:hiddenLine xmlns:a14="http://schemas.microsoft.com/office/drawing/2010/main" xmlns="" w="9525">
+                  <a14:hiddenLine xmlns="" xmlns:a14="http://schemas.microsoft.com/office/drawing/2010/main" w="9525">
                     <a:solidFill>
                       <a:srgbClr val="000000"/>
                     </a:solidFill>
@@ -9881,7 +9881,7 @@
               </a:ln>
               <a:extLst>
                 <a:ext uri="{91240B29-F687-4f45-9708-019B960494DF}">
-                  <a14:hiddenLine xmlns:a14="http://schemas.microsoft.com/office/drawing/2010/main" xmlns="" w="9525">
+                  <a14:hiddenLine xmlns="" xmlns:a14="http://schemas.microsoft.com/office/drawing/2010/main" w="9525">
                     <a:solidFill>
                       <a:srgbClr val="000000"/>
                     </a:solidFill>
@@ -9965,7 +9965,7 @@
               </a:ln>
               <a:extLst>
                 <a:ext uri="{91240B29-F687-4f45-9708-019B960494DF}">
-                  <a14:hiddenLine xmlns:a14="http://schemas.microsoft.com/office/drawing/2010/main" xmlns="" w="9525">
+                  <a14:hiddenLine xmlns="" xmlns:a14="http://schemas.microsoft.com/office/drawing/2010/main" w="9525">
                     <a:solidFill>
                       <a:srgbClr val="000000"/>
                     </a:solidFill>
@@ -10027,7 +10027,7 @@
               </a:ln>
               <a:extLst>
                 <a:ext uri="{91240B29-F687-4f45-9708-019B960494DF}">
-                  <a14:hiddenLine xmlns:a14="http://schemas.microsoft.com/office/drawing/2010/main" xmlns="" w="9525">
+                  <a14:hiddenLine xmlns="" xmlns:a14="http://schemas.microsoft.com/office/drawing/2010/main" w="9525">
                     <a:solidFill>
                       <a:srgbClr val="000000"/>
                     </a:solidFill>
@@ -10089,7 +10089,7 @@
               </a:ln>
               <a:extLst>
                 <a:ext uri="{91240B29-F687-4f45-9708-019B960494DF}">
-                  <a14:hiddenLine xmlns:a14="http://schemas.microsoft.com/office/drawing/2010/main" xmlns="" w="9525">
+                  <a14:hiddenLine xmlns="" xmlns:a14="http://schemas.microsoft.com/office/drawing/2010/main" w="9525">
                     <a:solidFill>
                       <a:srgbClr val="000000"/>
                     </a:solidFill>
@@ -10179,7 +10179,7 @@
               </a:ln>
               <a:extLst>
                 <a:ext uri="{91240B29-F687-4f45-9708-019B960494DF}">
-                  <a14:hiddenLine xmlns:a14="http://schemas.microsoft.com/office/drawing/2010/main" xmlns="" w="9525">
+                  <a14:hiddenLine xmlns="" xmlns:a14="http://schemas.microsoft.com/office/drawing/2010/main" w="9525">
                     <a:solidFill>
                       <a:srgbClr val="000000"/>
                     </a:solidFill>
@@ -10213,7 +10213,7 @@
               </a:ln>
               <a:extLst>
                 <a:ext uri="{91240B29-F687-4f45-9708-019B960494DF}">
-                  <a14:hiddenLine xmlns:a14="http://schemas.microsoft.com/office/drawing/2010/main" xmlns="" w="9525">
+                  <a14:hiddenLine xmlns="" xmlns:a14="http://schemas.microsoft.com/office/drawing/2010/main" w="9525">
                     <a:solidFill>
                       <a:srgbClr val="000000"/>
                     </a:solidFill>
@@ -10278,7 +10278,7 @@
               </a:ln>
               <a:extLst>
                 <a:ext uri="{91240B29-F687-4f45-9708-019B960494DF}">
-                  <a14:hiddenLine xmlns:a14="http://schemas.microsoft.com/office/drawing/2010/main" xmlns="" w="9525">
+                  <a14:hiddenLine xmlns="" xmlns:a14="http://schemas.microsoft.com/office/drawing/2010/main" w="9525">
                     <a:solidFill>
                       <a:srgbClr val="000000"/>
                     </a:solidFill>
@@ -10368,7 +10368,7 @@
               </a:ln>
               <a:extLst>
                 <a:ext uri="{91240B29-F687-4f45-9708-019B960494DF}">
-                  <a14:hiddenLine xmlns:a14="http://schemas.microsoft.com/office/drawing/2010/main" xmlns="" w="9525">
+                  <a14:hiddenLine xmlns="" xmlns:a14="http://schemas.microsoft.com/office/drawing/2010/main" w="9525">
                     <a:solidFill>
                       <a:srgbClr val="000000"/>
                     </a:solidFill>
@@ -10430,7 +10430,7 @@
               </a:ln>
               <a:extLst>
                 <a:ext uri="{91240B29-F687-4f45-9708-019B960494DF}">
-                  <a14:hiddenLine xmlns:a14="http://schemas.microsoft.com/office/drawing/2010/main" xmlns="" w="9525">
+                  <a14:hiddenLine xmlns="" xmlns:a14="http://schemas.microsoft.com/office/drawing/2010/main" w="9525">
                     <a:solidFill>
                       <a:srgbClr val="000000"/>
                     </a:solidFill>
@@ -10520,7 +10520,7 @@
               </a:ln>
               <a:extLst>
                 <a:ext uri="{91240B29-F687-4f45-9708-019B960494DF}">
-                  <a14:hiddenLine xmlns:a14="http://schemas.microsoft.com/office/drawing/2010/main" xmlns="" w="9525">
+                  <a14:hiddenLine xmlns="" xmlns:a14="http://schemas.microsoft.com/office/drawing/2010/main" w="9525">
                     <a:solidFill>
                       <a:srgbClr val="000000"/>
                     </a:solidFill>
@@ -10585,7 +10585,7 @@
               </a:ln>
               <a:extLst>
                 <a:ext uri="{91240B29-F687-4f45-9708-019B960494DF}">
-                  <a14:hiddenLine xmlns:a14="http://schemas.microsoft.com/office/drawing/2010/main" xmlns="" w="9525">
+                  <a14:hiddenLine xmlns="" xmlns:a14="http://schemas.microsoft.com/office/drawing/2010/main" w="9525">
                     <a:solidFill>
                       <a:srgbClr val="000000"/>
                     </a:solidFill>
@@ -10647,7 +10647,7 @@
               </a:ln>
               <a:extLst>
                 <a:ext uri="{91240B29-F687-4f45-9708-019B960494DF}">
-                  <a14:hiddenLine xmlns:a14="http://schemas.microsoft.com/office/drawing/2010/main" xmlns="" w="9525">
+                  <a14:hiddenLine xmlns="" xmlns:a14="http://schemas.microsoft.com/office/drawing/2010/main" w="9525">
                     <a:solidFill>
                       <a:srgbClr val="000000"/>
                     </a:solidFill>
@@ -10737,7 +10737,7 @@
               </a:ln>
               <a:extLst>
                 <a:ext uri="{91240B29-F687-4f45-9708-019B960494DF}">
-                  <a14:hiddenLine xmlns:a14="http://schemas.microsoft.com/office/drawing/2010/main" xmlns="" w="9525">
+                  <a14:hiddenLine xmlns="" xmlns:a14="http://schemas.microsoft.com/office/drawing/2010/main" w="9525">
                     <a:solidFill>
                       <a:srgbClr val="000000"/>
                     </a:solidFill>
@@ -10827,7 +10827,7 @@
               </a:ln>
               <a:extLst>
                 <a:ext uri="{91240B29-F687-4f45-9708-019B960494DF}">
-                  <a14:hiddenLine xmlns:a14="http://schemas.microsoft.com/office/drawing/2010/main" xmlns="" w="9525">
+                  <a14:hiddenLine xmlns="" xmlns:a14="http://schemas.microsoft.com/office/drawing/2010/main" w="9525">
                     <a:solidFill>
                       <a:srgbClr val="000000"/>
                     </a:solidFill>
@@ -10892,7 +10892,7 @@
               </a:ln>
               <a:extLst>
                 <a:ext uri="{91240B29-F687-4f45-9708-019B960494DF}">
-                  <a14:hiddenLine xmlns:a14="http://schemas.microsoft.com/office/drawing/2010/main" xmlns="" w="9525">
+                  <a14:hiddenLine xmlns="" xmlns:a14="http://schemas.microsoft.com/office/drawing/2010/main" w="9525">
                     <a:solidFill>
                       <a:srgbClr val="000000"/>
                     </a:solidFill>
@@ -11012,7 +11012,7 @@
               </a:ln>
               <a:extLst>
                 <a:ext uri="{91240B29-F687-4f45-9708-019B960494DF}">
-                  <a14:hiddenLine xmlns:a14="http://schemas.microsoft.com/office/drawing/2010/main" xmlns="" w="9525">
+                  <a14:hiddenLine xmlns="" xmlns:a14="http://schemas.microsoft.com/office/drawing/2010/main" w="9525">
                     <a:solidFill>
                       <a:srgbClr val="000000"/>
                     </a:solidFill>
@@ -11110,7 +11110,7 @@
               </a:ln>
               <a:extLst>
                 <a:ext uri="{91240B29-F687-4f45-9708-019B960494DF}">
-                  <a14:hiddenLine xmlns:a14="http://schemas.microsoft.com/office/drawing/2010/main" xmlns="" w="9525">
+                  <a14:hiddenLine xmlns="" xmlns:a14="http://schemas.microsoft.com/office/drawing/2010/main" w="9525">
                     <a:solidFill>
                       <a:srgbClr val="000000"/>
                     </a:solidFill>
@@ -11225,7 +11225,7 @@
               </a:ln>
               <a:extLst>
                 <a:ext uri="{91240B29-F687-4f45-9708-019B960494DF}">
-                  <a14:hiddenLine xmlns:a14="http://schemas.microsoft.com/office/drawing/2010/main" xmlns="" w="9525">
+                  <a14:hiddenLine xmlns="" xmlns:a14="http://schemas.microsoft.com/office/drawing/2010/main" w="9525">
                     <a:solidFill>
                       <a:srgbClr val="000000"/>
                     </a:solidFill>
@@ -11315,7 +11315,7 @@
               </a:ln>
               <a:extLst>
                 <a:ext uri="{91240B29-F687-4f45-9708-019B960494DF}">
-                  <a14:hiddenLine xmlns:a14="http://schemas.microsoft.com/office/drawing/2010/main" xmlns="" w="9525">
+                  <a14:hiddenLine xmlns="" xmlns:a14="http://schemas.microsoft.com/office/drawing/2010/main" w="9525">
                     <a:solidFill>
                       <a:srgbClr val="000000"/>
                     </a:solidFill>
@@ -11380,7 +11380,7 @@
               </a:ln>
               <a:extLst>
                 <a:ext uri="{91240B29-F687-4f45-9708-019B960494DF}">
-                  <a14:hiddenLine xmlns:a14="http://schemas.microsoft.com/office/drawing/2010/main" xmlns="" w="9525">
+                  <a14:hiddenLine xmlns="" xmlns:a14="http://schemas.microsoft.com/office/drawing/2010/main" w="9525">
                     <a:solidFill>
                       <a:srgbClr val="000000"/>
                     </a:solidFill>
@@ -11470,7 +11470,7 @@
               </a:ln>
               <a:extLst>
                 <a:ext uri="{91240B29-F687-4f45-9708-019B960494DF}">
-                  <a14:hiddenLine xmlns:a14="http://schemas.microsoft.com/office/drawing/2010/main" xmlns="" w="9525">
+                  <a14:hiddenLine xmlns="" xmlns:a14="http://schemas.microsoft.com/office/drawing/2010/main" w="9525">
                     <a:solidFill>
                       <a:srgbClr val="000000"/>
                     </a:solidFill>
@@ -11538,7 +11538,7 @@
               </a:ln>
               <a:extLst>
                 <a:ext uri="{91240B29-F687-4f45-9708-019B960494DF}">
-                  <a14:hiddenLine xmlns:a14="http://schemas.microsoft.com/office/drawing/2010/main" xmlns="" w="9525">
+                  <a14:hiddenLine xmlns="" xmlns:a14="http://schemas.microsoft.com/office/drawing/2010/main" w="9525">
                     <a:solidFill>
                       <a:srgbClr val="000000"/>
                     </a:solidFill>
@@ -11628,7 +11628,7 @@
               </a:ln>
               <a:extLst>
                 <a:ext uri="{91240B29-F687-4f45-9708-019B960494DF}">
-                  <a14:hiddenLine xmlns:a14="http://schemas.microsoft.com/office/drawing/2010/main" xmlns="" w="9525">
+                  <a14:hiddenLine xmlns="" xmlns:a14="http://schemas.microsoft.com/office/drawing/2010/main" w="9525">
                     <a:solidFill>
                       <a:srgbClr val="000000"/>
                     </a:solidFill>
@@ -11696,7 +11696,7 @@
               </a:ln>
               <a:extLst>
                 <a:ext uri="{91240B29-F687-4f45-9708-019B960494DF}">
-                  <a14:hiddenLine xmlns:a14="http://schemas.microsoft.com/office/drawing/2010/main" xmlns="" w="9525">
+                  <a14:hiddenLine xmlns="" xmlns:a14="http://schemas.microsoft.com/office/drawing/2010/main" w="9525">
                     <a:solidFill>
                       <a:srgbClr val="000000"/>
                     </a:solidFill>
@@ -11786,7 +11786,7 @@
               </a:ln>
               <a:extLst>
                 <a:ext uri="{91240B29-F687-4f45-9708-019B960494DF}">
-                  <a14:hiddenLine xmlns:a14="http://schemas.microsoft.com/office/drawing/2010/main" xmlns="" w="9525">
+                  <a14:hiddenLine xmlns="" xmlns:a14="http://schemas.microsoft.com/office/drawing/2010/main" w="9525">
                     <a:solidFill>
                       <a:srgbClr val="000000"/>
                     </a:solidFill>
@@ -11820,7 +11820,7 @@
               </a:ln>
               <a:extLst>
                 <a:ext uri="{91240B29-F687-4f45-9708-019B960494DF}">
-                  <a14:hiddenLine xmlns:a14="http://schemas.microsoft.com/office/drawing/2010/main" xmlns="" w="9525">
+                  <a14:hiddenLine xmlns="" xmlns:a14="http://schemas.microsoft.com/office/drawing/2010/main" w="9525">
                     <a:solidFill>
                       <a:srgbClr val="000000"/>
                     </a:solidFill>
@@ -11961,7 +11961,7 @@
             <a:fld id="{48A87A34-81AB-432B-8DAE-1953F412C126}" type="datetimeFigureOut">
               <a:rPr lang="en-US" dirty="0"/>
               <a:pPr/>
-              <a:t>10/15/2018</a:t>
+              <a:t>10/16/2018</a:t>
             </a:fld>
             <a:endParaRPr lang="en-US" dirty="0"/>
           </a:p>
@@ -13610,11 +13610,7 @@
             </a:r>
             <a:r>
               <a:rPr lang="en-US" sz="2000" dirty="0" smtClean="0"/>
-              <a:t>font or any CSS value</a:t>
-            </a:r>
-            <a:r>
-              <a:rPr lang="en-US" sz="2000" dirty="0" smtClean="0"/>
-              <a:t>.</a:t>
+              <a:t>font or any CSS value.</a:t>
             </a:r>
           </a:p>
           <a:p>
@@ -13634,7 +13630,6 @@
               <a:rPr lang="en-US" sz="1600" dirty="0" smtClean="0"/>
               <a:t>signs</a:t>
             </a:r>
-            <a:endParaRPr lang="en-US" sz="1600" dirty="0" smtClean="0"/>
           </a:p>
           <a:p>
             <a:pPr>
@@ -13659,6 +13654,61 @@
             </a:r>
           </a:p>
           <a:p>
+            <a:pPr lvl="1">
+              <a:lnSpc>
+                <a:spcPct val="100000"/>
+              </a:lnSpc>
+              <a:spcBef>
+                <a:spcPts val="300"/>
+              </a:spcBef>
+            </a:pPr>
+            <a:r>
+              <a:rPr lang="en-US" sz="1600" dirty="0"/>
+              <a:t>List: can use </a:t>
+            </a:r>
+            <a:r>
+              <a:rPr lang="en-US" sz="1600" dirty="0" smtClean="0"/>
+              <a:t>comma or space </a:t>
+            </a:r>
+            <a:r>
+              <a:rPr lang="en-US" sz="1600" dirty="0"/>
+              <a:t>as </a:t>
+            </a:r>
+            <a:r>
+              <a:rPr lang="en-US" sz="1600" dirty="0" smtClean="0"/>
+              <a:t>delimiter between each item. Ex</a:t>
+            </a:r>
+            <a:r>
+              <a:rPr lang="en-US" sz="1600" dirty="0"/>
+              <a:t>: </a:t>
+            </a:r>
+            <a:endParaRPr lang="en-US" sz="1600" dirty="0" smtClean="0"/>
+          </a:p>
+          <a:p>
+            <a:pPr marL="914400" lvl="2" indent="0">
+              <a:lnSpc>
+                <a:spcPct val="100000"/>
+              </a:lnSpc>
+              <a:spcBef>
+                <a:spcPts val="300"/>
+              </a:spcBef>
+              <a:buNone/>
+            </a:pPr>
+            <a:r>
+              <a:rPr lang="en-US" sz="1400" dirty="0" smtClean="0"/>
+              <a:t>$</a:t>
+            </a:r>
+            <a:r>
+              <a:rPr lang="en-US" sz="1400" dirty="0" err="1"/>
+              <a:t>buttonConfig</a:t>
+            </a:r>
+            <a:r>
+              <a:rPr lang="en-US" sz="1400" dirty="0"/>
+              <a:t>: 'save' 50px, 'cancel' 50px, 'help' 100px;</a:t>
+            </a:r>
+            <a:endParaRPr lang="en-US" sz="1400" dirty="0" smtClean="0"/>
+          </a:p>
+          <a:p>
             <a:pPr>
               <a:lnSpc>
                 <a:spcPct val="100000"/>
@@ -13675,6 +13725,7 @@
               <a:rPr lang="en-US" sz="2000" dirty="0" smtClean="0"/>
               <a:t>.</a:t>
             </a:r>
+            <a:endParaRPr lang="en-US" sz="2000" dirty="0" smtClean="0"/>
           </a:p>
           <a:p>
             <a:pPr>
@@ -14331,17 +14382,7 @@
                 <a:latin typeface="Arial" panose="020B0604020202020204" pitchFamily="34" charset="0"/>
                 <a:cs typeface="Arial" panose="020B0604020202020204" pitchFamily="34" charset="0"/>
               </a:rPr>
-              <a:t>2. How to use? – </a:t>
-            </a:r>
-            <a:r>
-              <a:rPr lang="en-US" sz="2400" cap="none" dirty="0">
-                <a:solidFill>
-                  <a:schemeClr val="bg1"/>
-                </a:solidFill>
-                <a:latin typeface="Arial" panose="020B0604020202020204" pitchFamily="34" charset="0"/>
-                <a:cs typeface="Arial" panose="020B0604020202020204" pitchFamily="34" charset="0"/>
-              </a:rPr>
-              <a:t>Functions</a:t>
+              <a:t>2. How to use? – Control directives</a:t>
             </a:r>
             <a:endParaRPr lang="en-US" sz="2400" dirty="0"/>
           </a:p>
@@ -14369,17 +14410,6 @@
           </a:bodyPr>
           <a:lstStyle/>
           <a:p>
-            <a:pPr>
-              <a:lnSpc>
-                <a:spcPct val="100000"/>
-              </a:lnSpc>
-              <a:spcBef>
-                <a:spcPts val="300"/>
-              </a:spcBef>
-            </a:pPr>
-            <a:endParaRPr lang="en-US" sz="2000" dirty="0"/>
-          </a:p>
-          <a:p>
             <a:pPr lvl="1">
               <a:lnSpc>
                 <a:spcPct val="100000"/>
@@ -14388,23 +14418,170 @@
                 <a:spcPts val="300"/>
               </a:spcBef>
             </a:pPr>
-            <a:endParaRPr lang="en-US" sz="1600" dirty="0"/>
-          </a:p>
-          <a:p>
-            <a:pPr marL="457200" lvl="1" indent="0">
+            <a:r>
+              <a:rPr lang="en-US" sz="1600" dirty="0" smtClean="0"/>
+              <a:t> There</a:t>
+            </a:r>
+            <a:r>
+              <a:rPr lang="en-US" sz="1600" dirty="0"/>
+              <a:t> </a:t>
+            </a:r>
+            <a:r>
+              <a:rPr lang="en-US" sz="1600" dirty="0" smtClean="0"/>
+              <a:t>are expression: </a:t>
+            </a:r>
+            <a:r>
+              <a:rPr lang="en-US" sz="1600" dirty="0"/>
+              <a:t>@if, @</a:t>
+            </a:r>
+            <a:r>
+              <a:rPr lang="en-US" sz="1600" dirty="0" smtClean="0"/>
+              <a:t>Else, </a:t>
+            </a:r>
+            <a:r>
+              <a:rPr lang="en-US" sz="1600" dirty="0"/>
+              <a:t>@for, @each and @</a:t>
+            </a:r>
+            <a:r>
+              <a:rPr lang="en-US" sz="1600" dirty="0" smtClean="0"/>
+              <a:t>while</a:t>
+            </a:r>
+          </a:p>
+          <a:p>
+            <a:pPr lvl="2">
               <a:lnSpc>
                 <a:spcPct val="100000"/>
               </a:lnSpc>
               <a:spcBef>
                 <a:spcPts val="300"/>
               </a:spcBef>
-              <a:buNone/>
             </a:pPr>
             <a:r>
-              <a:rPr lang="en-US" sz="1600" dirty="0" smtClean="0"/>
+              <a:rPr lang="en-US" sz="1400" dirty="0" smtClean="0"/>
               <a:t> </a:t>
             </a:r>
-            <a:endParaRPr lang="en-US" sz="1600" dirty="0"/>
+            <a:r>
+              <a:rPr lang="en-US" sz="1400" dirty="0"/>
+              <a:t>@</a:t>
+            </a:r>
+            <a:r>
+              <a:rPr lang="en-US" sz="1400" dirty="0" smtClean="0"/>
+              <a:t>for have 2 options syntax: </a:t>
+            </a:r>
+          </a:p>
+          <a:p>
+            <a:pPr marL="914400" lvl="2" indent="0">
+              <a:lnSpc>
+                <a:spcPct val="100000"/>
+              </a:lnSpc>
+              <a:spcBef>
+                <a:spcPts val="300"/>
+              </a:spcBef>
+              <a:buNone/>
+            </a:pPr>
+            <a:r>
+              <a:rPr lang="en-US" sz="1400" dirty="0" smtClean="0"/>
+              <a:t>	‘through’ include &lt;end&gt;</a:t>
+            </a:r>
+          </a:p>
+          <a:p>
+            <a:pPr marL="914400" lvl="2" indent="0">
+              <a:lnSpc>
+                <a:spcPct val="100000"/>
+              </a:lnSpc>
+              <a:spcBef>
+                <a:spcPts val="300"/>
+              </a:spcBef>
+              <a:buNone/>
+            </a:pPr>
+            <a:r>
+              <a:rPr lang="en-US" sz="1400" dirty="0"/>
+              <a:t>	</a:t>
+            </a:r>
+            <a:r>
+              <a:rPr lang="en-US" sz="1400" dirty="0" smtClean="0"/>
+              <a:t>&lt;start&gt; can less than &lt;end&gt;</a:t>
+            </a:r>
+          </a:p>
+          <a:p>
+            <a:pPr lvl="2">
+              <a:lnSpc>
+                <a:spcPct val="100000"/>
+              </a:lnSpc>
+              <a:spcBef>
+                <a:spcPts val="300"/>
+              </a:spcBef>
+            </a:pPr>
+            <a:r>
+              <a:rPr lang="en-US" sz="1400" dirty="0" smtClean="0"/>
+              <a:t>@</a:t>
+            </a:r>
+            <a:r>
+              <a:rPr lang="en-US" sz="1400" dirty="0"/>
+              <a:t>each $</a:t>
+            </a:r>
+            <a:r>
+              <a:rPr lang="en-US" sz="1400" dirty="0" err="1"/>
+              <a:t>var</a:t>
+            </a:r>
+            <a:r>
+              <a:rPr lang="en-US" sz="1400" dirty="0"/>
+              <a:t> in &lt;list or map</a:t>
+            </a:r>
+            <a:r>
+              <a:rPr lang="en-US" sz="1400" dirty="0" smtClean="0"/>
+              <a:t>&gt;, </a:t>
+            </a:r>
+            <a:r>
+              <a:rPr lang="en-US" sz="1400" dirty="0"/>
+              <a:t>@each $</a:t>
+            </a:r>
+            <a:r>
+              <a:rPr lang="en-US" sz="1400" dirty="0" err="1"/>
+              <a:t>var</a:t>
+            </a:r>
+            <a:r>
+              <a:rPr lang="en-US" sz="1400" dirty="0"/>
+              <a:t> in </a:t>
+            </a:r>
+            <a:r>
+              <a:rPr lang="en-US" sz="1400" dirty="0" smtClean="0"/>
+              <a:t>&lt;list of lists&gt;</a:t>
+            </a:r>
+          </a:p>
+          <a:p>
+            <a:pPr marL="914400" lvl="2" indent="0">
+              <a:lnSpc>
+                <a:spcPct val="100000"/>
+              </a:lnSpc>
+              <a:spcBef>
+                <a:spcPts val="300"/>
+              </a:spcBef>
+              <a:buNone/>
+            </a:pPr>
+            <a:endParaRPr lang="en-US" sz="1400" dirty="0" smtClean="0"/>
+          </a:p>
+          <a:p>
+            <a:pPr lvl="2">
+              <a:lnSpc>
+                <a:spcPct val="100000"/>
+              </a:lnSpc>
+              <a:spcBef>
+                <a:spcPts val="300"/>
+              </a:spcBef>
+            </a:pPr>
+            <a:endParaRPr lang="en-US" sz="1400" dirty="0" smtClean="0"/>
+          </a:p>
+          <a:p>
+            <a:pPr lvl="2">
+              <a:lnSpc>
+                <a:spcPct val="100000"/>
+              </a:lnSpc>
+              <a:spcBef>
+                <a:spcPts val="300"/>
+              </a:spcBef>
+            </a:pPr>
+            <a:endParaRPr lang="en-US" sz="1400" dirty="0"/>
           </a:p>
         </p:txBody>
       </p:sp>
@@ -14456,6 +14633,66 @@
           </a:p>
         </p:txBody>
       </p:sp>
+      <p:pic>
+        <p:nvPicPr>
+          <p:cNvPr id="7" name="Picture 6"/>
+          <p:cNvPicPr>
+            <a:picLocks noChangeAspect="1"/>
+          </p:cNvPicPr>
+          <p:nvPr/>
+        </p:nvPicPr>
+        <p:blipFill>
+          <a:blip r:embed="rId2">
+            <a:extLst>
+              <a:ext uri="{28A0092B-C50C-407E-A947-70E740481C1C}">
+                <a14:useLocalDpi xmlns:a14="http://schemas.microsoft.com/office/drawing/2010/main" val="0"/>
+              </a:ext>
+            </a:extLst>
+          </a:blip>
+          <a:stretch>
+            <a:fillRect/>
+          </a:stretch>
+        </p:blipFill>
+        <p:spPr>
+          <a:xfrm>
+            <a:off x="5260777" y="1542748"/>
+            <a:ext cx="3095238" cy="390476"/>
+          </a:xfrm>
+          <a:prstGeom prst="rect">
+            <a:avLst/>
+          </a:prstGeom>
+        </p:spPr>
+      </p:pic>
+      <p:pic>
+        <p:nvPicPr>
+          <p:cNvPr id="8" name="Picture 7"/>
+          <p:cNvPicPr>
+            <a:picLocks noChangeAspect="1"/>
+          </p:cNvPicPr>
+          <p:nvPr/>
+        </p:nvPicPr>
+        <p:blipFill>
+          <a:blip r:embed="rId3">
+            <a:extLst>
+              <a:ext uri="{28A0092B-C50C-407E-A947-70E740481C1C}">
+                <a14:useLocalDpi xmlns:a14="http://schemas.microsoft.com/office/drawing/2010/main" val="0"/>
+              </a:ext>
+            </a:extLst>
+          </a:blip>
+          <a:stretch>
+            <a:fillRect/>
+          </a:stretch>
+        </p:blipFill>
+        <p:spPr>
+          <a:xfrm>
+            <a:off x="2170301" y="2531665"/>
+            <a:ext cx="6180952" cy="3504762"/>
+          </a:xfrm>
+          <a:prstGeom prst="rect">
+            <a:avLst/>
+          </a:prstGeom>
+        </p:spPr>
+      </p:pic>
     </p:spTree>
     <p:extLst>
       <p:ext uri="{BB962C8B-B14F-4D97-AF65-F5344CB8AC3E}">
@@ -14527,17 +14764,7 @@
                 <a:latin typeface="Arial" panose="020B0604020202020204" pitchFamily="34" charset="0"/>
                 <a:cs typeface="Arial" panose="020B0604020202020204" pitchFamily="34" charset="0"/>
               </a:rPr>
-              <a:t>2. How to use? – </a:t>
-            </a:r>
-            <a:r>
-              <a:rPr lang="en-US" sz="2400" cap="none" dirty="0" smtClean="0">
-                <a:solidFill>
-                  <a:schemeClr val="bg1"/>
-                </a:solidFill>
-                <a:latin typeface="Arial" panose="020B0604020202020204" pitchFamily="34" charset="0"/>
-                <a:cs typeface="Arial" panose="020B0604020202020204" pitchFamily="34" charset="0"/>
-              </a:rPr>
-              <a:t>Control Directives</a:t>
+              <a:t>2. How to use? – Control directives</a:t>
             </a:r>
             <a:endParaRPr lang="en-US" sz="2400" dirty="0"/>
           </a:p>
@@ -14565,17 +14792,6 @@
           </a:bodyPr>
           <a:lstStyle/>
           <a:p>
-            <a:pPr>
-              <a:lnSpc>
-                <a:spcPct val="100000"/>
-              </a:lnSpc>
-              <a:spcBef>
-                <a:spcPts val="300"/>
-              </a:spcBef>
-            </a:pPr>
-            <a:endParaRPr lang="en-US" sz="2000" dirty="0"/>
-          </a:p>
-          <a:p>
             <a:pPr lvl="1">
               <a:lnSpc>
                 <a:spcPct val="100000"/>
@@ -14584,23 +14800,121 @@
                 <a:spcPts val="300"/>
               </a:spcBef>
             </a:pPr>
-            <a:endParaRPr lang="en-US" sz="1600" dirty="0"/>
-          </a:p>
-          <a:p>
-            <a:pPr marL="457200" lvl="1" indent="0">
+            <a:r>
+              <a:rPr lang="en-US" sz="1600" dirty="0" smtClean="0"/>
+              <a:t>@import</a:t>
+            </a:r>
+          </a:p>
+          <a:p>
+            <a:pPr lvl="1">
               <a:lnSpc>
                 <a:spcPct val="100000"/>
               </a:lnSpc>
               <a:spcBef>
                 <a:spcPts val="300"/>
               </a:spcBef>
-              <a:buNone/>
             </a:pPr>
             <a:r>
               <a:rPr lang="en-US" sz="1600" dirty="0" smtClean="0"/>
-              <a:t> </a:t>
+              <a:t>@Extend</a:t>
+            </a:r>
+          </a:p>
+          <a:p>
+            <a:pPr lvl="1">
+              <a:lnSpc>
+                <a:spcPct val="100000"/>
+              </a:lnSpc>
+              <a:spcBef>
+                <a:spcPts val="300"/>
+              </a:spcBef>
+            </a:pPr>
+            <a:r>
+              <a:rPr lang="en-US" sz="1600" dirty="0" smtClean="0"/>
+              <a:t>@Media</a:t>
+            </a:r>
+          </a:p>
+          <a:p>
+            <a:pPr lvl="1">
+              <a:lnSpc>
+                <a:spcPct val="100000"/>
+              </a:lnSpc>
+              <a:spcBef>
+                <a:spcPts val="300"/>
+              </a:spcBef>
+            </a:pPr>
+            <a:r>
+              <a:rPr lang="en-US" sz="1600" dirty="0"/>
+              <a:t>@</a:t>
+            </a:r>
+            <a:r>
+              <a:rPr lang="en-US" sz="1600" dirty="0" smtClean="0"/>
+              <a:t>at-root</a:t>
+            </a:r>
+          </a:p>
+          <a:p>
+            <a:pPr lvl="1">
+              <a:lnSpc>
+                <a:spcPct val="100000"/>
+              </a:lnSpc>
+              <a:spcBef>
+                <a:spcPts val="300"/>
+              </a:spcBef>
+            </a:pPr>
+            <a:r>
+              <a:rPr lang="en-US" sz="1600" dirty="0" smtClean="0"/>
+              <a:t>@Debug</a:t>
+            </a:r>
+          </a:p>
+          <a:p>
+            <a:pPr lvl="1">
+              <a:lnSpc>
+                <a:spcPct val="100000"/>
+              </a:lnSpc>
+              <a:spcBef>
+                <a:spcPts val="300"/>
+              </a:spcBef>
+            </a:pPr>
+            <a:r>
+              <a:rPr lang="en-US" sz="1600" dirty="0" smtClean="0"/>
+              <a:t>@Warn</a:t>
+            </a:r>
+          </a:p>
+          <a:p>
+            <a:pPr lvl="1">
+              <a:lnSpc>
+                <a:spcPct val="100000"/>
+              </a:lnSpc>
+              <a:spcBef>
+                <a:spcPts val="300"/>
+              </a:spcBef>
+            </a:pPr>
+            <a:r>
+              <a:rPr lang="en-US" sz="1600" dirty="0" smtClean="0"/>
+              <a:t>@Error</a:t>
             </a:r>
             <a:endParaRPr lang="en-US" sz="1600" dirty="0"/>
+          </a:p>
+          <a:p>
+            <a:pPr lvl="2">
+              <a:lnSpc>
+                <a:spcPct val="100000"/>
+              </a:lnSpc>
+              <a:spcBef>
+                <a:spcPts val="300"/>
+              </a:spcBef>
+            </a:pPr>
+            <a:endParaRPr lang="en-US" sz="1400" dirty="0" smtClean="0"/>
+          </a:p>
+          <a:p>
+            <a:pPr lvl="2">
+              <a:lnSpc>
+                <a:spcPct val="100000"/>
+              </a:lnSpc>
+              <a:spcBef>
+                <a:spcPts val="300"/>
+              </a:spcBef>
+            </a:pPr>
+            <a:endParaRPr lang="en-US" sz="1400" dirty="0"/>
           </a:p>
         </p:txBody>
       </p:sp>
@@ -14655,7 +14969,7 @@
     </p:spTree>
     <p:extLst>
       <p:ext uri="{BB962C8B-B14F-4D97-AF65-F5344CB8AC3E}">
-        <p14:creationId xmlns:p14="http://schemas.microsoft.com/office/powerpoint/2010/main" val="997896878"/>
+        <p14:creationId xmlns:p14="http://schemas.microsoft.com/office/powerpoint/2010/main" val="2570875664"/>
       </p:ext>
     </p:extLst>
   </p:cSld>
@@ -14726,6 +15040,16 @@
               <a:t>2. How to use? – </a:t>
             </a:r>
             <a:r>
+              <a:rPr lang="en-US" sz="2400" cap="none" dirty="0" err="1" smtClean="0">
+                <a:solidFill>
+                  <a:schemeClr val="bg1"/>
+                </a:solidFill>
+                <a:latin typeface="Arial" panose="020B0604020202020204" pitchFamily="34" charset="0"/>
+                <a:cs typeface="Arial" panose="020B0604020202020204" pitchFamily="34" charset="0"/>
+              </a:rPr>
+              <a:t>Mixins</a:t>
+            </a:r>
+            <a:r>
               <a:rPr lang="en-US" sz="2400" cap="none" dirty="0" smtClean="0">
                 <a:solidFill>
                   <a:schemeClr val="bg1"/>
@@ -14733,7 +15057,7 @@
                 <a:latin typeface="Arial" panose="020B0604020202020204" pitchFamily="34" charset="0"/>
                 <a:cs typeface="Arial" panose="020B0604020202020204" pitchFamily="34" charset="0"/>
               </a:rPr>
-              <a:t>Mixins &amp; Extend</a:t>
+              <a:t> &amp; Functions</a:t>
             </a:r>
             <a:endParaRPr lang="en-US" sz="2400" dirty="0"/>
           </a:p>
@@ -14780,7 +15104,110 @@
                 <a:spcPts val="300"/>
               </a:spcBef>
             </a:pPr>
-            <a:endParaRPr lang="en-US" sz="1600" dirty="0"/>
+            <a:r>
+              <a:rPr lang="en-US" sz="1600" dirty="0" smtClean="0"/>
+              <a:t>A </a:t>
+            </a:r>
+            <a:r>
+              <a:rPr lang="en-US" sz="1600" dirty="0" err="1" smtClean="0"/>
+              <a:t>Mixin</a:t>
+            </a:r>
+            <a:r>
+              <a:rPr lang="en-US" sz="1600" dirty="0" smtClean="0"/>
+              <a:t> : accept input </a:t>
+            </a:r>
+            <a:r>
+              <a:rPr lang="en-US" sz="1600" dirty="0" err="1" smtClean="0"/>
+              <a:t>args</a:t>
+            </a:r>
+            <a:r>
+              <a:rPr lang="en-US" sz="1600" dirty="0" smtClean="0"/>
+              <a:t> or not.  The output is CSS lines</a:t>
+            </a:r>
+            <a:r>
+              <a:rPr lang="en-US" sz="1600" dirty="0"/>
+              <a:t>. </a:t>
+            </a:r>
+            <a:r>
+              <a:rPr lang="en-US" sz="1600" dirty="0" err="1"/>
+              <a:t>Mixins</a:t>
+            </a:r>
+            <a:r>
+              <a:rPr lang="en-US" sz="1600" dirty="0"/>
+              <a:t> are used more for </a:t>
+            </a:r>
+            <a:r>
+              <a:rPr lang="en-US" sz="1600" dirty="0" smtClean="0"/>
+              <a:t>includes, </a:t>
+            </a:r>
+            <a:r>
+              <a:rPr lang="en-US" sz="1600" dirty="0"/>
+              <a:t>avoid writing repetitive codes</a:t>
+            </a:r>
+            <a:endParaRPr lang="en-US" sz="1600" dirty="0" smtClean="0"/>
+          </a:p>
+          <a:p>
+            <a:pPr lvl="2">
+              <a:lnSpc>
+                <a:spcPct val="100000"/>
+              </a:lnSpc>
+              <a:spcBef>
+                <a:spcPts val="300"/>
+              </a:spcBef>
+            </a:pPr>
+            <a:r>
+              <a:rPr lang="en-US" sz="1400" dirty="0" err="1" smtClean="0"/>
+              <a:t>Systax</a:t>
+            </a:r>
+            <a:r>
+              <a:rPr lang="en-US" sz="1400" dirty="0" smtClean="0"/>
+              <a:t>: using @</a:t>
+            </a:r>
+            <a:r>
+              <a:rPr lang="en-US" sz="1400" dirty="0" err="1" smtClean="0"/>
+              <a:t>mixin</a:t>
+            </a:r>
+            <a:r>
+              <a:rPr lang="en-US" sz="1400" dirty="0"/>
+              <a:t> </a:t>
+            </a:r>
+            <a:r>
+              <a:rPr lang="en-US" sz="1400" dirty="0" smtClean="0"/>
+              <a:t>directive to declare a </a:t>
+            </a:r>
+            <a:r>
+              <a:rPr lang="en-US" sz="1400" dirty="0" err="1" smtClean="0"/>
+              <a:t>mixin</a:t>
+            </a:r>
+            <a:r>
+              <a:rPr lang="en-US" sz="1400" dirty="0" smtClean="0"/>
+              <a:t>. </a:t>
+            </a:r>
+            <a:r>
+              <a:rPr lang="en-US" sz="1400" dirty="0"/>
+              <a:t>Using @</a:t>
+            </a:r>
+            <a:r>
+              <a:rPr lang="en-US" sz="1400" dirty="0" smtClean="0"/>
+              <a:t>include &lt;</a:t>
+            </a:r>
+            <a:r>
+              <a:rPr lang="en-US" sz="1400" dirty="0" err="1" smtClean="0"/>
+              <a:t>mixin’s</a:t>
+            </a:r>
+            <a:r>
+              <a:rPr lang="en-US" sz="1400" dirty="0" smtClean="0"/>
+              <a:t> </a:t>
+            </a:r>
+            <a:r>
+              <a:rPr lang="en-US" sz="1400" dirty="0"/>
+              <a:t>name&gt; to </a:t>
+            </a:r>
+            <a:r>
+              <a:rPr lang="en-US" sz="1400" dirty="0" smtClean="0"/>
+              <a:t>generate CSS. </a:t>
+            </a:r>
+            <a:endParaRPr lang="en-US" sz="1400" dirty="0"/>
           </a:p>
           <a:p>
             <a:pPr marL="457200" lvl="1" indent="0">
@@ -14851,7 +15278,7 @@
     </p:spTree>
     <p:extLst>
       <p:ext uri="{BB962C8B-B14F-4D97-AF65-F5344CB8AC3E}">
-        <p14:creationId xmlns:p14="http://schemas.microsoft.com/office/powerpoint/2010/main" val="3411576021"/>
+        <p14:creationId xmlns:p14="http://schemas.microsoft.com/office/powerpoint/2010/main" val="2259186321"/>
       </p:ext>
     </p:extLst>
   </p:cSld>

--- a/SASS/presentation.pptx
+++ b/SASS/presentation.pptx
@@ -191,7 +191,7 @@
           <a:noFill/>
           <a:extLst>
             <a:ext uri="{909E8E84-426E-40dd-AFC4-6F175D3DCCD1}">
-              <a14:hiddenFill xmlns="" xmlns:a14="http://schemas.microsoft.com/office/drawing/2010/main">
+              <a14:hiddenFill xmlns:a14="http://schemas.microsoft.com/office/drawing/2010/main" xmlns="">
                 <a:solidFill>
                   <a:srgbClr val="FFFFFF"/>
                 </a:solidFill>
@@ -251,7 +251,7 @@
             </a:ln>
             <a:extLst>
               <a:ext uri="{91240B29-F687-4f45-9708-019B960494DF}">
-                <a14:hiddenLine xmlns="" xmlns:a14="http://schemas.microsoft.com/office/drawing/2010/main" w="9525">
+                <a14:hiddenLine xmlns:a14="http://schemas.microsoft.com/office/drawing/2010/main" xmlns="" w="9525">
                   <a:solidFill>
                     <a:srgbClr val="000000"/>
                   </a:solidFill>
@@ -341,7 +341,7 @@
             </a:ln>
             <a:extLst>
               <a:ext uri="{91240B29-F687-4f45-9708-019B960494DF}">
-                <a14:hiddenLine xmlns="" xmlns:a14="http://schemas.microsoft.com/office/drawing/2010/main" w="9525">
+                <a14:hiddenLine xmlns:a14="http://schemas.microsoft.com/office/drawing/2010/main" xmlns="" w="9525">
                   <a:solidFill>
                     <a:srgbClr val="000000"/>
                   </a:solidFill>
@@ -431,7 +431,7 @@
             </a:ln>
             <a:extLst>
               <a:ext uri="{91240B29-F687-4f45-9708-019B960494DF}">
-                <a14:hiddenLine xmlns="" xmlns:a14="http://schemas.microsoft.com/office/drawing/2010/main" w="9525">
+                <a14:hiddenLine xmlns:a14="http://schemas.microsoft.com/office/drawing/2010/main" xmlns="" w="9525">
                   <a:solidFill>
                     <a:srgbClr val="000000"/>
                   </a:solidFill>
@@ -465,7 +465,7 @@
             </a:ln>
             <a:extLst>
               <a:ext uri="{91240B29-F687-4f45-9708-019B960494DF}">
-                <a14:hiddenLine xmlns="" xmlns:a14="http://schemas.microsoft.com/office/drawing/2010/main" w="9525">
+                <a14:hiddenLine xmlns:a14="http://schemas.microsoft.com/office/drawing/2010/main" xmlns="" w="9525">
                   <a:solidFill>
                     <a:srgbClr val="000000"/>
                   </a:solidFill>
@@ -555,7 +555,7 @@
             </a:ln>
             <a:extLst>
               <a:ext uri="{91240B29-F687-4f45-9708-019B960494DF}">
-                <a14:hiddenLine xmlns="" xmlns:a14="http://schemas.microsoft.com/office/drawing/2010/main" w="9525">
+                <a14:hiddenLine xmlns:a14="http://schemas.microsoft.com/office/drawing/2010/main" xmlns="" w="9525">
                   <a:solidFill>
                     <a:srgbClr val="000000"/>
                   </a:solidFill>
@@ -617,7 +617,7 @@
             </a:ln>
             <a:extLst>
               <a:ext uri="{91240B29-F687-4f45-9708-019B960494DF}">
-                <a14:hiddenLine xmlns="" xmlns:a14="http://schemas.microsoft.com/office/drawing/2010/main" w="9525">
+                <a14:hiddenLine xmlns:a14="http://schemas.microsoft.com/office/drawing/2010/main" xmlns="" w="9525">
                   <a:solidFill>
                     <a:srgbClr val="000000"/>
                   </a:solidFill>
@@ -679,7 +679,7 @@
             </a:ln>
             <a:extLst>
               <a:ext uri="{91240B29-F687-4f45-9708-019B960494DF}">
-                <a14:hiddenLine xmlns="" xmlns:a14="http://schemas.microsoft.com/office/drawing/2010/main" w="9525">
+                <a14:hiddenLine xmlns:a14="http://schemas.microsoft.com/office/drawing/2010/main" xmlns="" w="9525">
                   <a:solidFill>
                     <a:srgbClr val="000000"/>
                   </a:solidFill>
@@ -769,7 +769,7 @@
             </a:ln>
             <a:extLst>
               <a:ext uri="{91240B29-F687-4f45-9708-019B960494DF}">
-                <a14:hiddenLine xmlns="" xmlns:a14="http://schemas.microsoft.com/office/drawing/2010/main" w="9525">
+                <a14:hiddenLine xmlns:a14="http://schemas.microsoft.com/office/drawing/2010/main" xmlns="" w="9525">
                   <a:solidFill>
                     <a:srgbClr val="000000"/>
                   </a:solidFill>
@@ -831,7 +831,7 @@
             </a:ln>
             <a:extLst>
               <a:ext uri="{91240B29-F687-4f45-9708-019B960494DF}">
-                <a14:hiddenLine xmlns="" xmlns:a14="http://schemas.microsoft.com/office/drawing/2010/main" w="9525">
+                <a14:hiddenLine xmlns:a14="http://schemas.microsoft.com/office/drawing/2010/main" xmlns="" w="9525">
                   <a:solidFill>
                     <a:srgbClr val="000000"/>
                   </a:solidFill>
@@ -893,7 +893,7 @@
             </a:ln>
             <a:extLst>
               <a:ext uri="{91240B29-F687-4f45-9708-019B960494DF}">
-                <a14:hiddenLine xmlns="" xmlns:a14="http://schemas.microsoft.com/office/drawing/2010/main" w="9525">
+                <a14:hiddenLine xmlns:a14="http://schemas.microsoft.com/office/drawing/2010/main" xmlns="" w="9525">
                   <a:solidFill>
                     <a:srgbClr val="000000"/>
                   </a:solidFill>
@@ -983,7 +983,7 @@
             </a:ln>
             <a:extLst>
               <a:ext uri="{91240B29-F687-4f45-9708-019B960494DF}">
-                <a14:hiddenLine xmlns="" xmlns:a14="http://schemas.microsoft.com/office/drawing/2010/main" w="9525">
+                <a14:hiddenLine xmlns:a14="http://schemas.microsoft.com/office/drawing/2010/main" xmlns="" w="9525">
                   <a:solidFill>
                     <a:srgbClr val="000000"/>
                   </a:solidFill>
@@ -1073,7 +1073,7 @@
             </a:ln>
             <a:extLst>
               <a:ext uri="{91240B29-F687-4f45-9708-019B960494DF}">
-                <a14:hiddenLine xmlns="" xmlns:a14="http://schemas.microsoft.com/office/drawing/2010/main" w="9525">
+                <a14:hiddenLine xmlns:a14="http://schemas.microsoft.com/office/drawing/2010/main" xmlns="" w="9525">
                   <a:solidFill>
                     <a:srgbClr val="000000"/>
                   </a:solidFill>
@@ -1135,7 +1135,7 @@
             </a:ln>
             <a:extLst>
               <a:ext uri="{91240B29-F687-4f45-9708-019B960494DF}">
-                <a14:hiddenLine xmlns="" xmlns:a14="http://schemas.microsoft.com/office/drawing/2010/main" w="9525">
+                <a14:hiddenLine xmlns:a14="http://schemas.microsoft.com/office/drawing/2010/main" xmlns="" w="9525">
                   <a:solidFill>
                     <a:srgbClr val="000000"/>
                   </a:solidFill>
@@ -1245,7 +1245,7 @@
             </a:ln>
             <a:extLst>
               <a:ext uri="{91240B29-F687-4f45-9708-019B960494DF}">
-                <a14:hiddenLine xmlns="" xmlns:a14="http://schemas.microsoft.com/office/drawing/2010/main" w="9525">
+                <a14:hiddenLine xmlns:a14="http://schemas.microsoft.com/office/drawing/2010/main" xmlns="" w="9525">
                   <a:solidFill>
                     <a:srgbClr val="000000"/>
                   </a:solidFill>
@@ -1307,7 +1307,7 @@
             </a:ln>
             <a:extLst>
               <a:ext uri="{91240B29-F687-4f45-9708-019B960494DF}">
-                <a14:hiddenLine xmlns="" xmlns:a14="http://schemas.microsoft.com/office/drawing/2010/main" w="9525">
+                <a14:hiddenLine xmlns:a14="http://schemas.microsoft.com/office/drawing/2010/main" xmlns="" w="9525">
                   <a:solidFill>
                     <a:srgbClr val="000000"/>
                   </a:solidFill>
@@ -1397,7 +1397,7 @@
             </a:ln>
             <a:extLst>
               <a:ext uri="{91240B29-F687-4f45-9708-019B960494DF}">
-                <a14:hiddenLine xmlns="" xmlns:a14="http://schemas.microsoft.com/office/drawing/2010/main" w="9525">
+                <a14:hiddenLine xmlns:a14="http://schemas.microsoft.com/office/drawing/2010/main" xmlns="" w="9525">
                   <a:solidFill>
                     <a:srgbClr val="000000"/>
                   </a:solidFill>
@@ -1487,7 +1487,7 @@
             </a:ln>
             <a:extLst>
               <a:ext uri="{91240B29-F687-4f45-9708-019B960494DF}">
-                <a14:hiddenLine xmlns="" xmlns:a14="http://schemas.microsoft.com/office/drawing/2010/main" w="9525">
+                <a14:hiddenLine xmlns:a14="http://schemas.microsoft.com/office/drawing/2010/main" xmlns="" w="9525">
                   <a:solidFill>
                     <a:srgbClr val="000000"/>
                   </a:solidFill>
@@ -1549,7 +1549,7 @@
             </a:ln>
             <a:extLst>
               <a:ext uri="{91240B29-F687-4f45-9708-019B960494DF}">
-                <a14:hiddenLine xmlns="" xmlns:a14="http://schemas.microsoft.com/office/drawing/2010/main" w="9525">
+                <a14:hiddenLine xmlns:a14="http://schemas.microsoft.com/office/drawing/2010/main" xmlns="" w="9525">
                   <a:solidFill>
                     <a:srgbClr val="000000"/>
                   </a:solidFill>
@@ -1639,7 +1639,7 @@
             </a:ln>
             <a:extLst>
               <a:ext uri="{91240B29-F687-4f45-9708-019B960494DF}">
-                <a14:hiddenLine xmlns="" xmlns:a14="http://schemas.microsoft.com/office/drawing/2010/main" w="9525">
+                <a14:hiddenLine xmlns:a14="http://schemas.microsoft.com/office/drawing/2010/main" xmlns="" w="9525">
                   <a:solidFill>
                     <a:srgbClr val="000000"/>
                   </a:solidFill>
@@ -1729,7 +1729,7 @@
             </a:ln>
             <a:extLst>
               <a:ext uri="{91240B29-F687-4f45-9708-019B960494DF}">
-                <a14:hiddenLine xmlns="" xmlns:a14="http://schemas.microsoft.com/office/drawing/2010/main" w="9525">
+                <a14:hiddenLine xmlns:a14="http://schemas.microsoft.com/office/drawing/2010/main" xmlns="" w="9525">
                   <a:solidFill>
                     <a:srgbClr val="000000"/>
                   </a:solidFill>
@@ -1785,7 +1785,7 @@
             </a:ln>
             <a:extLst>
               <a:ext uri="{91240B29-F687-4f45-9708-019B960494DF}">
-                <a14:hiddenLine xmlns="" xmlns:a14="http://schemas.microsoft.com/office/drawing/2010/main" w="9525">
+                <a14:hiddenLine xmlns:a14="http://schemas.microsoft.com/office/drawing/2010/main" xmlns="" w="9525">
                   <a:solidFill>
                     <a:srgbClr val="000000"/>
                   </a:solidFill>
@@ -1875,7 +1875,7 @@
             </a:ln>
             <a:extLst>
               <a:ext uri="{91240B29-F687-4f45-9708-019B960494DF}">
-                <a14:hiddenLine xmlns="" xmlns:a14="http://schemas.microsoft.com/office/drawing/2010/main" w="9525">
+                <a14:hiddenLine xmlns:a14="http://schemas.microsoft.com/office/drawing/2010/main" xmlns="" w="9525">
                   <a:solidFill>
                     <a:srgbClr val="000000"/>
                   </a:solidFill>
@@ -1931,7 +1931,7 @@
             </a:ln>
             <a:extLst>
               <a:ext uri="{91240B29-F687-4f45-9708-019B960494DF}">
-                <a14:hiddenLine xmlns="" xmlns:a14="http://schemas.microsoft.com/office/drawing/2010/main" w="9525">
+                <a14:hiddenLine xmlns:a14="http://schemas.microsoft.com/office/drawing/2010/main" xmlns="" w="9525">
                   <a:solidFill>
                     <a:srgbClr val="000000"/>
                   </a:solidFill>
@@ -2021,7 +2021,7 @@
             </a:ln>
             <a:extLst>
               <a:ext uri="{91240B29-F687-4f45-9708-019B960494DF}">
-                <a14:hiddenLine xmlns="" xmlns:a14="http://schemas.microsoft.com/office/drawing/2010/main" w="9525">
+                <a14:hiddenLine xmlns:a14="http://schemas.microsoft.com/office/drawing/2010/main" xmlns="" w="9525">
                   <a:solidFill>
                     <a:srgbClr val="000000"/>
                   </a:solidFill>
@@ -2089,7 +2089,7 @@
             </a:ln>
             <a:extLst>
               <a:ext uri="{91240B29-F687-4f45-9708-019B960494DF}">
-                <a14:hiddenLine xmlns="" xmlns:a14="http://schemas.microsoft.com/office/drawing/2010/main" w="9525">
+                <a14:hiddenLine xmlns:a14="http://schemas.microsoft.com/office/drawing/2010/main" xmlns="" w="9525">
                   <a:solidFill>
                     <a:srgbClr val="000000"/>
                   </a:solidFill>
@@ -2179,7 +2179,7 @@
             </a:ln>
             <a:extLst>
               <a:ext uri="{91240B29-F687-4f45-9708-019B960494DF}">
-                <a14:hiddenLine xmlns="" xmlns:a14="http://schemas.microsoft.com/office/drawing/2010/main" w="9525">
+                <a14:hiddenLine xmlns:a14="http://schemas.microsoft.com/office/drawing/2010/main" xmlns="" w="9525">
                   <a:solidFill>
                     <a:srgbClr val="000000"/>
                   </a:solidFill>
@@ -2247,7 +2247,7 @@
             </a:ln>
             <a:extLst>
               <a:ext uri="{91240B29-F687-4f45-9708-019B960494DF}">
-                <a14:hiddenLine xmlns="" xmlns:a14="http://schemas.microsoft.com/office/drawing/2010/main" w="9525">
+                <a14:hiddenLine xmlns:a14="http://schemas.microsoft.com/office/drawing/2010/main" xmlns="" w="9525">
                   <a:solidFill>
                     <a:srgbClr val="000000"/>
                   </a:solidFill>
@@ -2337,7 +2337,7 @@
             </a:ln>
             <a:extLst>
               <a:ext uri="{91240B29-F687-4f45-9708-019B960494DF}">
-                <a14:hiddenLine xmlns="" xmlns:a14="http://schemas.microsoft.com/office/drawing/2010/main" w="9525">
+                <a14:hiddenLine xmlns:a14="http://schemas.microsoft.com/office/drawing/2010/main" xmlns="" w="9525">
                   <a:solidFill>
                     <a:srgbClr val="000000"/>
                   </a:solidFill>
@@ -2371,7 +2371,7 @@
             </a:ln>
             <a:extLst>
               <a:ext uri="{91240B29-F687-4f45-9708-019B960494DF}">
-                <a14:hiddenLine xmlns="" xmlns:a14="http://schemas.microsoft.com/office/drawing/2010/main" w="9525">
+                <a14:hiddenLine xmlns:a14="http://schemas.microsoft.com/office/drawing/2010/main" xmlns="" w="9525">
                   <a:solidFill>
                     <a:srgbClr val="000000"/>
                   </a:solidFill>
@@ -2461,7 +2461,7 @@
             </a:ln>
             <a:extLst>
               <a:ext uri="{91240B29-F687-4f45-9708-019B960494DF}">
-                <a14:hiddenLine xmlns="" xmlns:a14="http://schemas.microsoft.com/office/drawing/2010/main" w="9525">
+                <a14:hiddenLine xmlns:a14="http://schemas.microsoft.com/office/drawing/2010/main" xmlns="" w="9525">
                   <a:solidFill>
                     <a:srgbClr val="000000"/>
                   </a:solidFill>
@@ -2523,7 +2523,7 @@
             </a:ln>
             <a:extLst>
               <a:ext uri="{91240B29-F687-4f45-9708-019B960494DF}">
-                <a14:hiddenLine xmlns="" xmlns:a14="http://schemas.microsoft.com/office/drawing/2010/main" w="9525">
+                <a14:hiddenLine xmlns:a14="http://schemas.microsoft.com/office/drawing/2010/main" xmlns="" w="9525">
                   <a:solidFill>
                     <a:srgbClr val="000000"/>
                   </a:solidFill>
@@ -2585,7 +2585,7 @@
             </a:ln>
             <a:extLst>
               <a:ext uri="{91240B29-F687-4f45-9708-019B960494DF}">
-                <a14:hiddenLine xmlns="" xmlns:a14="http://schemas.microsoft.com/office/drawing/2010/main" w="9525">
+                <a14:hiddenLine xmlns:a14="http://schemas.microsoft.com/office/drawing/2010/main" xmlns="" w="9525">
                   <a:solidFill>
                     <a:srgbClr val="000000"/>
                   </a:solidFill>
@@ -2675,7 +2675,7 @@
             </a:ln>
             <a:extLst>
               <a:ext uri="{91240B29-F687-4f45-9708-019B960494DF}">
-                <a14:hiddenLine xmlns="" xmlns:a14="http://schemas.microsoft.com/office/drawing/2010/main" w="9525">
+                <a14:hiddenLine xmlns:a14="http://schemas.microsoft.com/office/drawing/2010/main" xmlns="" w="9525">
                   <a:solidFill>
                     <a:srgbClr val="000000"/>
                   </a:solidFill>
@@ -2743,7 +2743,7 @@
             </a:ln>
             <a:extLst>
               <a:ext uri="{91240B29-F687-4f45-9708-019B960494DF}">
-                <a14:hiddenLine xmlns="" xmlns:a14="http://schemas.microsoft.com/office/drawing/2010/main" w="9525">
+                <a14:hiddenLine xmlns:a14="http://schemas.microsoft.com/office/drawing/2010/main" xmlns="" w="9525">
                   <a:solidFill>
                     <a:srgbClr val="000000"/>
                   </a:solidFill>
@@ -2805,7 +2805,7 @@
             </a:ln>
             <a:extLst>
               <a:ext uri="{91240B29-F687-4f45-9708-019B960494DF}">
-                <a14:hiddenLine xmlns="" xmlns:a14="http://schemas.microsoft.com/office/drawing/2010/main" w="9525">
+                <a14:hiddenLine xmlns:a14="http://schemas.microsoft.com/office/drawing/2010/main" xmlns="" w="9525">
                   <a:solidFill>
                     <a:srgbClr val="000000"/>
                   </a:solidFill>
@@ -2895,7 +2895,7 @@
             </a:ln>
             <a:extLst>
               <a:ext uri="{91240B29-F687-4f45-9708-019B960494DF}">
-                <a14:hiddenLine xmlns="" xmlns:a14="http://schemas.microsoft.com/office/drawing/2010/main" w="9525">
+                <a14:hiddenLine xmlns:a14="http://schemas.microsoft.com/office/drawing/2010/main" xmlns="" w="9525">
                   <a:solidFill>
                     <a:srgbClr val="000000"/>
                   </a:solidFill>
@@ -2957,7 +2957,7 @@
             </a:ln>
             <a:extLst>
               <a:ext uri="{91240B29-F687-4f45-9708-019B960494DF}">
-                <a14:hiddenLine xmlns="" xmlns:a14="http://schemas.microsoft.com/office/drawing/2010/main" w="9525">
+                <a14:hiddenLine xmlns:a14="http://schemas.microsoft.com/office/drawing/2010/main" xmlns="" w="9525">
                   <a:solidFill>
                     <a:srgbClr val="000000"/>
                   </a:solidFill>
@@ -3047,7 +3047,7 @@
             </a:ln>
             <a:extLst>
               <a:ext uri="{91240B29-F687-4f45-9708-019B960494DF}">
-                <a14:hiddenLine xmlns="" xmlns:a14="http://schemas.microsoft.com/office/drawing/2010/main" w="9525">
+                <a14:hiddenLine xmlns:a14="http://schemas.microsoft.com/office/drawing/2010/main" xmlns="" w="9525">
                   <a:solidFill>
                     <a:srgbClr val="000000"/>
                   </a:solidFill>
@@ -3109,7 +3109,7 @@
             </a:ln>
             <a:extLst>
               <a:ext uri="{91240B29-F687-4f45-9708-019B960494DF}">
-                <a14:hiddenLine xmlns="" xmlns:a14="http://schemas.microsoft.com/office/drawing/2010/main" w="9525">
+                <a14:hiddenLine xmlns:a14="http://schemas.microsoft.com/office/drawing/2010/main" xmlns="" w="9525">
                   <a:solidFill>
                     <a:srgbClr val="000000"/>
                   </a:solidFill>
@@ -3199,7 +3199,7 @@
             </a:ln>
             <a:extLst>
               <a:ext uri="{91240B29-F687-4f45-9708-019B960494DF}">
-                <a14:hiddenLine xmlns="" xmlns:a14="http://schemas.microsoft.com/office/drawing/2010/main" w="9525">
+                <a14:hiddenLine xmlns:a14="http://schemas.microsoft.com/office/drawing/2010/main" xmlns="" w="9525">
                   <a:solidFill>
                     <a:srgbClr val="000000"/>
                   </a:solidFill>
@@ -3233,7 +3233,7 @@
             </a:ln>
             <a:extLst>
               <a:ext uri="{91240B29-F687-4f45-9708-019B960494DF}">
-                <a14:hiddenLine xmlns="" xmlns:a14="http://schemas.microsoft.com/office/drawing/2010/main" w="9525">
+                <a14:hiddenLine xmlns:a14="http://schemas.microsoft.com/office/drawing/2010/main" xmlns="" w="9525">
                   <a:solidFill>
                     <a:srgbClr val="000000"/>
                   </a:solidFill>
@@ -3298,7 +3298,7 @@
             </a:ln>
             <a:extLst>
               <a:ext uri="{91240B29-F687-4f45-9708-019B960494DF}">
-                <a14:hiddenLine xmlns="" xmlns:a14="http://schemas.microsoft.com/office/drawing/2010/main" w="9525">
+                <a14:hiddenLine xmlns:a14="http://schemas.microsoft.com/office/drawing/2010/main" xmlns="" w="9525">
                   <a:solidFill>
                     <a:srgbClr val="000000"/>
                   </a:solidFill>
@@ -3388,7 +3388,7 @@
             </a:ln>
             <a:extLst>
               <a:ext uri="{91240B29-F687-4f45-9708-019B960494DF}">
-                <a14:hiddenLine xmlns="" xmlns:a14="http://schemas.microsoft.com/office/drawing/2010/main" w="9525">
+                <a14:hiddenLine xmlns:a14="http://schemas.microsoft.com/office/drawing/2010/main" xmlns="" w="9525">
                   <a:solidFill>
                     <a:srgbClr val="000000"/>
                   </a:solidFill>
@@ -3450,7 +3450,7 @@
             </a:ln>
             <a:extLst>
               <a:ext uri="{91240B29-F687-4f45-9708-019B960494DF}">
-                <a14:hiddenLine xmlns="" xmlns:a14="http://schemas.microsoft.com/office/drawing/2010/main" w="9525">
+                <a14:hiddenLine xmlns:a14="http://schemas.microsoft.com/office/drawing/2010/main" xmlns="" w="9525">
                   <a:solidFill>
                     <a:srgbClr val="000000"/>
                   </a:solidFill>
@@ -3540,7 +3540,7 @@
             </a:ln>
             <a:extLst>
               <a:ext uri="{91240B29-F687-4f45-9708-019B960494DF}">
-                <a14:hiddenLine xmlns="" xmlns:a14="http://schemas.microsoft.com/office/drawing/2010/main" w="9525">
+                <a14:hiddenLine xmlns:a14="http://schemas.microsoft.com/office/drawing/2010/main" xmlns="" w="9525">
                   <a:solidFill>
                     <a:srgbClr val="000000"/>
                   </a:solidFill>
@@ -3630,7 +3630,7 @@
             </a:ln>
             <a:extLst>
               <a:ext uri="{91240B29-F687-4f45-9708-019B960494DF}">
-                <a14:hiddenLine xmlns="" xmlns:a14="http://schemas.microsoft.com/office/drawing/2010/main" w="9525">
+                <a14:hiddenLine xmlns:a14="http://schemas.microsoft.com/office/drawing/2010/main" xmlns="" w="9525">
                   <a:solidFill>
                     <a:srgbClr val="000000"/>
                   </a:solidFill>
@@ -3695,7 +3695,7 @@
             </a:ln>
             <a:extLst>
               <a:ext uri="{91240B29-F687-4f45-9708-019B960494DF}">
-                <a14:hiddenLine xmlns="" xmlns:a14="http://schemas.microsoft.com/office/drawing/2010/main" w="9525">
+                <a14:hiddenLine xmlns:a14="http://schemas.microsoft.com/office/drawing/2010/main" xmlns="" w="9525">
                   <a:solidFill>
                     <a:srgbClr val="000000"/>
                   </a:solidFill>
@@ -3757,7 +3757,7 @@
             </a:ln>
             <a:extLst>
               <a:ext uri="{91240B29-F687-4f45-9708-019B960494DF}">
-                <a14:hiddenLine xmlns="" xmlns:a14="http://schemas.microsoft.com/office/drawing/2010/main" w="9525">
+                <a14:hiddenLine xmlns:a14="http://schemas.microsoft.com/office/drawing/2010/main" xmlns="" w="9525">
                   <a:solidFill>
                     <a:srgbClr val="000000"/>
                   </a:solidFill>
@@ -3847,7 +3847,7 @@
             </a:ln>
             <a:extLst>
               <a:ext uri="{91240B29-F687-4f45-9708-019B960494DF}">
-                <a14:hiddenLine xmlns="" xmlns:a14="http://schemas.microsoft.com/office/drawing/2010/main" w="9525">
+                <a14:hiddenLine xmlns:a14="http://schemas.microsoft.com/office/drawing/2010/main" xmlns="" w="9525">
                   <a:solidFill>
                     <a:srgbClr val="000000"/>
                   </a:solidFill>
@@ -3937,7 +3937,7 @@
             </a:ln>
             <a:extLst>
               <a:ext uri="{91240B29-F687-4f45-9708-019B960494DF}">
-                <a14:hiddenLine xmlns="" xmlns:a14="http://schemas.microsoft.com/office/drawing/2010/main" w="9525">
+                <a14:hiddenLine xmlns:a14="http://schemas.microsoft.com/office/drawing/2010/main" xmlns="" w="9525">
                   <a:solidFill>
                     <a:srgbClr val="000000"/>
                   </a:solidFill>
@@ -3999,7 +3999,7 @@
             </a:ln>
             <a:extLst>
               <a:ext uri="{91240B29-F687-4f45-9708-019B960494DF}">
-                <a14:hiddenLine xmlns="" xmlns:a14="http://schemas.microsoft.com/office/drawing/2010/main" w="9525">
+                <a14:hiddenLine xmlns:a14="http://schemas.microsoft.com/office/drawing/2010/main" xmlns="" w="9525">
                   <a:solidFill>
                     <a:srgbClr val="000000"/>
                   </a:solidFill>
@@ -4119,7 +4119,7 @@
             </a:ln>
             <a:extLst>
               <a:ext uri="{91240B29-F687-4f45-9708-019B960494DF}">
-                <a14:hiddenLine xmlns="" xmlns:a14="http://schemas.microsoft.com/office/drawing/2010/main" w="9525">
+                <a14:hiddenLine xmlns:a14="http://schemas.microsoft.com/office/drawing/2010/main" xmlns="" w="9525">
                   <a:solidFill>
                     <a:srgbClr val="000000"/>
                   </a:solidFill>
@@ -4187,7 +4187,7 @@
             </a:ln>
             <a:extLst>
               <a:ext uri="{91240B29-F687-4f45-9708-019B960494DF}">
-                <a14:hiddenLine xmlns="" xmlns:a14="http://schemas.microsoft.com/office/drawing/2010/main" w="9525">
+                <a14:hiddenLine xmlns:a14="http://schemas.microsoft.com/office/drawing/2010/main" xmlns="" w="9525">
                   <a:solidFill>
                     <a:srgbClr val="000000"/>
                   </a:solidFill>
@@ -4277,7 +4277,7 @@
             </a:ln>
             <a:extLst>
               <a:ext uri="{91240B29-F687-4f45-9708-019B960494DF}">
-                <a14:hiddenLine xmlns="" xmlns:a14="http://schemas.microsoft.com/office/drawing/2010/main" w="9525">
+                <a14:hiddenLine xmlns:a14="http://schemas.microsoft.com/office/drawing/2010/main" xmlns="" w="9525">
                   <a:solidFill>
                     <a:srgbClr val="000000"/>
                   </a:solidFill>
@@ -4417,7 +4417,7 @@
           <a:p>
             <a:fld id="{48A87A34-81AB-432B-8DAE-1953F412C126}" type="datetimeFigureOut">
               <a:rPr lang="en-US" dirty="0"/>
-              <a:t>10/16/2018</a:t>
+              <a:t>10/17/2018</a:t>
             </a:fld>
             <a:endParaRPr lang="en-US" dirty="0"/>
           </a:p>
@@ -4679,7 +4679,7 @@
           <a:p>
             <a:fld id="{48A87A34-81AB-432B-8DAE-1953F412C126}" type="datetimeFigureOut">
               <a:rPr lang="en-US" dirty="0"/>
-              <a:t>10/16/2018</a:t>
+              <a:t>10/17/2018</a:t>
             </a:fld>
             <a:endParaRPr lang="en-US" dirty="0"/>
           </a:p>
@@ -4870,7 +4870,7 @@
           <a:p>
             <a:fld id="{48A87A34-81AB-432B-8DAE-1953F412C126}" type="datetimeFigureOut">
               <a:rPr lang="en-US" dirty="0"/>
-              <a:t>10/16/2018</a:t>
+              <a:t>10/17/2018</a:t>
             </a:fld>
             <a:endParaRPr lang="en-US" dirty="0"/>
           </a:p>
@@ -5128,7 +5128,7 @@
           <a:p>
             <a:fld id="{48A87A34-81AB-432B-8DAE-1953F412C126}" type="datetimeFigureOut">
               <a:rPr lang="en-US" dirty="0"/>
-              <a:t>10/16/2018</a:t>
+              <a:t>10/17/2018</a:t>
             </a:fld>
             <a:endParaRPr lang="en-US" dirty="0"/>
           </a:p>
@@ -5557,7 +5557,7 @@
           <a:p>
             <a:fld id="{48A87A34-81AB-432B-8DAE-1953F412C126}" type="datetimeFigureOut">
               <a:rPr lang="en-US" dirty="0"/>
-              <a:t>10/16/2018</a:t>
+              <a:t>10/17/2018</a:t>
             </a:fld>
             <a:endParaRPr lang="en-US" dirty="0"/>
           </a:p>
@@ -6098,7 +6098,7 @@
           <a:p>
             <a:fld id="{48A87A34-81AB-432B-8DAE-1953F412C126}" type="datetimeFigureOut">
               <a:rPr lang="en-US" dirty="0"/>
-              <a:t>10/16/2018</a:t>
+              <a:t>10/17/2018</a:t>
             </a:fld>
             <a:endParaRPr lang="en-US" dirty="0"/>
           </a:p>
@@ -6813,7 +6813,7 @@
           <a:p>
             <a:fld id="{48A87A34-81AB-432B-8DAE-1953F412C126}" type="datetimeFigureOut">
               <a:rPr lang="en-US" dirty="0"/>
-              <a:t>10/16/2018</a:t>
+              <a:t>10/17/2018</a:t>
             </a:fld>
             <a:endParaRPr lang="en-US" dirty="0"/>
           </a:p>
@@ -6978,7 +6978,7 @@
           <a:p>
             <a:fld id="{48A87A34-81AB-432B-8DAE-1953F412C126}" type="datetimeFigureOut">
               <a:rPr lang="en-US" dirty="0"/>
-              <a:t>10/16/2018</a:t>
+              <a:t>10/17/2018</a:t>
             </a:fld>
             <a:endParaRPr lang="en-US" dirty="0"/>
           </a:p>
@@ -7153,7 +7153,7 @@
           <a:p>
             <a:fld id="{48A87A34-81AB-432B-8DAE-1953F412C126}" type="datetimeFigureOut">
               <a:rPr lang="en-US" dirty="0"/>
-              <a:t>10/16/2018</a:t>
+              <a:t>10/17/2018</a:t>
             </a:fld>
             <a:endParaRPr lang="en-US" dirty="0"/>
           </a:p>
@@ -7318,7 +7318,7 @@
           <a:p>
             <a:fld id="{48A87A34-81AB-432B-8DAE-1953F412C126}" type="datetimeFigureOut">
               <a:rPr lang="en-US" dirty="0"/>
-              <a:t>10/16/2018</a:t>
+              <a:t>10/17/2018</a:t>
             </a:fld>
             <a:endParaRPr lang="en-US" dirty="0"/>
           </a:p>
@@ -7563,7 +7563,7 @@
           <a:p>
             <a:fld id="{48A87A34-81AB-432B-8DAE-1953F412C126}" type="datetimeFigureOut">
               <a:rPr lang="en-US" dirty="0"/>
-              <a:t>10/16/2018</a:t>
+              <a:t>10/17/2018</a:t>
             </a:fld>
             <a:endParaRPr lang="en-US" dirty="0"/>
           </a:p>
@@ -7790,7 +7790,7 @@
           <a:p>
             <a:fld id="{48A87A34-81AB-432B-8DAE-1953F412C126}" type="datetimeFigureOut">
               <a:rPr lang="en-US" dirty="0"/>
-              <a:t>10/16/2018</a:t>
+              <a:t>10/17/2018</a:t>
             </a:fld>
             <a:endParaRPr lang="en-US" dirty="0"/>
           </a:p>
@@ -8166,7 +8166,7 @@
           <a:p>
             <a:fld id="{48A87A34-81AB-432B-8DAE-1953F412C126}" type="datetimeFigureOut">
               <a:rPr lang="en-US" dirty="0"/>
-              <a:t>10/16/2018</a:t>
+              <a:t>10/17/2018</a:t>
             </a:fld>
             <a:endParaRPr lang="en-US" dirty="0"/>
           </a:p>
@@ -8279,7 +8279,7 @@
           <a:p>
             <a:fld id="{48A87A34-81AB-432B-8DAE-1953F412C126}" type="datetimeFigureOut">
               <a:rPr lang="en-US" dirty="0"/>
-              <a:t>10/16/2018</a:t>
+              <a:t>10/17/2018</a:t>
             </a:fld>
             <a:endParaRPr lang="en-US" dirty="0"/>
           </a:p>
@@ -8369,7 +8369,7 @@
           <a:p>
             <a:fld id="{48A87A34-81AB-432B-8DAE-1953F412C126}" type="datetimeFigureOut">
               <a:rPr lang="en-US" dirty="0"/>
-              <a:t>10/16/2018</a:t>
+              <a:t>10/17/2018</a:t>
             </a:fld>
             <a:endParaRPr lang="en-US" dirty="0"/>
           </a:p>
@@ -8613,7 +8613,7 @@
           <a:p>
             <a:fld id="{48A87A34-81AB-432B-8DAE-1953F412C126}" type="datetimeFigureOut">
               <a:rPr lang="en-US" dirty="0"/>
-              <a:t>10/16/2018</a:t>
+              <a:t>10/17/2018</a:t>
             </a:fld>
             <a:endParaRPr lang="en-US" dirty="0"/>
           </a:p>
@@ -8888,7 +8888,7 @@
           <a:p>
             <a:fld id="{48A87A34-81AB-432B-8DAE-1953F412C126}" type="datetimeFigureOut">
               <a:rPr lang="en-US" dirty="0"/>
-              <a:t>10/16/2018</a:t>
+              <a:t>10/17/2018</a:t>
             </a:fld>
             <a:endParaRPr lang="en-US" dirty="0"/>
           </a:p>
@@ -8999,7 +8999,7 @@
           <a:noFill/>
           <a:extLst>
             <a:ext uri="{909E8E84-426E-40dd-AFC4-6F175D3DCCD1}">
-              <a14:hiddenFill xmlns="" xmlns:a14="http://schemas.microsoft.com/office/drawing/2010/main">
+              <a14:hiddenFill xmlns:a14="http://schemas.microsoft.com/office/drawing/2010/main" xmlns="">
                 <a:solidFill>
                   <a:srgbClr val="FFFFFF"/>
                 </a:solidFill>
@@ -9073,7 +9073,7 @@
               </a:ln>
               <a:extLst>
                 <a:ext uri="{91240B29-F687-4f45-9708-019B960494DF}">
-                  <a14:hiddenLine xmlns="" xmlns:a14="http://schemas.microsoft.com/office/drawing/2010/main" w="9525">
+                  <a14:hiddenLine xmlns:a14="http://schemas.microsoft.com/office/drawing/2010/main" xmlns="" w="9525">
                     <a:solidFill>
                       <a:srgbClr val="000000"/>
                     </a:solidFill>
@@ -9163,7 +9163,7 @@
               </a:ln>
               <a:extLst>
                 <a:ext uri="{91240B29-F687-4f45-9708-019B960494DF}">
-                  <a14:hiddenLine xmlns="" xmlns:a14="http://schemas.microsoft.com/office/drawing/2010/main" w="9525">
+                  <a14:hiddenLine xmlns:a14="http://schemas.microsoft.com/office/drawing/2010/main" xmlns="" w="9525">
                     <a:solidFill>
                       <a:srgbClr val="000000"/>
                     </a:solidFill>
@@ -9253,7 +9253,7 @@
               </a:ln>
               <a:extLst>
                 <a:ext uri="{91240B29-F687-4f45-9708-019B960494DF}">
-                  <a14:hiddenLine xmlns="" xmlns:a14="http://schemas.microsoft.com/office/drawing/2010/main" w="9525">
+                  <a14:hiddenLine xmlns:a14="http://schemas.microsoft.com/office/drawing/2010/main" xmlns="" w="9525">
                     <a:solidFill>
                       <a:srgbClr val="000000"/>
                     </a:solidFill>
@@ -9315,7 +9315,7 @@
               </a:ln>
               <a:extLst>
                 <a:ext uri="{91240B29-F687-4f45-9708-019B960494DF}">
-                  <a14:hiddenLine xmlns="" xmlns:a14="http://schemas.microsoft.com/office/drawing/2010/main" w="9525">
+                  <a14:hiddenLine xmlns:a14="http://schemas.microsoft.com/office/drawing/2010/main" xmlns="" w="9525">
                     <a:solidFill>
                       <a:srgbClr val="000000"/>
                     </a:solidFill>
@@ -9405,7 +9405,7 @@
               </a:ln>
               <a:extLst>
                 <a:ext uri="{91240B29-F687-4f45-9708-019B960494DF}">
-                  <a14:hiddenLine xmlns="" xmlns:a14="http://schemas.microsoft.com/office/drawing/2010/main" w="9525">
+                  <a14:hiddenLine xmlns:a14="http://schemas.microsoft.com/office/drawing/2010/main" xmlns="" w="9525">
                     <a:solidFill>
                       <a:srgbClr val="000000"/>
                     </a:solidFill>
@@ -9467,7 +9467,7 @@
               </a:ln>
               <a:extLst>
                 <a:ext uri="{91240B29-F687-4f45-9708-019B960494DF}">
-                  <a14:hiddenLine xmlns="" xmlns:a14="http://schemas.microsoft.com/office/drawing/2010/main" w="9525">
+                  <a14:hiddenLine xmlns:a14="http://schemas.microsoft.com/office/drawing/2010/main" xmlns="" w="9525">
                     <a:solidFill>
                       <a:srgbClr val="000000"/>
                     </a:solidFill>
@@ -9529,7 +9529,7 @@
               </a:ln>
               <a:extLst>
                 <a:ext uri="{91240B29-F687-4f45-9708-019B960494DF}">
-                  <a14:hiddenLine xmlns="" xmlns:a14="http://schemas.microsoft.com/office/drawing/2010/main" w="9525">
+                  <a14:hiddenLine xmlns:a14="http://schemas.microsoft.com/office/drawing/2010/main" xmlns="" w="9525">
                     <a:solidFill>
                       <a:srgbClr val="000000"/>
                     </a:solidFill>
@@ -9619,7 +9619,7 @@
               </a:ln>
               <a:extLst>
                 <a:ext uri="{91240B29-F687-4f45-9708-019B960494DF}">
-                  <a14:hiddenLine xmlns="" xmlns:a14="http://schemas.microsoft.com/office/drawing/2010/main" w="9525">
+                  <a14:hiddenLine xmlns:a14="http://schemas.microsoft.com/office/drawing/2010/main" xmlns="" w="9525">
                     <a:solidFill>
                       <a:srgbClr val="000000"/>
                     </a:solidFill>
@@ -9709,7 +9709,7 @@
               </a:ln>
               <a:extLst>
                 <a:ext uri="{91240B29-F687-4f45-9708-019B960494DF}">
-                  <a14:hiddenLine xmlns="" xmlns:a14="http://schemas.microsoft.com/office/drawing/2010/main" w="9525">
+                  <a14:hiddenLine xmlns:a14="http://schemas.microsoft.com/office/drawing/2010/main" xmlns="" w="9525">
                     <a:solidFill>
                       <a:srgbClr val="000000"/>
                     </a:solidFill>
@@ -9771,7 +9771,7 @@
               </a:ln>
               <a:extLst>
                 <a:ext uri="{91240B29-F687-4f45-9708-019B960494DF}">
-                  <a14:hiddenLine xmlns="" xmlns:a14="http://schemas.microsoft.com/office/drawing/2010/main" w="9525">
+                  <a14:hiddenLine xmlns:a14="http://schemas.microsoft.com/office/drawing/2010/main" xmlns="" w="9525">
                     <a:solidFill>
                       <a:srgbClr val="000000"/>
                     </a:solidFill>
@@ -9881,7 +9881,7 @@
               </a:ln>
               <a:extLst>
                 <a:ext uri="{91240B29-F687-4f45-9708-019B960494DF}">
-                  <a14:hiddenLine xmlns="" xmlns:a14="http://schemas.microsoft.com/office/drawing/2010/main" w="9525">
+                  <a14:hiddenLine xmlns:a14="http://schemas.microsoft.com/office/drawing/2010/main" xmlns="" w="9525">
                     <a:solidFill>
                       <a:srgbClr val="000000"/>
                     </a:solidFill>
@@ -9965,7 +9965,7 @@
               </a:ln>
               <a:extLst>
                 <a:ext uri="{91240B29-F687-4f45-9708-019B960494DF}">
-                  <a14:hiddenLine xmlns="" xmlns:a14="http://schemas.microsoft.com/office/drawing/2010/main" w="9525">
+                  <a14:hiddenLine xmlns:a14="http://schemas.microsoft.com/office/drawing/2010/main" xmlns="" w="9525">
                     <a:solidFill>
                       <a:srgbClr val="000000"/>
                     </a:solidFill>
@@ -10027,7 +10027,7 @@
               </a:ln>
               <a:extLst>
                 <a:ext uri="{91240B29-F687-4f45-9708-019B960494DF}">
-                  <a14:hiddenLine xmlns="" xmlns:a14="http://schemas.microsoft.com/office/drawing/2010/main" w="9525">
+                  <a14:hiddenLine xmlns:a14="http://schemas.microsoft.com/office/drawing/2010/main" xmlns="" w="9525">
                     <a:solidFill>
                       <a:srgbClr val="000000"/>
                     </a:solidFill>
@@ -10089,7 +10089,7 @@
               </a:ln>
               <a:extLst>
                 <a:ext uri="{91240B29-F687-4f45-9708-019B960494DF}">
-                  <a14:hiddenLine xmlns="" xmlns:a14="http://schemas.microsoft.com/office/drawing/2010/main" w="9525">
+                  <a14:hiddenLine xmlns:a14="http://schemas.microsoft.com/office/drawing/2010/main" xmlns="" w="9525">
                     <a:solidFill>
                       <a:srgbClr val="000000"/>
                     </a:solidFill>
@@ -10179,7 +10179,7 @@
               </a:ln>
               <a:extLst>
                 <a:ext uri="{91240B29-F687-4f45-9708-019B960494DF}">
-                  <a14:hiddenLine xmlns="" xmlns:a14="http://schemas.microsoft.com/office/drawing/2010/main" w="9525">
+                  <a14:hiddenLine xmlns:a14="http://schemas.microsoft.com/office/drawing/2010/main" xmlns="" w="9525">
                     <a:solidFill>
                       <a:srgbClr val="000000"/>
                     </a:solidFill>
@@ -10213,7 +10213,7 @@
               </a:ln>
               <a:extLst>
                 <a:ext uri="{91240B29-F687-4f45-9708-019B960494DF}">
-                  <a14:hiddenLine xmlns="" xmlns:a14="http://schemas.microsoft.com/office/drawing/2010/main" w="9525">
+                  <a14:hiddenLine xmlns:a14="http://schemas.microsoft.com/office/drawing/2010/main" xmlns="" w="9525">
                     <a:solidFill>
                       <a:srgbClr val="000000"/>
                     </a:solidFill>
@@ -10278,7 +10278,7 @@
               </a:ln>
               <a:extLst>
                 <a:ext uri="{91240B29-F687-4f45-9708-019B960494DF}">
-                  <a14:hiddenLine xmlns="" xmlns:a14="http://schemas.microsoft.com/office/drawing/2010/main" w="9525">
+                  <a14:hiddenLine xmlns:a14="http://schemas.microsoft.com/office/drawing/2010/main" xmlns="" w="9525">
                     <a:solidFill>
                       <a:srgbClr val="000000"/>
                     </a:solidFill>
@@ -10368,7 +10368,7 @@
               </a:ln>
               <a:extLst>
                 <a:ext uri="{91240B29-F687-4f45-9708-019B960494DF}">
-                  <a14:hiddenLine xmlns="" xmlns:a14="http://schemas.microsoft.com/office/drawing/2010/main" w="9525">
+                  <a14:hiddenLine xmlns:a14="http://schemas.microsoft.com/office/drawing/2010/main" xmlns="" w="9525">
                     <a:solidFill>
                       <a:srgbClr val="000000"/>
                     </a:solidFill>
@@ -10430,7 +10430,7 @@
               </a:ln>
               <a:extLst>
                 <a:ext uri="{91240B29-F687-4f45-9708-019B960494DF}">
-                  <a14:hiddenLine xmlns="" xmlns:a14="http://schemas.microsoft.com/office/drawing/2010/main" w="9525">
+                  <a14:hiddenLine xmlns:a14="http://schemas.microsoft.com/office/drawing/2010/main" xmlns="" w="9525">
                     <a:solidFill>
                       <a:srgbClr val="000000"/>
                     </a:solidFill>
@@ -10520,7 +10520,7 @@
               </a:ln>
               <a:extLst>
                 <a:ext uri="{91240B29-F687-4f45-9708-019B960494DF}">
-                  <a14:hiddenLine xmlns="" xmlns:a14="http://schemas.microsoft.com/office/drawing/2010/main" w="9525">
+                  <a14:hiddenLine xmlns:a14="http://schemas.microsoft.com/office/drawing/2010/main" xmlns="" w="9525">
                     <a:solidFill>
                       <a:srgbClr val="000000"/>
                     </a:solidFill>
@@ -10585,7 +10585,7 @@
               </a:ln>
               <a:extLst>
                 <a:ext uri="{91240B29-F687-4f45-9708-019B960494DF}">
-                  <a14:hiddenLine xmlns="" xmlns:a14="http://schemas.microsoft.com/office/drawing/2010/main" w="9525">
+                  <a14:hiddenLine xmlns:a14="http://schemas.microsoft.com/office/drawing/2010/main" xmlns="" w="9525">
                     <a:solidFill>
                       <a:srgbClr val="000000"/>
                     </a:solidFill>
@@ -10647,7 +10647,7 @@
               </a:ln>
               <a:extLst>
                 <a:ext uri="{91240B29-F687-4f45-9708-019B960494DF}">
-                  <a14:hiddenLine xmlns="" xmlns:a14="http://schemas.microsoft.com/office/drawing/2010/main" w="9525">
+                  <a14:hiddenLine xmlns:a14="http://schemas.microsoft.com/office/drawing/2010/main" xmlns="" w="9525">
                     <a:solidFill>
                       <a:srgbClr val="000000"/>
                     </a:solidFill>
@@ -10737,7 +10737,7 @@
               </a:ln>
               <a:extLst>
                 <a:ext uri="{91240B29-F687-4f45-9708-019B960494DF}">
-                  <a14:hiddenLine xmlns="" xmlns:a14="http://schemas.microsoft.com/office/drawing/2010/main" w="9525">
+                  <a14:hiddenLine xmlns:a14="http://schemas.microsoft.com/office/drawing/2010/main" xmlns="" w="9525">
                     <a:solidFill>
                       <a:srgbClr val="000000"/>
                     </a:solidFill>
@@ -10827,7 +10827,7 @@
               </a:ln>
               <a:extLst>
                 <a:ext uri="{91240B29-F687-4f45-9708-019B960494DF}">
-                  <a14:hiddenLine xmlns="" xmlns:a14="http://schemas.microsoft.com/office/drawing/2010/main" w="9525">
+                  <a14:hiddenLine xmlns:a14="http://schemas.microsoft.com/office/drawing/2010/main" xmlns="" w="9525">
                     <a:solidFill>
                       <a:srgbClr val="000000"/>
                     </a:solidFill>
@@ -10892,7 +10892,7 @@
               </a:ln>
               <a:extLst>
                 <a:ext uri="{91240B29-F687-4f45-9708-019B960494DF}">
-                  <a14:hiddenLine xmlns="" xmlns:a14="http://schemas.microsoft.com/office/drawing/2010/main" w="9525">
+                  <a14:hiddenLine xmlns:a14="http://schemas.microsoft.com/office/drawing/2010/main" xmlns="" w="9525">
                     <a:solidFill>
                       <a:srgbClr val="000000"/>
                     </a:solidFill>
@@ -11012,7 +11012,7 @@
               </a:ln>
               <a:extLst>
                 <a:ext uri="{91240B29-F687-4f45-9708-019B960494DF}">
-                  <a14:hiddenLine xmlns="" xmlns:a14="http://schemas.microsoft.com/office/drawing/2010/main" w="9525">
+                  <a14:hiddenLine xmlns:a14="http://schemas.microsoft.com/office/drawing/2010/main" xmlns="" w="9525">
                     <a:solidFill>
                       <a:srgbClr val="000000"/>
                     </a:solidFill>
@@ -11110,7 +11110,7 @@
               </a:ln>
               <a:extLst>
                 <a:ext uri="{91240B29-F687-4f45-9708-019B960494DF}">
-                  <a14:hiddenLine xmlns="" xmlns:a14="http://schemas.microsoft.com/office/drawing/2010/main" w="9525">
+                  <a14:hiddenLine xmlns:a14="http://schemas.microsoft.com/office/drawing/2010/main" xmlns="" w="9525">
                     <a:solidFill>
                       <a:srgbClr val="000000"/>
                     </a:solidFill>
@@ -11225,7 +11225,7 @@
               </a:ln>
               <a:extLst>
                 <a:ext uri="{91240B29-F687-4f45-9708-019B960494DF}">
-                  <a14:hiddenLine xmlns="" xmlns:a14="http://schemas.microsoft.com/office/drawing/2010/main" w="9525">
+                  <a14:hiddenLine xmlns:a14="http://schemas.microsoft.com/office/drawing/2010/main" xmlns="" w="9525">
                     <a:solidFill>
                       <a:srgbClr val="000000"/>
                     </a:solidFill>
@@ -11315,7 +11315,7 @@
               </a:ln>
               <a:extLst>
                 <a:ext uri="{91240B29-F687-4f45-9708-019B960494DF}">
-                  <a14:hiddenLine xmlns="" xmlns:a14="http://schemas.microsoft.com/office/drawing/2010/main" w="9525">
+                  <a14:hiddenLine xmlns:a14="http://schemas.microsoft.com/office/drawing/2010/main" xmlns="" w="9525">
                     <a:solidFill>
                       <a:srgbClr val="000000"/>
                     </a:solidFill>
@@ -11380,7 +11380,7 @@
               </a:ln>
               <a:extLst>
                 <a:ext uri="{91240B29-F687-4f45-9708-019B960494DF}">
-                  <a14:hiddenLine xmlns="" xmlns:a14="http://schemas.microsoft.com/office/drawing/2010/main" w="9525">
+                  <a14:hiddenLine xmlns:a14="http://schemas.microsoft.com/office/drawing/2010/main" xmlns="" w="9525">
                     <a:solidFill>
                       <a:srgbClr val="000000"/>
                     </a:solidFill>
@@ -11470,7 +11470,7 @@
               </a:ln>
               <a:extLst>
                 <a:ext uri="{91240B29-F687-4f45-9708-019B960494DF}">
-                  <a14:hiddenLine xmlns="" xmlns:a14="http://schemas.microsoft.com/office/drawing/2010/main" w="9525">
+                  <a14:hiddenLine xmlns:a14="http://schemas.microsoft.com/office/drawing/2010/main" xmlns="" w="9525">
                     <a:solidFill>
                       <a:srgbClr val="000000"/>
                     </a:solidFill>
@@ -11538,7 +11538,7 @@
               </a:ln>
               <a:extLst>
                 <a:ext uri="{91240B29-F687-4f45-9708-019B960494DF}">
-                  <a14:hiddenLine xmlns="" xmlns:a14="http://schemas.microsoft.com/office/drawing/2010/main" w="9525">
+                  <a14:hiddenLine xmlns:a14="http://schemas.microsoft.com/office/drawing/2010/main" xmlns="" w="9525">
                     <a:solidFill>
                       <a:srgbClr val="000000"/>
                     </a:solidFill>
@@ -11628,7 +11628,7 @@
               </a:ln>
               <a:extLst>
                 <a:ext uri="{91240B29-F687-4f45-9708-019B960494DF}">
-                  <a14:hiddenLine xmlns="" xmlns:a14="http://schemas.microsoft.com/office/drawing/2010/main" w="9525">
+                  <a14:hiddenLine xmlns:a14="http://schemas.microsoft.com/office/drawing/2010/main" xmlns="" w="9525">
                     <a:solidFill>
                       <a:srgbClr val="000000"/>
                     </a:solidFill>
@@ -11696,7 +11696,7 @@
               </a:ln>
               <a:extLst>
                 <a:ext uri="{91240B29-F687-4f45-9708-019B960494DF}">
-                  <a14:hiddenLine xmlns="" xmlns:a14="http://schemas.microsoft.com/office/drawing/2010/main" w="9525">
+                  <a14:hiddenLine xmlns:a14="http://schemas.microsoft.com/office/drawing/2010/main" xmlns="" w="9525">
                     <a:solidFill>
                       <a:srgbClr val="000000"/>
                     </a:solidFill>
@@ -11786,7 +11786,7 @@
               </a:ln>
               <a:extLst>
                 <a:ext uri="{91240B29-F687-4f45-9708-019B960494DF}">
-                  <a14:hiddenLine xmlns="" xmlns:a14="http://schemas.microsoft.com/office/drawing/2010/main" w="9525">
+                  <a14:hiddenLine xmlns:a14="http://schemas.microsoft.com/office/drawing/2010/main" xmlns="" w="9525">
                     <a:solidFill>
                       <a:srgbClr val="000000"/>
                     </a:solidFill>
@@ -11820,7 +11820,7 @@
               </a:ln>
               <a:extLst>
                 <a:ext uri="{91240B29-F687-4f45-9708-019B960494DF}">
-                  <a14:hiddenLine xmlns="" xmlns:a14="http://schemas.microsoft.com/office/drawing/2010/main" w="9525">
+                  <a14:hiddenLine xmlns:a14="http://schemas.microsoft.com/office/drawing/2010/main" xmlns="" w="9525">
                     <a:solidFill>
                       <a:srgbClr val="000000"/>
                     </a:solidFill>
@@ -11961,7 +11961,7 @@
             <a:fld id="{48A87A34-81AB-432B-8DAE-1953F412C126}" type="datetimeFigureOut">
               <a:rPr lang="en-US" dirty="0"/>
               <a:pPr/>
-              <a:t>10/16/2018</a:t>
+              <a:t>10/17/2018</a:t>
             </a:fld>
             <a:endParaRPr lang="en-US" dirty="0"/>
           </a:p>
@@ -13725,7 +13725,6 @@
               <a:rPr lang="en-US" sz="2000" dirty="0" smtClean="0"/>
               <a:t>.</a:t>
             </a:r>
-            <a:endParaRPr lang="en-US" sz="2000" dirty="0" smtClean="0"/>
           </a:p>
           <a:p>
             <a:pPr>
@@ -14174,7 +14173,11 @@
             </a:pPr>
             <a:r>
               <a:rPr lang="en-US" sz="2000" dirty="0"/>
-              <a:t>Number </a:t>
+              <a:t>N</a:t>
+            </a:r>
+            <a:r>
+              <a:rPr lang="en-US" sz="2000" dirty="0"/>
+              <a:t>umber </a:t>
             </a:r>
             <a:r>
               <a:rPr lang="en-US" sz="2000" dirty="0" smtClean="0"/>
@@ -14420,30 +14423,30 @@
             </a:pPr>
             <a:r>
               <a:rPr lang="en-US" sz="1600" dirty="0" smtClean="0"/>
-              <a:t> There</a:t>
-            </a:r>
-            <a:r>
-              <a:rPr lang="en-US" sz="1600" dirty="0"/>
               <a:t> </a:t>
             </a:r>
             <a:r>
-              <a:rPr lang="en-US" sz="1600" dirty="0" smtClean="0"/>
-              <a:t>are expression: </a:t>
-            </a:r>
-            <a:r>
-              <a:rPr lang="en-US" sz="1600" dirty="0"/>
+              <a:rPr lang="en-US" dirty="0"/>
+              <a:t>There are expression</a:t>
+            </a:r>
+            <a:r>
+              <a:rPr lang="en-US" dirty="0"/>
+              <a:t>: </a:t>
+            </a:r>
+            <a:r>
+              <a:rPr lang="en-US" dirty="0"/>
               <a:t>@if, @</a:t>
             </a:r>
             <a:r>
-              <a:rPr lang="en-US" sz="1600" dirty="0" smtClean="0"/>
+              <a:rPr lang="en-US" dirty="0"/>
               <a:t>Else, </a:t>
             </a:r>
             <a:r>
-              <a:rPr lang="en-US" sz="1600" dirty="0"/>
+              <a:rPr lang="en-US" dirty="0"/>
               <a:t>@for, @each and @</a:t>
             </a:r>
             <a:r>
-              <a:rPr lang="en-US" sz="1600" dirty="0" smtClean="0"/>
+              <a:rPr lang="en-US" dirty="0"/>
               <a:t>while</a:t>
             </a:r>
           </a:p>
@@ -14801,8 +14804,74 @@
               </a:spcBef>
             </a:pPr>
             <a:r>
-              <a:rPr lang="en-US" sz="1600" dirty="0" smtClean="0"/>
-              <a:t>@import</a:t>
+              <a:rPr lang="en-US" dirty="0"/>
+              <a:t>@</a:t>
+            </a:r>
+            <a:r>
+              <a:rPr lang="en-US" dirty="0"/>
+              <a:t>import: merged </a:t>
+            </a:r>
+            <a:r>
+              <a:rPr lang="en-US" dirty="0" smtClean="0"/>
+              <a:t>together, </a:t>
+            </a:r>
+            <a:r>
+              <a:rPr lang="en-US" dirty="0"/>
+              <a:t>used variables or </a:t>
+            </a:r>
+            <a:r>
+              <a:rPr lang="en-US" dirty="0" err="1" smtClean="0"/>
+              <a:t>mixins</a:t>
+            </a:r>
+            <a:r>
+              <a:rPr lang="en-US" dirty="0" smtClean="0"/>
+              <a:t> to compile.</a:t>
+            </a:r>
+          </a:p>
+          <a:p>
+            <a:pPr lvl="2">
+              <a:lnSpc>
+                <a:spcPct val="100000"/>
+              </a:lnSpc>
+              <a:spcBef>
+                <a:spcPts val="300"/>
+              </a:spcBef>
+            </a:pPr>
+            <a:r>
+              <a:rPr lang="en-US" dirty="0"/>
+              <a:t>Be considered </a:t>
+            </a:r>
+            <a:r>
+              <a:rPr lang="en-US" dirty="0" smtClean="0"/>
+              <a:t>as CSS</a:t>
+            </a:r>
+            <a:r>
+              <a:rPr lang="en-US" dirty="0"/>
+              <a:t>: extension is .</a:t>
+            </a:r>
+            <a:r>
+              <a:rPr lang="en-US" dirty="0" err="1" smtClean="0"/>
+              <a:t>css</a:t>
+            </a:r>
+            <a:r>
+              <a:rPr lang="en-US" dirty="0"/>
+              <a:t>, begins with http</a:t>
+            </a:r>
+            <a:r>
+              <a:rPr lang="en-US" dirty="0" smtClean="0"/>
+              <a:t>:// </a:t>
+            </a:r>
+            <a:r>
+              <a:rPr lang="en-US" dirty="0"/>
+              <a:t>, </a:t>
+            </a:r>
+            <a:r>
+              <a:rPr lang="en-US" dirty="0" err="1"/>
+              <a:t>url</a:t>
+            </a:r>
+            <a:r>
+              <a:rPr lang="en-US" dirty="0"/>
+              <a:t>(), any media queries</a:t>
             </a:r>
           </a:p>
           <a:p>
@@ -14815,8 +14884,60 @@
               </a:spcBef>
             </a:pPr>
             <a:r>
-              <a:rPr lang="en-US" sz="1600" dirty="0" smtClean="0"/>
-              <a:t>@Extend</a:t>
+              <a:rPr lang="en-US" dirty="0"/>
+              <a:t>@</a:t>
+            </a:r>
+            <a:r>
+              <a:rPr lang="en-US" dirty="0" smtClean="0"/>
+              <a:t>Extend</a:t>
+            </a:r>
+            <a:r>
+              <a:rPr lang="en-US" dirty="0"/>
+              <a:t>: generate extending selector anywhere </a:t>
+            </a:r>
+            <a:r>
+              <a:rPr lang="en-US" dirty="0" smtClean="0"/>
+              <a:t>in the sheet (don’t care order)</a:t>
+            </a:r>
+          </a:p>
+          <a:p>
+            <a:pPr lvl="2">
+              <a:lnSpc>
+                <a:spcPct val="100000"/>
+              </a:lnSpc>
+              <a:spcBef>
+                <a:spcPts val="300"/>
+              </a:spcBef>
+            </a:pPr>
+            <a:r>
+              <a:rPr lang="en-US" dirty="0" smtClean="0"/>
+              <a:t>Allow multi extend.</a:t>
+            </a:r>
+          </a:p>
+          <a:p>
+            <a:pPr lvl="2">
+              <a:lnSpc>
+                <a:spcPct val="100000"/>
+              </a:lnSpc>
+              <a:spcBef>
+                <a:spcPts val="300"/>
+              </a:spcBef>
+            </a:pPr>
+            <a:r>
+              <a:rPr lang="en-US" dirty="0" smtClean="0"/>
+              <a:t>Allow extend </a:t>
+            </a:r>
+            <a:r>
+              <a:rPr lang="en-US" dirty="0"/>
+              <a:t>another selector that in turn extends a </a:t>
+            </a:r>
+            <a:r>
+              <a:rPr lang="en-US" dirty="0" smtClean="0"/>
+              <a:t>third. @</a:t>
+            </a:r>
+            <a:r>
+              <a:rPr lang="en-US" dirty="0"/>
+              <a:t>Media</a:t>
             </a:r>
           </a:p>
           <a:p>
@@ -14829,8 +14950,12 @@
               </a:spcBef>
             </a:pPr>
             <a:r>
-              <a:rPr lang="en-US" sz="1600" dirty="0" smtClean="0"/>
-              <a:t>@Media</a:t>
+              <a:rPr lang="en-US" dirty="0"/>
+              <a:t>@</a:t>
+            </a:r>
+            <a:r>
+              <a:rPr lang="en-US" dirty="0"/>
+              <a:t>at-root</a:t>
             </a:r>
           </a:p>
           <a:p>
@@ -14843,13 +14968,14 @@
               </a:spcBef>
             </a:pPr>
             <a:r>
-              <a:rPr lang="en-US" sz="1600" dirty="0"/>
-              <a:t>@</a:t>
-            </a:r>
-            <a:r>
-              <a:rPr lang="en-US" sz="1600" dirty="0" smtClean="0"/>
-              <a:t>at-root</a:t>
-            </a:r>
+              <a:rPr lang="en-US" dirty="0"/>
+              <a:t>@Debug, @Warn: prints the </a:t>
+            </a:r>
+            <a:r>
+              <a:rPr lang="en-US" dirty="0" smtClean="0"/>
+              <a:t>value during compile.</a:t>
+            </a:r>
+            <a:endParaRPr lang="en-US" dirty="0"/>
           </a:p>
           <a:p>
             <a:pPr lvl="1">
@@ -14861,38 +14987,22 @@
               </a:spcBef>
             </a:pPr>
             <a:r>
-              <a:rPr lang="en-US" sz="1600" dirty="0" smtClean="0"/>
-              <a:t>@Debug</a:t>
-            </a:r>
-          </a:p>
-          <a:p>
-            <a:pPr lvl="1">
-              <a:lnSpc>
-                <a:spcPct val="100000"/>
-              </a:lnSpc>
-              <a:spcBef>
-                <a:spcPts val="300"/>
-              </a:spcBef>
-            </a:pPr>
-            <a:r>
-              <a:rPr lang="en-US" sz="1600" dirty="0" smtClean="0"/>
-              <a:t>@Warn</a:t>
-            </a:r>
-          </a:p>
-          <a:p>
-            <a:pPr lvl="1">
-              <a:lnSpc>
-                <a:spcPct val="100000"/>
-              </a:lnSpc>
-              <a:spcBef>
-                <a:spcPts val="300"/>
-              </a:spcBef>
-            </a:pPr>
-            <a:r>
-              <a:rPr lang="en-US" sz="1600" dirty="0" smtClean="0"/>
-              <a:t>@Error</a:t>
-            </a:r>
-            <a:endParaRPr lang="en-US" sz="1600" dirty="0"/>
+              <a:rPr lang="en-US" dirty="0"/>
+              <a:t>@</a:t>
+            </a:r>
+            <a:r>
+              <a:rPr lang="en-US" dirty="0" smtClean="0"/>
+              <a:t>Error: throw exception</a:t>
+            </a:r>
+            <a:r>
+              <a:rPr lang="en-US" dirty="0"/>
+              <a:t>, include stack </a:t>
+            </a:r>
+            <a:r>
+              <a:rPr lang="en-US" dirty="0" smtClean="0"/>
+              <a:t>trace. -&gt; fail compile</a:t>
+            </a:r>
+            <a:endParaRPr lang="en-US" dirty="0"/>
           </a:p>
           <a:p>
             <a:pPr lvl="2">
